--- a/design/basic-design.pptx
+++ b/design/basic-design.pptx
@@ -4,9 +4,25 @@
   <p:sldMasterIdLst>
     <p:sldMasterId id="2147483648" r:id="rId1"/>
   </p:sldMasterIdLst>
+  <p:notesMasterIdLst>
+    <p:notesMasterId r:id="rId17"/>
+  </p:notesMasterIdLst>
   <p:sldIdLst>
-    <p:sldId id="256" r:id="rId2"/>
-    <p:sldId id="257" r:id="rId3"/>
+    <p:sldId id="259" r:id="rId2"/>
+    <p:sldId id="261" r:id="rId3"/>
+    <p:sldId id="262" r:id="rId4"/>
+    <p:sldId id="265" r:id="rId5"/>
+    <p:sldId id="260" r:id="rId6"/>
+    <p:sldId id="264" r:id="rId7"/>
+    <p:sldId id="263" r:id="rId8"/>
+    <p:sldId id="256" r:id="rId9"/>
+    <p:sldId id="257" r:id="rId10"/>
+    <p:sldId id="266" r:id="rId11"/>
+    <p:sldId id="267" r:id="rId12"/>
+    <p:sldId id="268" r:id="rId13"/>
+    <p:sldId id="269" r:id="rId14"/>
+    <p:sldId id="270" r:id="rId15"/>
+    <p:sldId id="271" r:id="rId16"/>
   </p:sldIdLst>
   <p:sldSz cx="12192000" cy="6858000"/>
   <p:notesSz cx="6858000" cy="9144000"/>
@@ -105,7 +121,547 @@
       </a:defRPr>
     </a:lvl9pPr>
   </p:defaultTextStyle>
+  <p:extLst>
+    <p:ext uri="{EFAFB233-063F-42B5-8137-9DF3F51BA10A}">
+      <p15:sldGuideLst xmlns:p15="http://schemas.microsoft.com/office/powerpoint/2012/main"/>
+    </p:ext>
+  </p:extLst>
 </p:presentation>
+</file>
+
+<file path=ppt/notesMasters/notesMaster1.xml><?xml version="1.0" encoding="utf-8"?>
+<p:notesMaster xmlns:a="http://schemas.openxmlformats.org/drawingml/2006/main" xmlns:r="http://schemas.openxmlformats.org/officeDocument/2006/relationships" xmlns:p="http://schemas.openxmlformats.org/presentationml/2006/main">
+  <p:cSld>
+    <p:bg>
+      <p:bgRef idx="1001">
+        <a:schemeClr val="bg1"/>
+      </p:bgRef>
+    </p:bg>
+    <p:spTree>
+      <p:nvGrpSpPr>
+        <p:cNvPr id="1" name=""/>
+        <p:cNvGrpSpPr/>
+        <p:nvPr/>
+      </p:nvGrpSpPr>
+      <p:grpSpPr>
+        <a:xfrm>
+          <a:off x="0" y="0"/>
+          <a:ext cx="0" cy="0"/>
+          <a:chOff x="0" y="0"/>
+          <a:chExt cx="0" cy="0"/>
+        </a:xfrm>
+      </p:grpSpPr>
+      <p:sp>
+        <p:nvSpPr>
+          <p:cNvPr id="2" name="Header Placeholder 1"/>
+          <p:cNvSpPr>
+            <a:spLocks noGrp="1"/>
+          </p:cNvSpPr>
+          <p:nvPr>
+            <p:ph type="hdr" sz="quarter"/>
+          </p:nvPr>
+        </p:nvSpPr>
+        <p:spPr>
+          <a:xfrm>
+            <a:off x="0" y="0"/>
+            <a:ext cx="2971800" cy="458788"/>
+          </a:xfrm>
+          <a:prstGeom prst="rect">
+            <a:avLst/>
+          </a:prstGeom>
+        </p:spPr>
+        <p:txBody>
+          <a:bodyPr vert="horz" lIns="91440" tIns="45720" rIns="91440" bIns="45720" rtlCol="0"/>
+          <a:lstStyle>
+            <a:lvl1pPr algn="l">
+              <a:defRPr sz="1200"/>
+            </a:lvl1pPr>
+          </a:lstStyle>
+          <a:p>
+            <a:endParaRPr lang="en-GB"/>
+          </a:p>
+        </p:txBody>
+      </p:sp>
+      <p:sp>
+        <p:nvSpPr>
+          <p:cNvPr id="3" name="Date Placeholder 2"/>
+          <p:cNvSpPr>
+            <a:spLocks noGrp="1"/>
+          </p:cNvSpPr>
+          <p:nvPr>
+            <p:ph type="dt" idx="1"/>
+          </p:nvPr>
+        </p:nvSpPr>
+        <p:spPr>
+          <a:xfrm>
+            <a:off x="3884613" y="0"/>
+            <a:ext cx="2971800" cy="458788"/>
+          </a:xfrm>
+          <a:prstGeom prst="rect">
+            <a:avLst/>
+          </a:prstGeom>
+        </p:spPr>
+        <p:txBody>
+          <a:bodyPr vert="horz" lIns="91440" tIns="45720" rIns="91440" bIns="45720" rtlCol="0"/>
+          <a:lstStyle>
+            <a:lvl1pPr algn="r">
+              <a:defRPr sz="1200"/>
+            </a:lvl1pPr>
+          </a:lstStyle>
+          <a:p>
+            <a:fld id="{4924EFB4-0420-4749-8A2E-0162BE329B39}" type="datetimeFigureOut">
+              <a:rPr lang="en-GB" smtClean="0"/>
+              <a:t>15/02/2021</a:t>
+            </a:fld>
+            <a:endParaRPr lang="en-GB"/>
+          </a:p>
+        </p:txBody>
+      </p:sp>
+      <p:sp>
+        <p:nvSpPr>
+          <p:cNvPr id="4" name="Slide Image Placeholder 3"/>
+          <p:cNvSpPr>
+            <a:spLocks noGrp="1" noRot="1" noChangeAspect="1"/>
+          </p:cNvSpPr>
+          <p:nvPr>
+            <p:ph type="sldImg" idx="2"/>
+          </p:nvPr>
+        </p:nvSpPr>
+        <p:spPr>
+          <a:xfrm>
+            <a:off x="685800" y="1143000"/>
+            <a:ext cx="5486400" cy="3086100"/>
+          </a:xfrm>
+          <a:prstGeom prst="rect">
+            <a:avLst/>
+          </a:prstGeom>
+          <a:noFill/>
+          <a:ln w="12700">
+            <a:solidFill>
+              <a:prstClr val="black"/>
+            </a:solidFill>
+          </a:ln>
+        </p:spPr>
+        <p:txBody>
+          <a:bodyPr vert="horz" lIns="91440" tIns="45720" rIns="91440" bIns="45720" rtlCol="0" anchor="ctr"/>
+          <a:lstStyle/>
+          <a:p>
+            <a:endParaRPr lang="en-GB"/>
+          </a:p>
+        </p:txBody>
+      </p:sp>
+      <p:sp>
+        <p:nvSpPr>
+          <p:cNvPr id="5" name="Notes Placeholder 4"/>
+          <p:cNvSpPr>
+            <a:spLocks noGrp="1"/>
+          </p:cNvSpPr>
+          <p:nvPr>
+            <p:ph type="body" sz="quarter" idx="3"/>
+          </p:nvPr>
+        </p:nvSpPr>
+        <p:spPr>
+          <a:xfrm>
+            <a:off x="685800" y="4400550"/>
+            <a:ext cx="5486400" cy="3600450"/>
+          </a:xfrm>
+          <a:prstGeom prst="rect">
+            <a:avLst/>
+          </a:prstGeom>
+        </p:spPr>
+        <p:txBody>
+          <a:bodyPr vert="horz" lIns="91440" tIns="45720" rIns="91440" bIns="45720" rtlCol="0"/>
+          <a:lstStyle/>
+          <a:p>
+            <a:pPr lvl="0"/>
+            <a:r>
+              <a:rPr lang="en-US"/>
+              <a:t>Click to edit Master text styles</a:t>
+            </a:r>
+          </a:p>
+          <a:p>
+            <a:pPr lvl="1"/>
+            <a:r>
+              <a:rPr lang="en-US"/>
+              <a:t>Second level</a:t>
+            </a:r>
+          </a:p>
+          <a:p>
+            <a:pPr lvl="2"/>
+            <a:r>
+              <a:rPr lang="en-US"/>
+              <a:t>Third level</a:t>
+            </a:r>
+          </a:p>
+          <a:p>
+            <a:pPr lvl="3"/>
+            <a:r>
+              <a:rPr lang="en-US"/>
+              <a:t>Fourth level</a:t>
+            </a:r>
+          </a:p>
+          <a:p>
+            <a:pPr lvl="4"/>
+            <a:r>
+              <a:rPr lang="en-US"/>
+              <a:t>Fifth level</a:t>
+            </a:r>
+            <a:endParaRPr lang="en-GB"/>
+          </a:p>
+        </p:txBody>
+      </p:sp>
+      <p:sp>
+        <p:nvSpPr>
+          <p:cNvPr id="6" name="Footer Placeholder 5"/>
+          <p:cNvSpPr>
+            <a:spLocks noGrp="1"/>
+          </p:cNvSpPr>
+          <p:nvPr>
+            <p:ph type="ftr" sz="quarter" idx="4"/>
+          </p:nvPr>
+        </p:nvSpPr>
+        <p:spPr>
+          <a:xfrm>
+            <a:off x="0" y="8685213"/>
+            <a:ext cx="2971800" cy="458787"/>
+          </a:xfrm>
+          <a:prstGeom prst="rect">
+            <a:avLst/>
+          </a:prstGeom>
+        </p:spPr>
+        <p:txBody>
+          <a:bodyPr vert="horz" lIns="91440" tIns="45720" rIns="91440" bIns="45720" rtlCol="0" anchor="b"/>
+          <a:lstStyle>
+            <a:lvl1pPr algn="l">
+              <a:defRPr sz="1200"/>
+            </a:lvl1pPr>
+          </a:lstStyle>
+          <a:p>
+            <a:endParaRPr lang="en-GB"/>
+          </a:p>
+        </p:txBody>
+      </p:sp>
+      <p:sp>
+        <p:nvSpPr>
+          <p:cNvPr id="7" name="Slide Number Placeholder 6"/>
+          <p:cNvSpPr>
+            <a:spLocks noGrp="1"/>
+          </p:cNvSpPr>
+          <p:nvPr>
+            <p:ph type="sldNum" sz="quarter" idx="5"/>
+          </p:nvPr>
+        </p:nvSpPr>
+        <p:spPr>
+          <a:xfrm>
+            <a:off x="3884613" y="8685213"/>
+            <a:ext cx="2971800" cy="458787"/>
+          </a:xfrm>
+          <a:prstGeom prst="rect">
+            <a:avLst/>
+          </a:prstGeom>
+        </p:spPr>
+        <p:txBody>
+          <a:bodyPr vert="horz" lIns="91440" tIns="45720" rIns="91440" bIns="45720" rtlCol="0" anchor="b"/>
+          <a:lstStyle>
+            <a:lvl1pPr algn="r">
+              <a:defRPr sz="1200"/>
+            </a:lvl1pPr>
+          </a:lstStyle>
+          <a:p>
+            <a:fld id="{2FDDC2A9-F864-48C3-A33E-1A25A0E9E3DB}" type="slidenum">
+              <a:rPr lang="en-GB" smtClean="0"/>
+              <a:t>‹#›</a:t>
+            </a:fld>
+            <a:endParaRPr lang="en-GB"/>
+          </a:p>
+        </p:txBody>
+      </p:sp>
+    </p:spTree>
+    <p:extLst>
+      <p:ext uri="{BB962C8B-B14F-4D97-AF65-F5344CB8AC3E}">
+        <p14:creationId xmlns:p14="http://schemas.microsoft.com/office/powerpoint/2010/main" val="2527562747"/>
+      </p:ext>
+    </p:extLst>
+  </p:cSld>
+  <p:clrMap bg1="lt1" tx1="dk1" bg2="lt2" tx2="dk2" accent1="accent1" accent2="accent2" accent3="accent3" accent4="accent4" accent5="accent5" accent6="accent6" hlink="hlink" folHlink="folHlink"/>
+  <p:notesStyle>
+    <a:lvl1pPr marL="0" algn="l" defTabSz="914400" rtl="0" eaLnBrk="1" latinLnBrk="0" hangingPunct="1">
+      <a:defRPr sz="1200" kern="1200">
+        <a:solidFill>
+          <a:schemeClr val="tx1"/>
+        </a:solidFill>
+        <a:latin typeface="+mn-lt"/>
+        <a:ea typeface="+mn-ea"/>
+        <a:cs typeface="+mn-cs"/>
+      </a:defRPr>
+    </a:lvl1pPr>
+    <a:lvl2pPr marL="457200" algn="l" defTabSz="914400" rtl="0" eaLnBrk="1" latinLnBrk="0" hangingPunct="1">
+      <a:defRPr sz="1200" kern="1200">
+        <a:solidFill>
+          <a:schemeClr val="tx1"/>
+        </a:solidFill>
+        <a:latin typeface="+mn-lt"/>
+        <a:ea typeface="+mn-ea"/>
+        <a:cs typeface="+mn-cs"/>
+      </a:defRPr>
+    </a:lvl2pPr>
+    <a:lvl3pPr marL="914400" algn="l" defTabSz="914400" rtl="0" eaLnBrk="1" latinLnBrk="0" hangingPunct="1">
+      <a:defRPr sz="1200" kern="1200">
+        <a:solidFill>
+          <a:schemeClr val="tx1"/>
+        </a:solidFill>
+        <a:latin typeface="+mn-lt"/>
+        <a:ea typeface="+mn-ea"/>
+        <a:cs typeface="+mn-cs"/>
+      </a:defRPr>
+    </a:lvl3pPr>
+    <a:lvl4pPr marL="1371600" algn="l" defTabSz="914400" rtl="0" eaLnBrk="1" latinLnBrk="0" hangingPunct="1">
+      <a:defRPr sz="1200" kern="1200">
+        <a:solidFill>
+          <a:schemeClr val="tx1"/>
+        </a:solidFill>
+        <a:latin typeface="+mn-lt"/>
+        <a:ea typeface="+mn-ea"/>
+        <a:cs typeface="+mn-cs"/>
+      </a:defRPr>
+    </a:lvl4pPr>
+    <a:lvl5pPr marL="1828800" algn="l" defTabSz="914400" rtl="0" eaLnBrk="1" latinLnBrk="0" hangingPunct="1">
+      <a:defRPr sz="1200" kern="1200">
+        <a:solidFill>
+          <a:schemeClr val="tx1"/>
+        </a:solidFill>
+        <a:latin typeface="+mn-lt"/>
+        <a:ea typeface="+mn-ea"/>
+        <a:cs typeface="+mn-cs"/>
+      </a:defRPr>
+    </a:lvl5pPr>
+    <a:lvl6pPr marL="2286000" algn="l" defTabSz="914400" rtl="0" eaLnBrk="1" latinLnBrk="0" hangingPunct="1">
+      <a:defRPr sz="1200" kern="1200">
+        <a:solidFill>
+          <a:schemeClr val="tx1"/>
+        </a:solidFill>
+        <a:latin typeface="+mn-lt"/>
+        <a:ea typeface="+mn-ea"/>
+        <a:cs typeface="+mn-cs"/>
+      </a:defRPr>
+    </a:lvl6pPr>
+    <a:lvl7pPr marL="2743200" algn="l" defTabSz="914400" rtl="0" eaLnBrk="1" latinLnBrk="0" hangingPunct="1">
+      <a:defRPr sz="1200" kern="1200">
+        <a:solidFill>
+          <a:schemeClr val="tx1"/>
+        </a:solidFill>
+        <a:latin typeface="+mn-lt"/>
+        <a:ea typeface="+mn-ea"/>
+        <a:cs typeface="+mn-cs"/>
+      </a:defRPr>
+    </a:lvl7pPr>
+    <a:lvl8pPr marL="3200400" algn="l" defTabSz="914400" rtl="0" eaLnBrk="1" latinLnBrk="0" hangingPunct="1">
+      <a:defRPr sz="1200" kern="1200">
+        <a:solidFill>
+          <a:schemeClr val="tx1"/>
+        </a:solidFill>
+        <a:latin typeface="+mn-lt"/>
+        <a:ea typeface="+mn-ea"/>
+        <a:cs typeface="+mn-cs"/>
+      </a:defRPr>
+    </a:lvl8pPr>
+    <a:lvl9pPr marL="3657600" algn="l" defTabSz="914400" rtl="0" eaLnBrk="1" latinLnBrk="0" hangingPunct="1">
+      <a:defRPr sz="1200" kern="1200">
+        <a:solidFill>
+          <a:schemeClr val="tx1"/>
+        </a:solidFill>
+        <a:latin typeface="+mn-lt"/>
+        <a:ea typeface="+mn-ea"/>
+        <a:cs typeface="+mn-cs"/>
+      </a:defRPr>
+    </a:lvl9pPr>
+  </p:notesStyle>
+</p:notesMaster>
+</file>
+
+<file path=ppt/notesSlides/notesSlide1.xml><?xml version="1.0" encoding="utf-8"?>
+<p:notes xmlns:a="http://schemas.openxmlformats.org/drawingml/2006/main" xmlns:r="http://schemas.openxmlformats.org/officeDocument/2006/relationships" xmlns:p="http://schemas.openxmlformats.org/presentationml/2006/main">
+  <p:cSld>
+    <p:spTree>
+      <p:nvGrpSpPr>
+        <p:cNvPr id="1" name=""/>
+        <p:cNvGrpSpPr/>
+        <p:nvPr/>
+      </p:nvGrpSpPr>
+      <p:grpSpPr>
+        <a:xfrm>
+          <a:off x="0" y="0"/>
+          <a:ext cx="0" cy="0"/>
+          <a:chOff x="0" y="0"/>
+          <a:chExt cx="0" cy="0"/>
+        </a:xfrm>
+      </p:grpSpPr>
+      <p:sp>
+        <p:nvSpPr>
+          <p:cNvPr id="2" name="Slide Image Placeholder 1"/>
+          <p:cNvSpPr>
+            <a:spLocks noGrp="1" noRot="1" noChangeAspect="1"/>
+          </p:cNvSpPr>
+          <p:nvPr>
+            <p:ph type="sldImg"/>
+          </p:nvPr>
+        </p:nvSpPr>
+        <p:spPr/>
+      </p:sp>
+      <p:sp>
+        <p:nvSpPr>
+          <p:cNvPr id="3" name="Notes Placeholder 2"/>
+          <p:cNvSpPr>
+            <a:spLocks noGrp="1"/>
+          </p:cNvSpPr>
+          <p:nvPr>
+            <p:ph type="body" idx="1"/>
+          </p:nvPr>
+        </p:nvSpPr>
+        <p:spPr/>
+        <p:txBody>
+          <a:bodyPr/>
+          <a:lstStyle/>
+          <a:p>
+            <a:r>
+              <a:rPr lang="en-GB" dirty="0" err="1"/>
+              <a:t>GridView</a:t>
+            </a:r>
+            <a:endParaRPr lang="en-GB" dirty="0"/>
+          </a:p>
+          <a:p>
+            <a:r>
+              <a:rPr lang="en-GB" dirty="0" err="1"/>
+              <a:t>ListView</a:t>
+            </a:r>
+            <a:endParaRPr lang="en-GB" dirty="0"/>
+          </a:p>
+          <a:p>
+            <a:r>
+              <a:rPr lang="en-GB" dirty="0"/>
+              <a:t>Stack</a:t>
+            </a:r>
+          </a:p>
+        </p:txBody>
+      </p:sp>
+      <p:sp>
+        <p:nvSpPr>
+          <p:cNvPr id="4" name="Slide Number Placeholder 3"/>
+          <p:cNvSpPr>
+            <a:spLocks noGrp="1"/>
+          </p:cNvSpPr>
+          <p:nvPr>
+            <p:ph type="sldNum" sz="quarter" idx="5"/>
+          </p:nvPr>
+        </p:nvSpPr>
+        <p:spPr/>
+        <p:txBody>
+          <a:bodyPr/>
+          <a:lstStyle/>
+          <a:p>
+            <a:fld id="{2FDDC2A9-F864-48C3-A33E-1A25A0E9E3DB}" type="slidenum">
+              <a:rPr lang="en-GB" smtClean="0"/>
+              <a:t>13</a:t>
+            </a:fld>
+            <a:endParaRPr lang="en-GB"/>
+          </a:p>
+        </p:txBody>
+      </p:sp>
+    </p:spTree>
+    <p:extLst>
+      <p:ext uri="{BB962C8B-B14F-4D97-AF65-F5344CB8AC3E}">
+        <p14:creationId xmlns:p14="http://schemas.microsoft.com/office/powerpoint/2010/main" val="246173281"/>
+      </p:ext>
+    </p:extLst>
+  </p:cSld>
+  <p:clrMapOvr>
+    <a:masterClrMapping/>
+  </p:clrMapOvr>
+</p:notes>
+</file>
+
+<file path=ppt/notesSlides/notesSlide2.xml><?xml version="1.0" encoding="utf-8"?>
+<p:notes xmlns:a="http://schemas.openxmlformats.org/drawingml/2006/main" xmlns:r="http://schemas.openxmlformats.org/officeDocument/2006/relationships" xmlns:p="http://schemas.openxmlformats.org/presentationml/2006/main">
+  <p:cSld>
+    <p:spTree>
+      <p:nvGrpSpPr>
+        <p:cNvPr id="1" name=""/>
+        <p:cNvGrpSpPr/>
+        <p:nvPr/>
+      </p:nvGrpSpPr>
+      <p:grpSpPr>
+        <a:xfrm>
+          <a:off x="0" y="0"/>
+          <a:ext cx="0" cy="0"/>
+          <a:chOff x="0" y="0"/>
+          <a:chExt cx="0" cy="0"/>
+        </a:xfrm>
+      </p:grpSpPr>
+      <p:sp>
+        <p:nvSpPr>
+          <p:cNvPr id="2" name="Slide Image Placeholder 1"/>
+          <p:cNvSpPr>
+            <a:spLocks noGrp="1" noRot="1" noChangeAspect="1"/>
+          </p:cNvSpPr>
+          <p:nvPr>
+            <p:ph type="sldImg"/>
+          </p:nvPr>
+        </p:nvSpPr>
+        <p:spPr/>
+      </p:sp>
+      <p:sp>
+        <p:nvSpPr>
+          <p:cNvPr id="3" name="Notes Placeholder 2"/>
+          <p:cNvSpPr>
+            <a:spLocks noGrp="1"/>
+          </p:cNvSpPr>
+          <p:nvPr>
+            <p:ph type="body" idx="1"/>
+          </p:nvPr>
+        </p:nvSpPr>
+        <p:spPr/>
+        <p:txBody>
+          <a:bodyPr/>
+          <a:lstStyle/>
+          <a:p>
+            <a:endParaRPr lang="en-GB" dirty="0"/>
+          </a:p>
+        </p:txBody>
+      </p:sp>
+      <p:sp>
+        <p:nvSpPr>
+          <p:cNvPr id="4" name="Slide Number Placeholder 3"/>
+          <p:cNvSpPr>
+            <a:spLocks noGrp="1"/>
+          </p:cNvSpPr>
+          <p:nvPr>
+            <p:ph type="sldNum" sz="quarter" idx="5"/>
+          </p:nvPr>
+        </p:nvSpPr>
+        <p:spPr/>
+        <p:txBody>
+          <a:bodyPr/>
+          <a:lstStyle/>
+          <a:p>
+            <a:fld id="{2FDDC2A9-F864-48C3-A33E-1A25A0E9E3DB}" type="slidenum">
+              <a:rPr lang="en-GB" smtClean="0"/>
+              <a:t>15</a:t>
+            </a:fld>
+            <a:endParaRPr lang="en-GB"/>
+          </a:p>
+        </p:txBody>
+      </p:sp>
+    </p:spTree>
+    <p:extLst>
+      <p:ext uri="{BB962C8B-B14F-4D97-AF65-F5344CB8AC3E}">
+        <p14:creationId xmlns:p14="http://schemas.microsoft.com/office/powerpoint/2010/main" val="2006336646"/>
+      </p:ext>
+    </p:extLst>
+  </p:cSld>
+  <p:clrMapOvr>
+    <a:masterClrMapping/>
+  </p:clrMapOvr>
+</p:notes>
 </file>
 
 <file path=ppt/slideLayouts/slideLayout1.xml><?xml version="1.0" encoding="utf-8"?>
@@ -257,7 +813,7 @@
           <a:p>
             <a:fld id="{AA0F5C8E-4298-407A-9AB3-043E657F574C}" type="datetimeFigureOut">
               <a:rPr lang="en-GB" smtClean="0"/>
-              <a:t>23/10/2020</a:t>
+              <a:t>15/02/2021</a:t>
             </a:fld>
             <a:endParaRPr lang="en-GB"/>
           </a:p>
@@ -457,7 +1013,7 @@
           <a:p>
             <a:fld id="{AA0F5C8E-4298-407A-9AB3-043E657F574C}" type="datetimeFigureOut">
               <a:rPr lang="en-GB" smtClean="0"/>
-              <a:t>23/10/2020</a:t>
+              <a:t>15/02/2021</a:t>
             </a:fld>
             <a:endParaRPr lang="en-GB"/>
           </a:p>
@@ -667,7 +1223,7 @@
           <a:p>
             <a:fld id="{AA0F5C8E-4298-407A-9AB3-043E657F574C}" type="datetimeFigureOut">
               <a:rPr lang="en-GB" smtClean="0"/>
-              <a:t>23/10/2020</a:t>
+              <a:t>15/02/2021</a:t>
             </a:fld>
             <a:endParaRPr lang="en-GB"/>
           </a:p>
@@ -867,7 +1423,7 @@
           <a:p>
             <a:fld id="{AA0F5C8E-4298-407A-9AB3-043E657F574C}" type="datetimeFigureOut">
               <a:rPr lang="en-GB" smtClean="0"/>
-              <a:t>23/10/2020</a:t>
+              <a:t>15/02/2021</a:t>
             </a:fld>
             <a:endParaRPr lang="en-GB"/>
           </a:p>
@@ -1143,7 +1699,7 @@
           <a:p>
             <a:fld id="{AA0F5C8E-4298-407A-9AB3-043E657F574C}" type="datetimeFigureOut">
               <a:rPr lang="en-GB" smtClean="0"/>
-              <a:t>23/10/2020</a:t>
+              <a:t>15/02/2021</a:t>
             </a:fld>
             <a:endParaRPr lang="en-GB"/>
           </a:p>
@@ -1411,7 +1967,7 @@
           <a:p>
             <a:fld id="{AA0F5C8E-4298-407A-9AB3-043E657F574C}" type="datetimeFigureOut">
               <a:rPr lang="en-GB" smtClean="0"/>
-              <a:t>23/10/2020</a:t>
+              <a:t>15/02/2021</a:t>
             </a:fld>
             <a:endParaRPr lang="en-GB"/>
           </a:p>
@@ -1826,7 +2382,7 @@
           <a:p>
             <a:fld id="{AA0F5C8E-4298-407A-9AB3-043E657F574C}" type="datetimeFigureOut">
               <a:rPr lang="en-GB" smtClean="0"/>
-              <a:t>23/10/2020</a:t>
+              <a:t>15/02/2021</a:t>
             </a:fld>
             <a:endParaRPr lang="en-GB"/>
           </a:p>
@@ -1968,7 +2524,7 @@
           <a:p>
             <a:fld id="{AA0F5C8E-4298-407A-9AB3-043E657F574C}" type="datetimeFigureOut">
               <a:rPr lang="en-GB" smtClean="0"/>
-              <a:t>23/10/2020</a:t>
+              <a:t>15/02/2021</a:t>
             </a:fld>
             <a:endParaRPr lang="en-GB"/>
           </a:p>
@@ -2081,7 +2637,7 @@
           <a:p>
             <a:fld id="{AA0F5C8E-4298-407A-9AB3-043E657F574C}" type="datetimeFigureOut">
               <a:rPr lang="en-GB" smtClean="0"/>
-              <a:t>23/10/2020</a:t>
+              <a:t>15/02/2021</a:t>
             </a:fld>
             <a:endParaRPr lang="en-GB"/>
           </a:p>
@@ -2394,7 +2950,7 @@
           <a:p>
             <a:fld id="{AA0F5C8E-4298-407A-9AB3-043E657F574C}" type="datetimeFigureOut">
               <a:rPr lang="en-GB" smtClean="0"/>
-              <a:t>23/10/2020</a:t>
+              <a:t>15/02/2021</a:t>
             </a:fld>
             <a:endParaRPr lang="en-GB"/>
           </a:p>
@@ -2683,7 +3239,7 @@
           <a:p>
             <a:fld id="{AA0F5C8E-4298-407A-9AB3-043E657F574C}" type="datetimeFigureOut">
               <a:rPr lang="en-GB" smtClean="0"/>
-              <a:t>23/10/2020</a:t>
+              <a:t>15/02/2021</a:t>
             </a:fld>
             <a:endParaRPr lang="en-GB"/>
           </a:p>
@@ -2926,7 +3482,7 @@
           <a:p>
             <a:fld id="{AA0F5C8E-4298-407A-9AB3-043E657F574C}" type="datetimeFigureOut">
               <a:rPr lang="en-GB" smtClean="0"/>
-              <a:t>23/10/2020</a:t>
+              <a:t>15/02/2021</a:t>
             </a:fld>
             <a:endParaRPr lang="en-GB"/>
           </a:p>
@@ -3345,6 +3901,8255 @@
       </p:grpSpPr>
       <p:sp>
         <p:nvSpPr>
+          <p:cNvPr id="2" name="Title 1">
+            <a:extLst>
+              <a:ext uri="{FF2B5EF4-FFF2-40B4-BE49-F238E27FC236}">
+                <a16:creationId xmlns:a16="http://schemas.microsoft.com/office/drawing/2014/main" id="{DE510C55-6859-4FB2-B5ED-B02F061E3202}"/>
+              </a:ext>
+            </a:extLst>
+          </p:cNvPr>
+          <p:cNvSpPr>
+            <a:spLocks noGrp="1"/>
+          </p:cNvSpPr>
+          <p:nvPr>
+            <p:ph type="ctrTitle"/>
+          </p:nvPr>
+        </p:nvSpPr>
+        <p:spPr/>
+        <p:txBody>
+          <a:bodyPr>
+            <a:normAutofit/>
+          </a:bodyPr>
+          <a:lstStyle/>
+          <a:p>
+            <a:r>
+              <a:rPr lang="en-GB" dirty="0"/>
+              <a:t>Intro to Cross-Platform Mobile App Development</a:t>
+            </a:r>
+          </a:p>
+        </p:txBody>
+      </p:sp>
+      <p:sp>
+        <p:nvSpPr>
+          <p:cNvPr id="3" name="Subtitle 2">
+            <a:extLst>
+              <a:ext uri="{FF2B5EF4-FFF2-40B4-BE49-F238E27FC236}">
+                <a16:creationId xmlns:a16="http://schemas.microsoft.com/office/drawing/2014/main" id="{B445D119-ED5D-45AC-B8C6-AE982CC83A9B}"/>
+              </a:ext>
+            </a:extLst>
+          </p:cNvPr>
+          <p:cNvSpPr>
+            <a:spLocks noGrp="1"/>
+          </p:cNvSpPr>
+          <p:nvPr>
+            <p:ph type="subTitle" idx="1"/>
+          </p:nvPr>
+        </p:nvSpPr>
+        <p:spPr/>
+        <p:txBody>
+          <a:bodyPr/>
+          <a:lstStyle/>
+          <a:p>
+            <a:r>
+              <a:rPr lang="en-GB" dirty="0"/>
+              <a:t>Flutter + Firebase</a:t>
+            </a:r>
+          </a:p>
+        </p:txBody>
+      </p:sp>
+    </p:spTree>
+    <p:extLst>
+      <p:ext uri="{BB962C8B-B14F-4D97-AF65-F5344CB8AC3E}">
+        <p14:creationId xmlns:p14="http://schemas.microsoft.com/office/powerpoint/2010/main" val="2104629917"/>
+      </p:ext>
+    </p:extLst>
+  </p:cSld>
+  <p:clrMapOvr>
+    <a:masterClrMapping/>
+  </p:clrMapOvr>
+</p:sld>
+</file>
+
+<file path=ppt/slides/slide10.xml><?xml version="1.0" encoding="utf-8"?>
+<p:sld xmlns:a="http://schemas.openxmlformats.org/drawingml/2006/main" xmlns:r="http://schemas.openxmlformats.org/officeDocument/2006/relationships" xmlns:p="http://schemas.openxmlformats.org/presentationml/2006/main">
+  <p:cSld>
+    <p:spTree>
+      <p:nvGrpSpPr>
+        <p:cNvPr id="1" name=""/>
+        <p:cNvGrpSpPr/>
+        <p:nvPr/>
+      </p:nvGrpSpPr>
+      <p:grpSpPr>
+        <a:xfrm>
+          <a:off x="0" y="0"/>
+          <a:ext cx="0" cy="0"/>
+          <a:chOff x="0" y="0"/>
+          <a:chExt cx="0" cy="0"/>
+        </a:xfrm>
+      </p:grpSpPr>
+      <p:sp>
+        <p:nvSpPr>
+          <p:cNvPr id="2" name="Title 1">
+            <a:extLst>
+              <a:ext uri="{FF2B5EF4-FFF2-40B4-BE49-F238E27FC236}">
+                <a16:creationId xmlns:a16="http://schemas.microsoft.com/office/drawing/2014/main" id="{070F05D2-7593-4C95-9C17-CFB424ACA10B}"/>
+              </a:ext>
+            </a:extLst>
+          </p:cNvPr>
+          <p:cNvSpPr>
+            <a:spLocks noGrp="1"/>
+          </p:cNvSpPr>
+          <p:nvPr>
+            <p:ph type="title"/>
+          </p:nvPr>
+        </p:nvSpPr>
+        <p:spPr/>
+        <p:txBody>
+          <a:bodyPr/>
+          <a:lstStyle/>
+          <a:p>
+            <a:r>
+              <a:rPr lang="en-GB" dirty="0"/>
+              <a:t>Tools</a:t>
+            </a:r>
+          </a:p>
+        </p:txBody>
+      </p:sp>
+      <p:sp>
+        <p:nvSpPr>
+          <p:cNvPr id="3" name="Content Placeholder 2">
+            <a:extLst>
+              <a:ext uri="{FF2B5EF4-FFF2-40B4-BE49-F238E27FC236}">
+                <a16:creationId xmlns:a16="http://schemas.microsoft.com/office/drawing/2014/main" id="{089E3D8E-5A9E-40FA-A05A-ED31557FD1DD}"/>
+              </a:ext>
+            </a:extLst>
+          </p:cNvPr>
+          <p:cNvSpPr>
+            <a:spLocks noGrp="1"/>
+          </p:cNvSpPr>
+          <p:nvPr>
+            <p:ph idx="1"/>
+          </p:nvPr>
+        </p:nvSpPr>
+        <p:spPr/>
+        <p:txBody>
+          <a:bodyPr>
+            <a:normAutofit/>
+          </a:bodyPr>
+          <a:lstStyle/>
+          <a:p>
+            <a:r>
+              <a:rPr lang="en-GB" dirty="0"/>
+              <a:t>Windows Laptop</a:t>
+            </a:r>
+          </a:p>
+          <a:p>
+            <a:r>
+              <a:rPr lang="en-GB" dirty="0"/>
+              <a:t>Android SDK + Emulator (all comes with Android Studio)</a:t>
+            </a:r>
+          </a:p>
+          <a:p>
+            <a:r>
+              <a:rPr lang="en-GB" dirty="0"/>
+              <a:t>VS Code</a:t>
+            </a:r>
+          </a:p>
+          <a:p>
+            <a:r>
+              <a:rPr lang="en-GB" dirty="0"/>
+              <a:t>Dart, Flutter, Android, git VS Code extensions </a:t>
+            </a:r>
+          </a:p>
+          <a:p>
+            <a:r>
+              <a:rPr lang="en-GB" dirty="0"/>
+              <a:t>Mac in Cloud for iOS builds &amp; deployments</a:t>
+            </a:r>
+          </a:p>
+          <a:p>
+            <a:r>
+              <a:rPr lang="en-GB" dirty="0"/>
+              <a:t>Phone, Simulator or Emulator</a:t>
+            </a:r>
+          </a:p>
+          <a:p>
+            <a:endParaRPr lang="en-GB" dirty="0"/>
+          </a:p>
+          <a:p>
+            <a:endParaRPr lang="en-GB" dirty="0"/>
+          </a:p>
+        </p:txBody>
+      </p:sp>
+    </p:spTree>
+    <p:extLst>
+      <p:ext uri="{BB962C8B-B14F-4D97-AF65-F5344CB8AC3E}">
+        <p14:creationId xmlns:p14="http://schemas.microsoft.com/office/powerpoint/2010/main" val="3292303578"/>
+      </p:ext>
+    </p:extLst>
+  </p:cSld>
+  <p:clrMapOvr>
+    <a:masterClrMapping/>
+  </p:clrMapOvr>
+</p:sld>
+</file>
+
+<file path=ppt/slides/slide11.xml><?xml version="1.0" encoding="utf-8"?>
+<p:sld xmlns:a="http://schemas.openxmlformats.org/drawingml/2006/main" xmlns:r="http://schemas.openxmlformats.org/officeDocument/2006/relationships" xmlns:p="http://schemas.openxmlformats.org/presentationml/2006/main">
+  <p:cSld>
+    <p:spTree>
+      <p:nvGrpSpPr>
+        <p:cNvPr id="1" name=""/>
+        <p:cNvGrpSpPr/>
+        <p:nvPr/>
+      </p:nvGrpSpPr>
+      <p:grpSpPr>
+        <a:xfrm>
+          <a:off x="0" y="0"/>
+          <a:ext cx="0" cy="0"/>
+          <a:chOff x="0" y="0"/>
+          <a:chExt cx="0" cy="0"/>
+        </a:xfrm>
+      </p:grpSpPr>
+      <p:sp>
+        <p:nvSpPr>
+          <p:cNvPr id="2" name="Title 1">
+            <a:extLst>
+              <a:ext uri="{FF2B5EF4-FFF2-40B4-BE49-F238E27FC236}">
+                <a16:creationId xmlns:a16="http://schemas.microsoft.com/office/drawing/2014/main" id="{070F05D2-7593-4C95-9C17-CFB424ACA10B}"/>
+              </a:ext>
+            </a:extLst>
+          </p:cNvPr>
+          <p:cNvSpPr>
+            <a:spLocks noGrp="1"/>
+          </p:cNvSpPr>
+          <p:nvPr>
+            <p:ph type="title"/>
+          </p:nvPr>
+        </p:nvSpPr>
+        <p:spPr/>
+        <p:txBody>
+          <a:bodyPr/>
+          <a:lstStyle/>
+          <a:p>
+            <a:r>
+              <a:rPr lang="en-GB" dirty="0"/>
+              <a:t>All UI Components are Widgets</a:t>
+            </a:r>
+          </a:p>
+        </p:txBody>
+      </p:sp>
+      <p:pic>
+        <p:nvPicPr>
+          <p:cNvPr id="1028" name="Picture 4" descr="Sample layout">
+            <a:extLst>
+              <a:ext uri="{FF2B5EF4-FFF2-40B4-BE49-F238E27FC236}">
+                <a16:creationId xmlns:a16="http://schemas.microsoft.com/office/drawing/2014/main" id="{B4455E8E-59FA-4C59-81D8-3B282A477F91}"/>
+              </a:ext>
+            </a:extLst>
+          </p:cNvPr>
+          <p:cNvPicPr>
+            <a:picLocks noChangeAspect="1" noChangeArrowheads="1"/>
+          </p:cNvPicPr>
+          <p:nvPr/>
+        </p:nvPicPr>
+        <p:blipFill>
+          <a:blip r:embed="rId2">
+            <a:extLst>
+              <a:ext uri="{28A0092B-C50C-407E-A947-70E740481C1C}">
+                <a14:useLocalDpi xmlns:a14="http://schemas.microsoft.com/office/drawing/2010/main" val="0"/>
+              </a:ext>
+            </a:extLst>
+          </a:blip>
+          <a:srcRect/>
+          <a:stretch>
+            <a:fillRect/>
+          </a:stretch>
+        </p:blipFill>
+        <p:spPr bwMode="auto">
+          <a:xfrm>
+            <a:off x="348754" y="1358799"/>
+            <a:ext cx="3810000" cy="438150"/>
+          </a:xfrm>
+          <a:prstGeom prst="rect">
+            <a:avLst/>
+          </a:prstGeom>
+          <a:noFill/>
+          <a:extLst>
+            <a:ext uri="{909E8E84-426E-40DD-AFC4-6F175D3DCCD1}">
+              <a14:hiddenFill xmlns:a14="http://schemas.microsoft.com/office/drawing/2010/main">
+                <a:solidFill>
+                  <a:srgbClr val="FFFFFF"/>
+                </a:solidFill>
+              </a14:hiddenFill>
+            </a:ext>
+          </a:extLst>
+        </p:spPr>
+      </p:pic>
+      <p:pic>
+        <p:nvPicPr>
+          <p:cNvPr id="1030" name="Picture 6" descr="Node tree">
+            <a:extLst>
+              <a:ext uri="{FF2B5EF4-FFF2-40B4-BE49-F238E27FC236}">
+                <a16:creationId xmlns:a16="http://schemas.microsoft.com/office/drawing/2014/main" id="{6586F1D1-782F-47F5-92EF-BF3E6A6209EC}"/>
+              </a:ext>
+            </a:extLst>
+          </p:cNvPr>
+          <p:cNvPicPr>
+            <a:picLocks noChangeAspect="1" noChangeArrowheads="1"/>
+          </p:cNvPicPr>
+          <p:nvPr/>
+        </p:nvPicPr>
+        <p:blipFill>
+          <a:blip r:embed="rId3">
+            <a:extLst>
+              <a:ext uri="{28A0092B-C50C-407E-A947-70E740481C1C}">
+                <a14:useLocalDpi xmlns:a14="http://schemas.microsoft.com/office/drawing/2010/main" val="0"/>
+              </a:ext>
+            </a:extLst>
+          </a:blip>
+          <a:srcRect/>
+          <a:stretch>
+            <a:fillRect/>
+          </a:stretch>
+        </p:blipFill>
+        <p:spPr bwMode="auto">
+          <a:xfrm>
+            <a:off x="1887994" y="1358799"/>
+            <a:ext cx="5715000" cy="5019675"/>
+          </a:xfrm>
+          <a:prstGeom prst="rect">
+            <a:avLst/>
+          </a:prstGeom>
+          <a:noFill/>
+          <a:extLst>
+            <a:ext uri="{909E8E84-426E-40DD-AFC4-6F175D3DCCD1}">
+              <a14:hiddenFill xmlns:a14="http://schemas.microsoft.com/office/drawing/2010/main">
+                <a:solidFill>
+                  <a:srgbClr val="FFFFFF"/>
+                </a:solidFill>
+              </a14:hiddenFill>
+            </a:ext>
+          </a:extLst>
+        </p:spPr>
+      </p:pic>
+      <p:sp>
+        <p:nvSpPr>
+          <p:cNvPr id="4" name="Arrow: Right 3">
+            <a:extLst>
+              <a:ext uri="{FF2B5EF4-FFF2-40B4-BE49-F238E27FC236}">
+                <a16:creationId xmlns:a16="http://schemas.microsoft.com/office/drawing/2014/main" id="{DB366248-BAFF-4641-9EED-DF7B86DD600F}"/>
+              </a:ext>
+            </a:extLst>
+          </p:cNvPr>
+          <p:cNvSpPr/>
+          <p:nvPr/>
+        </p:nvSpPr>
+        <p:spPr>
+          <a:xfrm rot="2287164">
+            <a:off x="3301266" y="2149454"/>
+            <a:ext cx="1098958" cy="219075"/>
+          </a:xfrm>
+          <a:prstGeom prst="rightArrow">
+            <a:avLst/>
+          </a:prstGeom>
+        </p:spPr>
+        <p:style>
+          <a:lnRef idx="2">
+            <a:schemeClr val="accent1">
+              <a:shade val="50000"/>
+            </a:schemeClr>
+          </a:lnRef>
+          <a:fillRef idx="1">
+            <a:schemeClr val="accent1"/>
+          </a:fillRef>
+          <a:effectRef idx="0">
+            <a:schemeClr val="accent1"/>
+          </a:effectRef>
+          <a:fontRef idx="minor">
+            <a:schemeClr val="lt1"/>
+          </a:fontRef>
+        </p:style>
+        <p:txBody>
+          <a:bodyPr rtlCol="0" anchor="ctr"/>
+          <a:lstStyle/>
+          <a:p>
+            <a:pPr algn="ctr"/>
+            <a:endParaRPr lang="en-GB"/>
+          </a:p>
+        </p:txBody>
+      </p:sp>
+      <p:sp>
+        <p:nvSpPr>
+          <p:cNvPr id="23" name="Arrow: Right 22">
+            <a:extLst>
+              <a:ext uri="{FF2B5EF4-FFF2-40B4-BE49-F238E27FC236}">
+                <a16:creationId xmlns:a16="http://schemas.microsoft.com/office/drawing/2014/main" id="{DA6E3237-382A-4049-836C-23482B0AD4CB}"/>
+              </a:ext>
+            </a:extLst>
+          </p:cNvPr>
+          <p:cNvSpPr/>
+          <p:nvPr/>
+        </p:nvSpPr>
+        <p:spPr>
+          <a:xfrm>
+            <a:off x="7269691" y="3460282"/>
+            <a:ext cx="1098958" cy="219075"/>
+          </a:xfrm>
+          <a:prstGeom prst="rightArrow">
+            <a:avLst/>
+          </a:prstGeom>
+        </p:spPr>
+        <p:style>
+          <a:lnRef idx="2">
+            <a:schemeClr val="accent1">
+              <a:shade val="50000"/>
+            </a:schemeClr>
+          </a:lnRef>
+          <a:fillRef idx="1">
+            <a:schemeClr val="accent1"/>
+          </a:fillRef>
+          <a:effectRef idx="0">
+            <a:schemeClr val="accent1"/>
+          </a:effectRef>
+          <a:fontRef idx="minor">
+            <a:schemeClr val="lt1"/>
+          </a:fontRef>
+        </p:style>
+        <p:txBody>
+          <a:bodyPr rtlCol="0" anchor="ctr"/>
+          <a:lstStyle/>
+          <a:p>
+            <a:pPr algn="ctr"/>
+            <a:endParaRPr lang="en-GB"/>
+          </a:p>
+        </p:txBody>
+      </p:sp>
+      <p:sp>
+        <p:nvSpPr>
+          <p:cNvPr id="3" name="Content Placeholder 2">
+            <a:extLst>
+              <a:ext uri="{FF2B5EF4-FFF2-40B4-BE49-F238E27FC236}">
+                <a16:creationId xmlns:a16="http://schemas.microsoft.com/office/drawing/2014/main" id="{089E3D8E-5A9E-40FA-A05A-ED31557FD1DD}"/>
+              </a:ext>
+            </a:extLst>
+          </p:cNvPr>
+          <p:cNvSpPr>
+            <a:spLocks noGrp="1"/>
+          </p:cNvSpPr>
+          <p:nvPr>
+            <p:ph idx="1"/>
+          </p:nvPr>
+        </p:nvSpPr>
+        <p:spPr/>
+        <p:txBody>
+          <a:bodyPr/>
+          <a:lstStyle/>
+          <a:p>
+            <a:r>
+              <a:rPr lang="en-GB" sz="2400" dirty="0"/>
+              <a:t>Used for controls and layout</a:t>
+            </a:r>
+          </a:p>
+          <a:p>
+            <a:r>
+              <a:rPr lang="en-GB" sz="2400" dirty="0"/>
+              <a:t>Icons, Images, buttons, </a:t>
+            </a:r>
+            <a:r>
+              <a:rPr lang="en-GB" sz="2400" dirty="0" err="1"/>
+              <a:t>ListView</a:t>
+            </a:r>
+            <a:r>
+              <a:rPr lang="en-GB" sz="2400" dirty="0"/>
+              <a:t>, </a:t>
+            </a:r>
+            <a:r>
+              <a:rPr lang="en-GB" sz="2400" dirty="0" err="1"/>
+              <a:t>GridView</a:t>
+            </a:r>
+            <a:r>
+              <a:rPr lang="en-GB" sz="2400" dirty="0"/>
+              <a:t>, etc, are all Widgets</a:t>
+            </a:r>
+          </a:p>
+          <a:p>
+            <a:r>
+              <a:rPr lang="en-GB" sz="2400" dirty="0"/>
+              <a:t>Compose Widgets together to make more complex Widgets</a:t>
+            </a:r>
+          </a:p>
+          <a:p>
+            <a:r>
+              <a:rPr lang="en-GB" sz="2400" dirty="0"/>
+              <a:t>Widgets are either Stateless or Stateful</a:t>
+            </a:r>
+          </a:p>
+          <a:p>
+            <a:pPr lvl="1"/>
+            <a:r>
+              <a:rPr lang="en-GB" sz="2000" dirty="0"/>
+              <a:t>Use Stateless where possible – no state so faster to paint</a:t>
+            </a:r>
+          </a:p>
+          <a:p>
+            <a:pPr lvl="1"/>
+            <a:r>
+              <a:rPr lang="en-GB" sz="2000" dirty="0"/>
+              <a:t>Only use Stateful when you are maintaining State</a:t>
+            </a:r>
+          </a:p>
+          <a:p>
+            <a:r>
+              <a:rPr lang="en-GB" sz="2400" dirty="0"/>
+              <a:t>Override Widget’s “build” method to build display elements</a:t>
+            </a:r>
+          </a:p>
+        </p:txBody>
+      </p:sp>
+      <p:pic>
+        <p:nvPicPr>
+          <p:cNvPr id="24" name="Picture 23">
+            <a:extLst>
+              <a:ext uri="{FF2B5EF4-FFF2-40B4-BE49-F238E27FC236}">
+                <a16:creationId xmlns:a16="http://schemas.microsoft.com/office/drawing/2014/main" id="{1CCEAC5B-8C0D-42C7-B655-E7A986240AC7}"/>
+              </a:ext>
+            </a:extLst>
+          </p:cNvPr>
+          <p:cNvPicPr>
+            <a:picLocks noChangeAspect="1"/>
+          </p:cNvPicPr>
+          <p:nvPr/>
+        </p:nvPicPr>
+        <p:blipFill>
+          <a:blip r:embed="rId4"/>
+          <a:stretch>
+            <a:fillRect/>
+          </a:stretch>
+        </p:blipFill>
+        <p:spPr>
+          <a:xfrm>
+            <a:off x="8652788" y="2423874"/>
+            <a:ext cx="3044354" cy="3954600"/>
+          </a:xfrm>
+          <a:prstGeom prst="rect">
+            <a:avLst/>
+          </a:prstGeom>
+        </p:spPr>
+      </p:pic>
+      <p:pic>
+        <p:nvPicPr>
+          <p:cNvPr id="26" name="Picture 25">
+            <a:extLst>
+              <a:ext uri="{FF2B5EF4-FFF2-40B4-BE49-F238E27FC236}">
+                <a16:creationId xmlns:a16="http://schemas.microsoft.com/office/drawing/2014/main" id="{00C581F9-5F1F-4B66-815D-BBC159922D7C}"/>
+              </a:ext>
+            </a:extLst>
+          </p:cNvPr>
+          <p:cNvPicPr>
+            <a:picLocks noChangeAspect="1"/>
+          </p:cNvPicPr>
+          <p:nvPr/>
+        </p:nvPicPr>
+        <p:blipFill>
+          <a:blip r:embed="rId5"/>
+          <a:stretch>
+            <a:fillRect/>
+          </a:stretch>
+        </p:blipFill>
+        <p:spPr>
+          <a:xfrm>
+            <a:off x="8613994" y="2088681"/>
+            <a:ext cx="3122634" cy="4229483"/>
+          </a:xfrm>
+          <a:prstGeom prst="rect">
+            <a:avLst/>
+          </a:prstGeom>
+        </p:spPr>
+      </p:pic>
+    </p:spTree>
+    <p:extLst>
+      <p:ext uri="{BB962C8B-B14F-4D97-AF65-F5344CB8AC3E}">
+        <p14:creationId xmlns:p14="http://schemas.microsoft.com/office/powerpoint/2010/main" val="564878314"/>
+      </p:ext>
+    </p:extLst>
+  </p:cSld>
+  <p:clrMapOvr>
+    <a:masterClrMapping/>
+  </p:clrMapOvr>
+  <p:timing>
+    <p:tnLst>
+      <p:par>
+        <p:cTn id="1" dur="indefinite" restart="never" nodeType="tmRoot">
+          <p:childTnLst>
+            <p:seq concurrent="1" nextAc="seek">
+              <p:cTn id="2" dur="indefinite" nodeType="mainSeq">
+                <p:childTnLst>
+                  <p:par>
+                    <p:cTn id="3" fill="hold">
+                      <p:stCondLst>
+                        <p:cond delay="indefinite"/>
+                      </p:stCondLst>
+                      <p:childTnLst>
+                        <p:par>
+                          <p:cTn id="4" fill="hold">
+                            <p:stCondLst>
+                              <p:cond delay="0"/>
+                            </p:stCondLst>
+                            <p:childTnLst>
+                              <p:par>
+                                <p:cTn id="5" presetID="22" presetClass="exit" presetSubtype="4" fill="hold" grpId="0" nodeType="clickEffect">
+                                  <p:stCondLst>
+                                    <p:cond delay="0"/>
+                                  </p:stCondLst>
+                                  <p:childTnLst>
+                                    <p:animEffect transition="out" filter="wipe(down)">
+                                      <p:cBhvr>
+                                        <p:cTn id="6" dur="500"/>
+                                        <p:tgtEl>
+                                          <p:spTgt spid="3">
+                                            <p:txEl>
+                                              <p:pRg st="0" end="0"/>
+                                            </p:txEl>
+                                          </p:spTgt>
+                                        </p:tgtEl>
+                                      </p:cBhvr>
+                                    </p:animEffect>
+                                    <p:set>
+                                      <p:cBhvr>
+                                        <p:cTn id="7" dur="1" fill="hold">
+                                          <p:stCondLst>
+                                            <p:cond delay="499"/>
+                                          </p:stCondLst>
+                                        </p:cTn>
+                                        <p:tgtEl>
+                                          <p:spTgt spid="3">
+                                            <p:txEl>
+                                              <p:pRg st="0" end="0"/>
+                                            </p:txEl>
+                                          </p:spTgt>
+                                        </p:tgtEl>
+                                        <p:attrNameLst>
+                                          <p:attrName>style.visibility</p:attrName>
+                                        </p:attrNameLst>
+                                      </p:cBhvr>
+                                      <p:to>
+                                        <p:strVal val="hidden"/>
+                                      </p:to>
+                                    </p:set>
+                                  </p:childTnLst>
+                                </p:cTn>
+                              </p:par>
+                              <p:par>
+                                <p:cTn id="8" presetID="22" presetClass="exit" presetSubtype="4" fill="hold" grpId="0" nodeType="withEffect">
+                                  <p:stCondLst>
+                                    <p:cond delay="0"/>
+                                  </p:stCondLst>
+                                  <p:childTnLst>
+                                    <p:animEffect transition="out" filter="wipe(down)">
+                                      <p:cBhvr>
+                                        <p:cTn id="9" dur="500"/>
+                                        <p:tgtEl>
+                                          <p:spTgt spid="3">
+                                            <p:txEl>
+                                              <p:pRg st="1" end="1"/>
+                                            </p:txEl>
+                                          </p:spTgt>
+                                        </p:tgtEl>
+                                      </p:cBhvr>
+                                    </p:animEffect>
+                                    <p:set>
+                                      <p:cBhvr>
+                                        <p:cTn id="10" dur="1" fill="hold">
+                                          <p:stCondLst>
+                                            <p:cond delay="499"/>
+                                          </p:stCondLst>
+                                        </p:cTn>
+                                        <p:tgtEl>
+                                          <p:spTgt spid="3">
+                                            <p:txEl>
+                                              <p:pRg st="1" end="1"/>
+                                            </p:txEl>
+                                          </p:spTgt>
+                                        </p:tgtEl>
+                                        <p:attrNameLst>
+                                          <p:attrName>style.visibility</p:attrName>
+                                        </p:attrNameLst>
+                                      </p:cBhvr>
+                                      <p:to>
+                                        <p:strVal val="hidden"/>
+                                      </p:to>
+                                    </p:set>
+                                  </p:childTnLst>
+                                </p:cTn>
+                              </p:par>
+                              <p:par>
+                                <p:cTn id="11" presetID="22" presetClass="exit" presetSubtype="4" fill="hold" grpId="0" nodeType="withEffect">
+                                  <p:stCondLst>
+                                    <p:cond delay="0"/>
+                                  </p:stCondLst>
+                                  <p:childTnLst>
+                                    <p:animEffect transition="out" filter="wipe(down)">
+                                      <p:cBhvr>
+                                        <p:cTn id="12" dur="500"/>
+                                        <p:tgtEl>
+                                          <p:spTgt spid="3">
+                                            <p:txEl>
+                                              <p:pRg st="2" end="2"/>
+                                            </p:txEl>
+                                          </p:spTgt>
+                                        </p:tgtEl>
+                                      </p:cBhvr>
+                                    </p:animEffect>
+                                    <p:set>
+                                      <p:cBhvr>
+                                        <p:cTn id="13" dur="1" fill="hold">
+                                          <p:stCondLst>
+                                            <p:cond delay="499"/>
+                                          </p:stCondLst>
+                                        </p:cTn>
+                                        <p:tgtEl>
+                                          <p:spTgt spid="3">
+                                            <p:txEl>
+                                              <p:pRg st="2" end="2"/>
+                                            </p:txEl>
+                                          </p:spTgt>
+                                        </p:tgtEl>
+                                        <p:attrNameLst>
+                                          <p:attrName>style.visibility</p:attrName>
+                                        </p:attrNameLst>
+                                      </p:cBhvr>
+                                      <p:to>
+                                        <p:strVal val="hidden"/>
+                                      </p:to>
+                                    </p:set>
+                                  </p:childTnLst>
+                                </p:cTn>
+                              </p:par>
+                              <p:par>
+                                <p:cTn id="14" presetID="22" presetClass="exit" presetSubtype="4" fill="hold" grpId="0" nodeType="withEffect">
+                                  <p:stCondLst>
+                                    <p:cond delay="0"/>
+                                  </p:stCondLst>
+                                  <p:childTnLst>
+                                    <p:animEffect transition="out" filter="wipe(down)">
+                                      <p:cBhvr>
+                                        <p:cTn id="15" dur="500"/>
+                                        <p:tgtEl>
+                                          <p:spTgt spid="3">
+                                            <p:txEl>
+                                              <p:pRg st="3" end="3"/>
+                                            </p:txEl>
+                                          </p:spTgt>
+                                        </p:tgtEl>
+                                      </p:cBhvr>
+                                    </p:animEffect>
+                                    <p:set>
+                                      <p:cBhvr>
+                                        <p:cTn id="16" dur="1" fill="hold">
+                                          <p:stCondLst>
+                                            <p:cond delay="499"/>
+                                          </p:stCondLst>
+                                        </p:cTn>
+                                        <p:tgtEl>
+                                          <p:spTgt spid="3">
+                                            <p:txEl>
+                                              <p:pRg st="3" end="3"/>
+                                            </p:txEl>
+                                          </p:spTgt>
+                                        </p:tgtEl>
+                                        <p:attrNameLst>
+                                          <p:attrName>style.visibility</p:attrName>
+                                        </p:attrNameLst>
+                                      </p:cBhvr>
+                                      <p:to>
+                                        <p:strVal val="hidden"/>
+                                      </p:to>
+                                    </p:set>
+                                  </p:childTnLst>
+                                </p:cTn>
+                              </p:par>
+                              <p:par>
+                                <p:cTn id="17" presetID="22" presetClass="exit" presetSubtype="4" fill="hold" grpId="0" nodeType="withEffect">
+                                  <p:stCondLst>
+                                    <p:cond delay="0"/>
+                                  </p:stCondLst>
+                                  <p:childTnLst>
+                                    <p:animEffect transition="out" filter="wipe(down)">
+                                      <p:cBhvr>
+                                        <p:cTn id="18" dur="500"/>
+                                        <p:tgtEl>
+                                          <p:spTgt spid="3">
+                                            <p:txEl>
+                                              <p:pRg st="4" end="4"/>
+                                            </p:txEl>
+                                          </p:spTgt>
+                                        </p:tgtEl>
+                                      </p:cBhvr>
+                                    </p:animEffect>
+                                    <p:set>
+                                      <p:cBhvr>
+                                        <p:cTn id="19" dur="1" fill="hold">
+                                          <p:stCondLst>
+                                            <p:cond delay="499"/>
+                                          </p:stCondLst>
+                                        </p:cTn>
+                                        <p:tgtEl>
+                                          <p:spTgt spid="3">
+                                            <p:txEl>
+                                              <p:pRg st="4" end="4"/>
+                                            </p:txEl>
+                                          </p:spTgt>
+                                        </p:tgtEl>
+                                        <p:attrNameLst>
+                                          <p:attrName>style.visibility</p:attrName>
+                                        </p:attrNameLst>
+                                      </p:cBhvr>
+                                      <p:to>
+                                        <p:strVal val="hidden"/>
+                                      </p:to>
+                                    </p:set>
+                                  </p:childTnLst>
+                                </p:cTn>
+                              </p:par>
+                              <p:par>
+                                <p:cTn id="20" presetID="22" presetClass="exit" presetSubtype="4" fill="hold" grpId="0" nodeType="withEffect">
+                                  <p:stCondLst>
+                                    <p:cond delay="0"/>
+                                  </p:stCondLst>
+                                  <p:childTnLst>
+                                    <p:animEffect transition="out" filter="wipe(down)">
+                                      <p:cBhvr>
+                                        <p:cTn id="21" dur="500"/>
+                                        <p:tgtEl>
+                                          <p:spTgt spid="3">
+                                            <p:txEl>
+                                              <p:pRg st="5" end="5"/>
+                                            </p:txEl>
+                                          </p:spTgt>
+                                        </p:tgtEl>
+                                      </p:cBhvr>
+                                    </p:animEffect>
+                                    <p:set>
+                                      <p:cBhvr>
+                                        <p:cTn id="22" dur="1" fill="hold">
+                                          <p:stCondLst>
+                                            <p:cond delay="499"/>
+                                          </p:stCondLst>
+                                        </p:cTn>
+                                        <p:tgtEl>
+                                          <p:spTgt spid="3">
+                                            <p:txEl>
+                                              <p:pRg st="5" end="5"/>
+                                            </p:txEl>
+                                          </p:spTgt>
+                                        </p:tgtEl>
+                                        <p:attrNameLst>
+                                          <p:attrName>style.visibility</p:attrName>
+                                        </p:attrNameLst>
+                                      </p:cBhvr>
+                                      <p:to>
+                                        <p:strVal val="hidden"/>
+                                      </p:to>
+                                    </p:set>
+                                  </p:childTnLst>
+                                </p:cTn>
+                              </p:par>
+                              <p:par>
+                                <p:cTn id="23" presetID="22" presetClass="exit" presetSubtype="4" fill="hold" grpId="0" nodeType="withEffect">
+                                  <p:stCondLst>
+                                    <p:cond delay="0"/>
+                                  </p:stCondLst>
+                                  <p:childTnLst>
+                                    <p:animEffect transition="out" filter="wipe(down)">
+                                      <p:cBhvr>
+                                        <p:cTn id="24" dur="500"/>
+                                        <p:tgtEl>
+                                          <p:spTgt spid="3">
+                                            <p:txEl>
+                                              <p:pRg st="6" end="6"/>
+                                            </p:txEl>
+                                          </p:spTgt>
+                                        </p:tgtEl>
+                                      </p:cBhvr>
+                                    </p:animEffect>
+                                    <p:set>
+                                      <p:cBhvr>
+                                        <p:cTn id="25" dur="1" fill="hold">
+                                          <p:stCondLst>
+                                            <p:cond delay="499"/>
+                                          </p:stCondLst>
+                                        </p:cTn>
+                                        <p:tgtEl>
+                                          <p:spTgt spid="3">
+                                            <p:txEl>
+                                              <p:pRg st="6" end="6"/>
+                                            </p:txEl>
+                                          </p:spTgt>
+                                        </p:tgtEl>
+                                        <p:attrNameLst>
+                                          <p:attrName>style.visibility</p:attrName>
+                                        </p:attrNameLst>
+                                      </p:cBhvr>
+                                      <p:to>
+                                        <p:strVal val="hidden"/>
+                                      </p:to>
+                                    </p:set>
+                                  </p:childTnLst>
+                                </p:cTn>
+                              </p:par>
+                            </p:childTnLst>
+                          </p:cTn>
+                        </p:par>
+                        <p:par>
+                          <p:cTn id="26" fill="hold">
+                            <p:stCondLst>
+                              <p:cond delay="500"/>
+                            </p:stCondLst>
+                            <p:childTnLst>
+                              <p:par>
+                                <p:cTn id="27" presetID="22" presetClass="entr" presetSubtype="1" fill="hold" nodeType="afterEffect">
+                                  <p:stCondLst>
+                                    <p:cond delay="0"/>
+                                  </p:stCondLst>
+                                  <p:childTnLst>
+                                    <p:set>
+                                      <p:cBhvr>
+                                        <p:cTn id="28" dur="1" fill="hold">
+                                          <p:stCondLst>
+                                            <p:cond delay="0"/>
+                                          </p:stCondLst>
+                                        </p:cTn>
+                                        <p:tgtEl>
+                                          <p:spTgt spid="1028"/>
+                                        </p:tgtEl>
+                                        <p:attrNameLst>
+                                          <p:attrName>style.visibility</p:attrName>
+                                        </p:attrNameLst>
+                                      </p:cBhvr>
+                                      <p:to>
+                                        <p:strVal val="visible"/>
+                                      </p:to>
+                                    </p:set>
+                                    <p:animEffect transition="in" filter="wipe(up)">
+                                      <p:cBhvr>
+                                        <p:cTn id="29" dur="500"/>
+                                        <p:tgtEl>
+                                          <p:spTgt spid="1028"/>
+                                        </p:tgtEl>
+                                      </p:cBhvr>
+                                    </p:animEffect>
+                                  </p:childTnLst>
+                                </p:cTn>
+                              </p:par>
+                            </p:childTnLst>
+                          </p:cTn>
+                        </p:par>
+                      </p:childTnLst>
+                    </p:cTn>
+                  </p:par>
+                  <p:par>
+                    <p:cTn id="30" fill="hold">
+                      <p:stCondLst>
+                        <p:cond delay="indefinite"/>
+                      </p:stCondLst>
+                      <p:childTnLst>
+                        <p:par>
+                          <p:cTn id="31" fill="hold">
+                            <p:stCondLst>
+                              <p:cond delay="0"/>
+                            </p:stCondLst>
+                            <p:childTnLst>
+                              <p:par>
+                                <p:cTn id="32" presetID="22" presetClass="entr" presetSubtype="8" fill="hold" grpId="0" nodeType="clickEffect">
+                                  <p:stCondLst>
+                                    <p:cond delay="0"/>
+                                  </p:stCondLst>
+                                  <p:childTnLst>
+                                    <p:set>
+                                      <p:cBhvr>
+                                        <p:cTn id="33" dur="1" fill="hold">
+                                          <p:stCondLst>
+                                            <p:cond delay="0"/>
+                                          </p:stCondLst>
+                                        </p:cTn>
+                                        <p:tgtEl>
+                                          <p:spTgt spid="4"/>
+                                        </p:tgtEl>
+                                        <p:attrNameLst>
+                                          <p:attrName>style.visibility</p:attrName>
+                                        </p:attrNameLst>
+                                      </p:cBhvr>
+                                      <p:to>
+                                        <p:strVal val="visible"/>
+                                      </p:to>
+                                    </p:set>
+                                    <p:animEffect transition="in" filter="wipe(left)">
+                                      <p:cBhvr>
+                                        <p:cTn id="34" dur="500"/>
+                                        <p:tgtEl>
+                                          <p:spTgt spid="4"/>
+                                        </p:tgtEl>
+                                      </p:cBhvr>
+                                    </p:animEffect>
+                                  </p:childTnLst>
+                                </p:cTn>
+                              </p:par>
+                              <p:par>
+                                <p:cTn id="35" presetID="22" presetClass="entr" presetSubtype="1" fill="hold" nodeType="withEffect">
+                                  <p:stCondLst>
+                                    <p:cond delay="500"/>
+                                  </p:stCondLst>
+                                  <p:childTnLst>
+                                    <p:set>
+                                      <p:cBhvr>
+                                        <p:cTn id="36" dur="1" fill="hold">
+                                          <p:stCondLst>
+                                            <p:cond delay="0"/>
+                                          </p:stCondLst>
+                                        </p:cTn>
+                                        <p:tgtEl>
+                                          <p:spTgt spid="1030"/>
+                                        </p:tgtEl>
+                                        <p:attrNameLst>
+                                          <p:attrName>style.visibility</p:attrName>
+                                        </p:attrNameLst>
+                                      </p:cBhvr>
+                                      <p:to>
+                                        <p:strVal val="visible"/>
+                                      </p:to>
+                                    </p:set>
+                                    <p:animEffect transition="in" filter="wipe(up)">
+                                      <p:cBhvr>
+                                        <p:cTn id="37" dur="500"/>
+                                        <p:tgtEl>
+                                          <p:spTgt spid="1030"/>
+                                        </p:tgtEl>
+                                      </p:cBhvr>
+                                    </p:animEffect>
+                                  </p:childTnLst>
+                                </p:cTn>
+                              </p:par>
+                            </p:childTnLst>
+                          </p:cTn>
+                        </p:par>
+                      </p:childTnLst>
+                    </p:cTn>
+                  </p:par>
+                  <p:par>
+                    <p:cTn id="38" fill="hold">
+                      <p:stCondLst>
+                        <p:cond delay="indefinite"/>
+                      </p:stCondLst>
+                      <p:childTnLst>
+                        <p:par>
+                          <p:cTn id="39" fill="hold">
+                            <p:stCondLst>
+                              <p:cond delay="0"/>
+                            </p:stCondLst>
+                            <p:childTnLst>
+                              <p:par>
+                                <p:cTn id="40" presetID="22" presetClass="entr" presetSubtype="8" fill="hold" grpId="0" nodeType="clickEffect">
+                                  <p:stCondLst>
+                                    <p:cond delay="0"/>
+                                  </p:stCondLst>
+                                  <p:childTnLst>
+                                    <p:set>
+                                      <p:cBhvr>
+                                        <p:cTn id="41" dur="1" fill="hold">
+                                          <p:stCondLst>
+                                            <p:cond delay="0"/>
+                                          </p:stCondLst>
+                                        </p:cTn>
+                                        <p:tgtEl>
+                                          <p:spTgt spid="23"/>
+                                        </p:tgtEl>
+                                        <p:attrNameLst>
+                                          <p:attrName>style.visibility</p:attrName>
+                                        </p:attrNameLst>
+                                      </p:cBhvr>
+                                      <p:to>
+                                        <p:strVal val="visible"/>
+                                      </p:to>
+                                    </p:set>
+                                    <p:animEffect transition="in" filter="wipe(left)">
+                                      <p:cBhvr>
+                                        <p:cTn id="42" dur="500"/>
+                                        <p:tgtEl>
+                                          <p:spTgt spid="23"/>
+                                        </p:tgtEl>
+                                      </p:cBhvr>
+                                    </p:animEffect>
+                                  </p:childTnLst>
+                                </p:cTn>
+                              </p:par>
+                              <p:par>
+                                <p:cTn id="43" presetID="22" presetClass="entr" presetSubtype="1" fill="hold" nodeType="withEffect">
+                                  <p:stCondLst>
+                                    <p:cond delay="0"/>
+                                  </p:stCondLst>
+                                  <p:childTnLst>
+                                    <p:set>
+                                      <p:cBhvr>
+                                        <p:cTn id="44" dur="1" fill="hold">
+                                          <p:stCondLst>
+                                            <p:cond delay="0"/>
+                                          </p:stCondLst>
+                                        </p:cTn>
+                                        <p:tgtEl>
+                                          <p:spTgt spid="24"/>
+                                        </p:tgtEl>
+                                        <p:attrNameLst>
+                                          <p:attrName>style.visibility</p:attrName>
+                                        </p:attrNameLst>
+                                      </p:cBhvr>
+                                      <p:to>
+                                        <p:strVal val="visible"/>
+                                      </p:to>
+                                    </p:set>
+                                    <p:animEffect transition="in" filter="wipe(up)">
+                                      <p:cBhvr>
+                                        <p:cTn id="45" dur="500"/>
+                                        <p:tgtEl>
+                                          <p:spTgt spid="24"/>
+                                        </p:tgtEl>
+                                      </p:cBhvr>
+                                    </p:animEffect>
+                                  </p:childTnLst>
+                                </p:cTn>
+                              </p:par>
+                            </p:childTnLst>
+                          </p:cTn>
+                        </p:par>
+                      </p:childTnLst>
+                    </p:cTn>
+                  </p:par>
+                  <p:par>
+                    <p:cTn id="46" fill="hold">
+                      <p:stCondLst>
+                        <p:cond delay="indefinite"/>
+                      </p:stCondLst>
+                      <p:childTnLst>
+                        <p:par>
+                          <p:cTn id="47" fill="hold">
+                            <p:stCondLst>
+                              <p:cond delay="0"/>
+                            </p:stCondLst>
+                            <p:childTnLst>
+                              <p:par>
+                                <p:cTn id="48" presetID="22" presetClass="entr" presetSubtype="1" fill="hold" nodeType="clickEffect">
+                                  <p:stCondLst>
+                                    <p:cond delay="0"/>
+                                  </p:stCondLst>
+                                  <p:childTnLst>
+                                    <p:set>
+                                      <p:cBhvr>
+                                        <p:cTn id="49" dur="1" fill="hold">
+                                          <p:stCondLst>
+                                            <p:cond delay="0"/>
+                                          </p:stCondLst>
+                                        </p:cTn>
+                                        <p:tgtEl>
+                                          <p:spTgt spid="26"/>
+                                        </p:tgtEl>
+                                        <p:attrNameLst>
+                                          <p:attrName>style.visibility</p:attrName>
+                                        </p:attrNameLst>
+                                      </p:cBhvr>
+                                      <p:to>
+                                        <p:strVal val="visible"/>
+                                      </p:to>
+                                    </p:set>
+                                    <p:animEffect transition="in" filter="wipe(up)">
+                                      <p:cBhvr>
+                                        <p:cTn id="50" dur="500"/>
+                                        <p:tgtEl>
+                                          <p:spTgt spid="26"/>
+                                        </p:tgtEl>
+                                      </p:cBhvr>
+                                    </p:animEffect>
+                                  </p:childTnLst>
+                                </p:cTn>
+                              </p:par>
+                            </p:childTnLst>
+                          </p:cTn>
+                        </p:par>
+                      </p:childTnLst>
+                    </p:cTn>
+                  </p:par>
+                </p:childTnLst>
+              </p:cTn>
+              <p:prevCondLst>
+                <p:cond evt="onPrev" delay="0">
+                  <p:tgtEl>
+                    <p:sldTgt/>
+                  </p:tgtEl>
+                </p:cond>
+              </p:prevCondLst>
+              <p:nextCondLst>
+                <p:cond evt="onNext" delay="0">
+                  <p:tgtEl>
+                    <p:sldTgt/>
+                  </p:tgtEl>
+                </p:cond>
+              </p:nextCondLst>
+            </p:seq>
+          </p:childTnLst>
+        </p:cTn>
+      </p:par>
+    </p:tnLst>
+    <p:bldLst>
+      <p:bldP spid="4" grpId="0" animBg="1"/>
+      <p:bldP spid="23" grpId="0" animBg="1"/>
+      <p:bldP spid="3" grpId="0" uiExpand="1" build="p"/>
+    </p:bldLst>
+  </p:timing>
+</p:sld>
+</file>
+
+<file path=ppt/slides/slide12.xml><?xml version="1.0" encoding="utf-8"?>
+<p:sld xmlns:a="http://schemas.openxmlformats.org/drawingml/2006/main" xmlns:r="http://schemas.openxmlformats.org/officeDocument/2006/relationships" xmlns:p="http://schemas.openxmlformats.org/presentationml/2006/main">
+  <p:cSld>
+    <p:spTree>
+      <p:nvGrpSpPr>
+        <p:cNvPr id="1" name=""/>
+        <p:cNvGrpSpPr/>
+        <p:nvPr/>
+      </p:nvGrpSpPr>
+      <p:grpSpPr>
+        <a:xfrm>
+          <a:off x="0" y="0"/>
+          <a:ext cx="0" cy="0"/>
+          <a:chOff x="0" y="0"/>
+          <a:chExt cx="0" cy="0"/>
+        </a:xfrm>
+      </p:grpSpPr>
+      <p:sp>
+        <p:nvSpPr>
+          <p:cNvPr id="2" name="Title 1">
+            <a:extLst>
+              <a:ext uri="{FF2B5EF4-FFF2-40B4-BE49-F238E27FC236}">
+                <a16:creationId xmlns:a16="http://schemas.microsoft.com/office/drawing/2014/main" id="{F3D23D41-27EA-4C3B-A6CB-53D8099C837E}"/>
+              </a:ext>
+            </a:extLst>
+          </p:cNvPr>
+          <p:cNvSpPr>
+            <a:spLocks noGrp="1"/>
+          </p:cNvSpPr>
+          <p:nvPr>
+            <p:ph type="title"/>
+          </p:nvPr>
+        </p:nvSpPr>
+        <p:spPr/>
+        <p:txBody>
+          <a:bodyPr/>
+          <a:lstStyle/>
+          <a:p>
+            <a:r>
+              <a:rPr lang="en-GB" dirty="0"/>
+              <a:t>All UI Components are Widgets</a:t>
+            </a:r>
+          </a:p>
+        </p:txBody>
+      </p:sp>
+      <p:pic>
+        <p:nvPicPr>
+          <p:cNvPr id="2050" name="Picture 2" descr="Screenshot with callouts showing the row containing two children">
+            <a:extLst>
+              <a:ext uri="{FF2B5EF4-FFF2-40B4-BE49-F238E27FC236}">
+                <a16:creationId xmlns:a16="http://schemas.microsoft.com/office/drawing/2014/main" id="{54659591-C0E4-480A-99AB-EBA011731C11}"/>
+              </a:ext>
+            </a:extLst>
+          </p:cNvPr>
+          <p:cNvPicPr>
+            <a:picLocks noGrp="1" noChangeAspect="1" noChangeArrowheads="1"/>
+          </p:cNvPicPr>
+          <p:nvPr>
+            <p:ph idx="1"/>
+          </p:nvPr>
+        </p:nvPicPr>
+        <p:blipFill>
+          <a:blip r:embed="rId2">
+            <a:extLst>
+              <a:ext uri="{28A0092B-C50C-407E-A947-70E740481C1C}">
+                <a14:useLocalDpi xmlns:a14="http://schemas.microsoft.com/office/drawing/2010/main" val="0"/>
+              </a:ext>
+            </a:extLst>
+          </a:blip>
+          <a:srcRect/>
+          <a:stretch>
+            <a:fillRect/>
+          </a:stretch>
+        </p:blipFill>
+        <p:spPr bwMode="auto">
+          <a:xfrm>
+            <a:off x="4880008" y="1237043"/>
+            <a:ext cx="6333526" cy="3212219"/>
+          </a:xfrm>
+          <a:prstGeom prst="rect">
+            <a:avLst/>
+          </a:prstGeom>
+          <a:noFill/>
+          <a:extLst>
+            <a:ext uri="{909E8E84-426E-40DD-AFC4-6F175D3DCCD1}">
+              <a14:hiddenFill xmlns:a14="http://schemas.microsoft.com/office/drawing/2010/main">
+                <a:solidFill>
+                  <a:srgbClr val="FFFFFF"/>
+                </a:solidFill>
+              </a14:hiddenFill>
+            </a:ext>
+          </a:extLst>
+        </p:spPr>
+      </p:pic>
+      <p:pic>
+        <p:nvPicPr>
+          <p:cNvPr id="2052" name="Picture 4" descr="Diagram showing a left column broken down to its sub-rows and sub-columns">
+            <a:extLst>
+              <a:ext uri="{FF2B5EF4-FFF2-40B4-BE49-F238E27FC236}">
+                <a16:creationId xmlns:a16="http://schemas.microsoft.com/office/drawing/2014/main" id="{0AAF8F1C-AA41-4096-8C65-44A263D849E6}"/>
+              </a:ext>
+            </a:extLst>
+          </p:cNvPr>
+          <p:cNvPicPr>
+            <a:picLocks noChangeAspect="1" noChangeArrowheads="1"/>
+          </p:cNvPicPr>
+          <p:nvPr/>
+        </p:nvPicPr>
+        <p:blipFill>
+          <a:blip r:embed="rId3">
+            <a:extLst>
+              <a:ext uri="{28A0092B-C50C-407E-A947-70E740481C1C}">
+                <a14:useLocalDpi xmlns:a14="http://schemas.microsoft.com/office/drawing/2010/main" val="0"/>
+              </a:ext>
+            </a:extLst>
+          </a:blip>
+          <a:srcRect/>
+          <a:stretch>
+            <a:fillRect/>
+          </a:stretch>
+        </p:blipFill>
+        <p:spPr bwMode="auto">
+          <a:xfrm>
+            <a:off x="154807" y="3712655"/>
+            <a:ext cx="6112494" cy="2780220"/>
+          </a:xfrm>
+          <a:prstGeom prst="rect">
+            <a:avLst/>
+          </a:prstGeom>
+          <a:noFill/>
+          <a:extLst>
+            <a:ext uri="{909E8E84-426E-40DD-AFC4-6F175D3DCCD1}">
+              <a14:hiddenFill xmlns:a14="http://schemas.microsoft.com/office/drawing/2010/main">
+                <a:solidFill>
+                  <a:srgbClr val="FFFFFF"/>
+                </a:solidFill>
+              </a14:hiddenFill>
+            </a:ext>
+          </a:extLst>
+        </p:spPr>
+      </p:pic>
+    </p:spTree>
+    <p:extLst>
+      <p:ext uri="{BB962C8B-B14F-4D97-AF65-F5344CB8AC3E}">
+        <p14:creationId xmlns:p14="http://schemas.microsoft.com/office/powerpoint/2010/main" val="3622966856"/>
+      </p:ext>
+    </p:extLst>
+  </p:cSld>
+  <p:clrMapOvr>
+    <a:masterClrMapping/>
+  </p:clrMapOvr>
+  <p:timing>
+    <p:tnLst>
+      <p:par>
+        <p:cTn id="1" dur="indefinite" restart="never" nodeType="tmRoot">
+          <p:childTnLst>
+            <p:seq concurrent="1" nextAc="seek">
+              <p:cTn id="2" dur="indefinite" nodeType="mainSeq">
+                <p:childTnLst>
+                  <p:par>
+                    <p:cTn id="3" fill="hold">
+                      <p:stCondLst>
+                        <p:cond delay="indefinite"/>
+                      </p:stCondLst>
+                      <p:childTnLst>
+                        <p:par>
+                          <p:cTn id="4" fill="hold">
+                            <p:stCondLst>
+                              <p:cond delay="0"/>
+                            </p:stCondLst>
+                            <p:childTnLst>
+                              <p:par>
+                                <p:cTn id="5" presetID="22" presetClass="entr" presetSubtype="1" fill="hold" nodeType="clickEffect">
+                                  <p:stCondLst>
+                                    <p:cond delay="0"/>
+                                  </p:stCondLst>
+                                  <p:childTnLst>
+                                    <p:set>
+                                      <p:cBhvr>
+                                        <p:cTn id="6" dur="1" fill="hold">
+                                          <p:stCondLst>
+                                            <p:cond delay="0"/>
+                                          </p:stCondLst>
+                                        </p:cTn>
+                                        <p:tgtEl>
+                                          <p:spTgt spid="2052"/>
+                                        </p:tgtEl>
+                                        <p:attrNameLst>
+                                          <p:attrName>style.visibility</p:attrName>
+                                        </p:attrNameLst>
+                                      </p:cBhvr>
+                                      <p:to>
+                                        <p:strVal val="visible"/>
+                                      </p:to>
+                                    </p:set>
+                                    <p:animEffect transition="in" filter="wipe(up)">
+                                      <p:cBhvr>
+                                        <p:cTn id="7" dur="500"/>
+                                        <p:tgtEl>
+                                          <p:spTgt spid="2052"/>
+                                        </p:tgtEl>
+                                      </p:cBhvr>
+                                    </p:animEffect>
+                                  </p:childTnLst>
+                                </p:cTn>
+                              </p:par>
+                            </p:childTnLst>
+                          </p:cTn>
+                        </p:par>
+                      </p:childTnLst>
+                    </p:cTn>
+                  </p:par>
+                </p:childTnLst>
+              </p:cTn>
+              <p:prevCondLst>
+                <p:cond evt="onPrev" delay="0">
+                  <p:tgtEl>
+                    <p:sldTgt/>
+                  </p:tgtEl>
+                </p:cond>
+              </p:prevCondLst>
+              <p:nextCondLst>
+                <p:cond evt="onNext" delay="0">
+                  <p:tgtEl>
+                    <p:sldTgt/>
+                  </p:tgtEl>
+                </p:cond>
+              </p:nextCondLst>
+            </p:seq>
+          </p:childTnLst>
+        </p:cTn>
+      </p:par>
+    </p:tnLst>
+  </p:timing>
+</p:sld>
+</file>
+
+<file path=ppt/slides/slide13.xml><?xml version="1.0" encoding="utf-8"?>
+<p:sld xmlns:a="http://schemas.openxmlformats.org/drawingml/2006/main" xmlns:r="http://schemas.openxmlformats.org/officeDocument/2006/relationships" xmlns:p="http://schemas.openxmlformats.org/presentationml/2006/main">
+  <p:cSld>
+    <p:spTree>
+      <p:nvGrpSpPr>
+        <p:cNvPr id="1" name=""/>
+        <p:cNvGrpSpPr/>
+        <p:nvPr/>
+      </p:nvGrpSpPr>
+      <p:grpSpPr>
+        <a:xfrm>
+          <a:off x="0" y="0"/>
+          <a:ext cx="0" cy="0"/>
+          <a:chOff x="0" y="0"/>
+          <a:chExt cx="0" cy="0"/>
+        </a:xfrm>
+      </p:grpSpPr>
+      <p:sp>
+        <p:nvSpPr>
+          <p:cNvPr id="2" name="Title 1">
+            <a:extLst>
+              <a:ext uri="{FF2B5EF4-FFF2-40B4-BE49-F238E27FC236}">
+                <a16:creationId xmlns:a16="http://schemas.microsoft.com/office/drawing/2014/main" id="{3523AE3B-673E-404C-84B3-C37880A8E486}"/>
+              </a:ext>
+            </a:extLst>
+          </p:cNvPr>
+          <p:cNvSpPr>
+            <a:spLocks noGrp="1"/>
+          </p:cNvSpPr>
+          <p:nvPr>
+            <p:ph type="title"/>
+          </p:nvPr>
+        </p:nvSpPr>
+        <p:spPr/>
+        <p:txBody>
+          <a:bodyPr/>
+          <a:lstStyle/>
+          <a:p>
+            <a:r>
+              <a:rPr lang="en-GB" dirty="0"/>
+              <a:t>Lots of useful layouts already available</a:t>
+            </a:r>
+          </a:p>
+        </p:txBody>
+      </p:sp>
+      <p:pic>
+        <p:nvPicPr>
+          <p:cNvPr id="3074" name="Picture 2" descr="A 2 column grid with footers">
+            <a:extLst>
+              <a:ext uri="{FF2B5EF4-FFF2-40B4-BE49-F238E27FC236}">
+                <a16:creationId xmlns:a16="http://schemas.microsoft.com/office/drawing/2014/main" id="{68A41256-D991-4FBD-B128-67C78CDEBCA5}"/>
+              </a:ext>
+            </a:extLst>
+          </p:cNvPr>
+          <p:cNvPicPr>
+            <a:picLocks noChangeAspect="1" noChangeArrowheads="1"/>
+          </p:cNvPicPr>
+          <p:nvPr/>
+        </p:nvPicPr>
+        <p:blipFill>
+          <a:blip r:embed="rId3">
+            <a:extLst>
+              <a:ext uri="{28A0092B-C50C-407E-A947-70E740481C1C}">
+                <a14:useLocalDpi xmlns:a14="http://schemas.microsoft.com/office/drawing/2010/main" val="0"/>
+              </a:ext>
+            </a:extLst>
+          </a:blip>
+          <a:srcRect/>
+          <a:stretch>
+            <a:fillRect/>
+          </a:stretch>
+        </p:blipFill>
+        <p:spPr bwMode="auto">
+          <a:xfrm>
+            <a:off x="838200" y="1561548"/>
+            <a:ext cx="2857500" cy="4543425"/>
+          </a:xfrm>
+          <a:prstGeom prst="rect">
+            <a:avLst/>
+          </a:prstGeom>
+          <a:noFill/>
+          <a:extLst>
+            <a:ext uri="{909E8E84-426E-40DD-AFC4-6F175D3DCCD1}">
+              <a14:hiddenFill xmlns:a14="http://schemas.microsoft.com/office/drawing/2010/main">
+                <a:solidFill>
+                  <a:srgbClr val="FFFFFF"/>
+                </a:solidFill>
+              </a14:hiddenFill>
+            </a:ext>
+          </a:extLst>
+        </p:spPr>
+      </p:pic>
+      <p:pic>
+        <p:nvPicPr>
+          <p:cNvPr id="3076" name="Picture 4" descr="ListView containing movie theaters and restaurants">
+            <a:extLst>
+              <a:ext uri="{FF2B5EF4-FFF2-40B4-BE49-F238E27FC236}">
+                <a16:creationId xmlns:a16="http://schemas.microsoft.com/office/drawing/2014/main" id="{DB9D0D36-D102-4775-84ED-05A7622A7E02}"/>
+              </a:ext>
+            </a:extLst>
+          </p:cNvPr>
+          <p:cNvPicPr>
+            <a:picLocks noChangeAspect="1" noChangeArrowheads="1"/>
+          </p:cNvPicPr>
+          <p:nvPr/>
+        </p:nvPicPr>
+        <p:blipFill>
+          <a:blip r:embed="rId4">
+            <a:extLst>
+              <a:ext uri="{28A0092B-C50C-407E-A947-70E740481C1C}">
+                <a14:useLocalDpi xmlns:a14="http://schemas.microsoft.com/office/drawing/2010/main" val="0"/>
+              </a:ext>
+            </a:extLst>
+          </a:blip>
+          <a:srcRect/>
+          <a:stretch>
+            <a:fillRect/>
+          </a:stretch>
+        </p:blipFill>
+        <p:spPr bwMode="auto">
+          <a:xfrm>
+            <a:off x="3945356" y="1561548"/>
+            <a:ext cx="2857500" cy="4543425"/>
+          </a:xfrm>
+          <a:prstGeom prst="rect">
+            <a:avLst/>
+          </a:prstGeom>
+          <a:noFill/>
+          <a:extLst>
+            <a:ext uri="{909E8E84-426E-40DD-AFC4-6F175D3DCCD1}">
+              <a14:hiddenFill xmlns:a14="http://schemas.microsoft.com/office/drawing/2010/main">
+                <a:solidFill>
+                  <a:srgbClr val="FFFFFF"/>
+                </a:solidFill>
+              </a14:hiddenFill>
+            </a:ext>
+          </a:extLst>
+        </p:spPr>
+      </p:pic>
+      <p:pic>
+        <p:nvPicPr>
+          <p:cNvPr id="3078" name="Picture 6" descr="An image with a grey gradient across the top">
+            <a:extLst>
+              <a:ext uri="{FF2B5EF4-FFF2-40B4-BE49-F238E27FC236}">
+                <a16:creationId xmlns:a16="http://schemas.microsoft.com/office/drawing/2014/main" id="{7EE9464B-9F55-471D-9820-CA904BB4BD1E}"/>
+              </a:ext>
+            </a:extLst>
+          </p:cNvPr>
+          <p:cNvPicPr>
+            <a:picLocks noChangeAspect="1" noChangeArrowheads="1"/>
+          </p:cNvPicPr>
+          <p:nvPr/>
+        </p:nvPicPr>
+        <p:blipFill>
+          <a:blip r:embed="rId5">
+            <a:extLst>
+              <a:ext uri="{28A0092B-C50C-407E-A947-70E740481C1C}">
+                <a14:useLocalDpi xmlns:a14="http://schemas.microsoft.com/office/drawing/2010/main" val="0"/>
+              </a:ext>
+            </a:extLst>
+          </a:blip>
+          <a:srcRect/>
+          <a:stretch>
+            <a:fillRect/>
+          </a:stretch>
+        </p:blipFill>
+        <p:spPr bwMode="auto">
+          <a:xfrm>
+            <a:off x="6938812" y="1561548"/>
+            <a:ext cx="2857500" cy="1905000"/>
+          </a:xfrm>
+          <a:prstGeom prst="rect">
+            <a:avLst/>
+          </a:prstGeom>
+          <a:noFill/>
+          <a:extLst>
+            <a:ext uri="{909E8E84-426E-40DD-AFC4-6F175D3DCCD1}">
+              <a14:hiddenFill xmlns:a14="http://schemas.microsoft.com/office/drawing/2010/main">
+                <a:solidFill>
+                  <a:srgbClr val="FFFFFF"/>
+                </a:solidFill>
+              </a14:hiddenFill>
+            </a:ext>
+          </a:extLst>
+        </p:spPr>
+      </p:pic>
+      <p:pic>
+        <p:nvPicPr>
+          <p:cNvPr id="3080" name="Picture 8" descr="Card containing an image, text and buttons">
+            <a:extLst>
+              <a:ext uri="{FF2B5EF4-FFF2-40B4-BE49-F238E27FC236}">
+                <a16:creationId xmlns:a16="http://schemas.microsoft.com/office/drawing/2014/main" id="{366D42E1-D2DB-4B94-9BBB-DC2B7CE25595}"/>
+              </a:ext>
+            </a:extLst>
+          </p:cNvPr>
+          <p:cNvPicPr>
+            <a:picLocks noChangeAspect="1" noChangeArrowheads="1"/>
+          </p:cNvPicPr>
+          <p:nvPr/>
+        </p:nvPicPr>
+        <p:blipFill>
+          <a:blip r:embed="rId6">
+            <a:extLst>
+              <a:ext uri="{28A0092B-C50C-407E-A947-70E740481C1C}">
+                <a14:useLocalDpi xmlns:a14="http://schemas.microsoft.com/office/drawing/2010/main" val="0"/>
+              </a:ext>
+            </a:extLst>
+          </a:blip>
+          <a:srcRect/>
+          <a:stretch>
+            <a:fillRect/>
+          </a:stretch>
+        </p:blipFill>
+        <p:spPr bwMode="auto">
+          <a:xfrm>
+            <a:off x="6938812" y="3500921"/>
+            <a:ext cx="2857500" cy="2324100"/>
+          </a:xfrm>
+          <a:prstGeom prst="rect">
+            <a:avLst/>
+          </a:prstGeom>
+          <a:noFill/>
+          <a:extLst>
+            <a:ext uri="{909E8E84-426E-40DD-AFC4-6F175D3DCCD1}">
+              <a14:hiddenFill xmlns:a14="http://schemas.microsoft.com/office/drawing/2010/main">
+                <a:solidFill>
+                  <a:srgbClr val="FFFFFF"/>
+                </a:solidFill>
+              </a14:hiddenFill>
+            </a:ext>
+          </a:extLst>
+        </p:spPr>
+      </p:pic>
+    </p:spTree>
+    <p:extLst>
+      <p:ext uri="{BB962C8B-B14F-4D97-AF65-F5344CB8AC3E}">
+        <p14:creationId xmlns:p14="http://schemas.microsoft.com/office/powerpoint/2010/main" val="1577627880"/>
+      </p:ext>
+    </p:extLst>
+  </p:cSld>
+  <p:clrMapOvr>
+    <a:masterClrMapping/>
+  </p:clrMapOvr>
+</p:sld>
+</file>
+
+<file path=ppt/slides/slide14.xml><?xml version="1.0" encoding="utf-8"?>
+<p:sld xmlns:a="http://schemas.openxmlformats.org/drawingml/2006/main" xmlns:r="http://schemas.openxmlformats.org/officeDocument/2006/relationships" xmlns:p="http://schemas.openxmlformats.org/presentationml/2006/main">
+  <p:cSld>
+    <p:spTree>
+      <p:nvGrpSpPr>
+        <p:cNvPr id="1" name=""/>
+        <p:cNvGrpSpPr/>
+        <p:nvPr/>
+      </p:nvGrpSpPr>
+      <p:grpSpPr>
+        <a:xfrm>
+          <a:off x="0" y="0"/>
+          <a:ext cx="0" cy="0"/>
+          <a:chOff x="0" y="0"/>
+          <a:chExt cx="0" cy="0"/>
+        </a:xfrm>
+      </p:grpSpPr>
+      <p:sp>
+        <p:nvSpPr>
+          <p:cNvPr id="2" name="Title 1">
+            <a:extLst>
+              <a:ext uri="{FF2B5EF4-FFF2-40B4-BE49-F238E27FC236}">
+                <a16:creationId xmlns:a16="http://schemas.microsoft.com/office/drawing/2014/main" id="{E3A204A9-C7EB-4DC2-8708-340250889A75}"/>
+              </a:ext>
+            </a:extLst>
+          </p:cNvPr>
+          <p:cNvSpPr>
+            <a:spLocks noGrp="1"/>
+          </p:cNvSpPr>
+          <p:nvPr>
+            <p:ph type="title"/>
+          </p:nvPr>
+        </p:nvSpPr>
+        <p:spPr/>
+        <p:txBody>
+          <a:bodyPr/>
+          <a:lstStyle/>
+          <a:p>
+            <a:r>
+              <a:rPr lang="en-GB" dirty="0"/>
+              <a:t>Everything is in the Widget </a:t>
+            </a:r>
+            <a:r>
+              <a:rPr lang="en-GB" dirty="0" err="1"/>
+              <a:t>Catalog</a:t>
+            </a:r>
+            <a:endParaRPr lang="en-GB" dirty="0"/>
+          </a:p>
+        </p:txBody>
+      </p:sp>
+      <p:sp>
+        <p:nvSpPr>
+          <p:cNvPr id="3" name="Content Placeholder 2">
+            <a:extLst>
+              <a:ext uri="{FF2B5EF4-FFF2-40B4-BE49-F238E27FC236}">
+                <a16:creationId xmlns:a16="http://schemas.microsoft.com/office/drawing/2014/main" id="{D599E105-4B4A-4BDA-9F9B-59858B60CBF2}"/>
+              </a:ext>
+            </a:extLst>
+          </p:cNvPr>
+          <p:cNvSpPr>
+            <a:spLocks noGrp="1"/>
+          </p:cNvSpPr>
+          <p:nvPr>
+            <p:ph idx="1"/>
+          </p:nvPr>
+        </p:nvSpPr>
+        <p:spPr>
+          <a:xfrm>
+            <a:off x="838200" y="1825625"/>
+            <a:ext cx="5999922" cy="4351338"/>
+          </a:xfrm>
+        </p:spPr>
+        <p:txBody>
+          <a:bodyPr>
+            <a:normAutofit/>
+          </a:bodyPr>
+          <a:lstStyle/>
+          <a:p>
+            <a:r>
+              <a:rPr lang="en-GB" sz="2000" dirty="0">
+                <a:hlinkClick r:id="rId2"/>
+              </a:rPr>
+              <a:t>https://flutter.dev/docs/development/ui/widgets</a:t>
+            </a:r>
+            <a:endParaRPr lang="en-GB" sz="2000" dirty="0"/>
+          </a:p>
+          <a:p>
+            <a:r>
+              <a:rPr lang="en-GB" sz="2000" dirty="0"/>
+              <a:t>Start at </a:t>
+            </a:r>
+            <a:r>
+              <a:rPr lang="en-GB" sz="1800" dirty="0">
+                <a:hlinkClick r:id="rId3"/>
+              </a:rPr>
+              <a:t>https://flutter.dev/docs/development/ui/widgets/basics</a:t>
+            </a:r>
+            <a:endParaRPr lang="en-GB" sz="1800" dirty="0"/>
+          </a:p>
+          <a:p>
+            <a:endParaRPr lang="en-GB" sz="2000" dirty="0"/>
+          </a:p>
+          <a:p>
+            <a:r>
+              <a:rPr lang="en-GB" sz="2000" dirty="0"/>
+              <a:t>Interactive working code examples, etc.</a:t>
+            </a:r>
+          </a:p>
+        </p:txBody>
+      </p:sp>
+      <p:pic>
+        <p:nvPicPr>
+          <p:cNvPr id="5" name="Picture 4">
+            <a:extLst>
+              <a:ext uri="{FF2B5EF4-FFF2-40B4-BE49-F238E27FC236}">
+                <a16:creationId xmlns:a16="http://schemas.microsoft.com/office/drawing/2014/main" id="{59444872-8DD6-43DD-A0AB-90F09BC31551}"/>
+              </a:ext>
+            </a:extLst>
+          </p:cNvPr>
+          <p:cNvPicPr>
+            <a:picLocks noChangeAspect="1"/>
+          </p:cNvPicPr>
+          <p:nvPr/>
+        </p:nvPicPr>
+        <p:blipFill>
+          <a:blip r:embed="rId4"/>
+          <a:stretch>
+            <a:fillRect/>
+          </a:stretch>
+        </p:blipFill>
+        <p:spPr>
+          <a:xfrm>
+            <a:off x="8014625" y="1361660"/>
+            <a:ext cx="4015561" cy="5496339"/>
+          </a:xfrm>
+          <a:prstGeom prst="rect">
+            <a:avLst/>
+          </a:prstGeom>
+        </p:spPr>
+      </p:pic>
+    </p:spTree>
+    <p:extLst>
+      <p:ext uri="{BB962C8B-B14F-4D97-AF65-F5344CB8AC3E}">
+        <p14:creationId xmlns:p14="http://schemas.microsoft.com/office/powerpoint/2010/main" val="2966637066"/>
+      </p:ext>
+    </p:extLst>
+  </p:cSld>
+  <p:clrMapOvr>
+    <a:masterClrMapping/>
+  </p:clrMapOvr>
+</p:sld>
+</file>
+
+<file path=ppt/slides/slide15.xml><?xml version="1.0" encoding="utf-8"?>
+<p:sld xmlns:a="http://schemas.openxmlformats.org/drawingml/2006/main" xmlns:r="http://schemas.openxmlformats.org/officeDocument/2006/relationships" xmlns:p="http://schemas.openxmlformats.org/presentationml/2006/main">
+  <p:cSld>
+    <p:spTree>
+      <p:nvGrpSpPr>
+        <p:cNvPr id="1" name=""/>
+        <p:cNvGrpSpPr/>
+        <p:nvPr/>
+      </p:nvGrpSpPr>
+      <p:grpSpPr>
+        <a:xfrm>
+          <a:off x="0" y="0"/>
+          <a:ext cx="0" cy="0"/>
+          <a:chOff x="0" y="0"/>
+          <a:chExt cx="0" cy="0"/>
+        </a:xfrm>
+      </p:grpSpPr>
+      <p:sp>
+        <p:nvSpPr>
+          <p:cNvPr id="2" name="Title 1">
+            <a:extLst>
+              <a:ext uri="{FF2B5EF4-FFF2-40B4-BE49-F238E27FC236}">
+                <a16:creationId xmlns:a16="http://schemas.microsoft.com/office/drawing/2014/main" id="{D7260546-EB76-4DB7-B187-B6AF073FF598}"/>
+              </a:ext>
+            </a:extLst>
+          </p:cNvPr>
+          <p:cNvSpPr>
+            <a:spLocks noGrp="1"/>
+          </p:cNvSpPr>
+          <p:nvPr>
+            <p:ph type="title"/>
+          </p:nvPr>
+        </p:nvSpPr>
+        <p:spPr/>
+        <p:txBody>
+          <a:bodyPr/>
+          <a:lstStyle/>
+          <a:p>
+            <a:r>
+              <a:rPr lang="en-GB" dirty="0"/>
+              <a:t>Back to what we’re going to build</a:t>
+            </a:r>
+          </a:p>
+        </p:txBody>
+      </p:sp>
+      <p:pic>
+        <p:nvPicPr>
+          <p:cNvPr id="4" name="Picture 3">
+            <a:extLst>
+              <a:ext uri="{FF2B5EF4-FFF2-40B4-BE49-F238E27FC236}">
+                <a16:creationId xmlns:a16="http://schemas.microsoft.com/office/drawing/2014/main" id="{22FDEC55-9363-45DE-BB45-7820A3CD6B92}"/>
+              </a:ext>
+            </a:extLst>
+          </p:cNvPr>
+          <p:cNvPicPr>
+            <a:picLocks noChangeAspect="1"/>
+          </p:cNvPicPr>
+          <p:nvPr/>
+        </p:nvPicPr>
+        <p:blipFill>
+          <a:blip r:embed="rId3"/>
+          <a:stretch>
+            <a:fillRect/>
+          </a:stretch>
+        </p:blipFill>
+        <p:spPr>
+          <a:xfrm>
+            <a:off x="977180" y="1401417"/>
+            <a:ext cx="2739998" cy="5175552"/>
+          </a:xfrm>
+          <a:prstGeom prst="rect">
+            <a:avLst/>
+          </a:prstGeom>
+        </p:spPr>
+      </p:pic>
+      <p:sp>
+        <p:nvSpPr>
+          <p:cNvPr id="5" name="Oval 4">
+            <a:extLst>
+              <a:ext uri="{FF2B5EF4-FFF2-40B4-BE49-F238E27FC236}">
+                <a16:creationId xmlns:a16="http://schemas.microsoft.com/office/drawing/2014/main" id="{7ED6B38B-0432-4137-BD61-B6EF327141A9}"/>
+              </a:ext>
+            </a:extLst>
+          </p:cNvPr>
+          <p:cNvSpPr/>
+          <p:nvPr/>
+        </p:nvSpPr>
+        <p:spPr>
+          <a:xfrm>
+            <a:off x="6738730" y="1610139"/>
+            <a:ext cx="636105" cy="516835"/>
+          </a:xfrm>
+          <a:prstGeom prst="ellipse">
+            <a:avLst/>
+          </a:prstGeom>
+        </p:spPr>
+        <p:style>
+          <a:lnRef idx="2">
+            <a:schemeClr val="accent1">
+              <a:shade val="50000"/>
+            </a:schemeClr>
+          </a:lnRef>
+          <a:fillRef idx="1">
+            <a:schemeClr val="accent1"/>
+          </a:fillRef>
+          <a:effectRef idx="0">
+            <a:schemeClr val="accent1"/>
+          </a:effectRef>
+          <a:fontRef idx="minor">
+            <a:schemeClr val="lt1"/>
+          </a:fontRef>
+        </p:style>
+        <p:txBody>
+          <a:bodyPr lIns="0" tIns="0" rIns="0" bIns="0" rtlCol="0" anchor="ctr"/>
+          <a:lstStyle/>
+          <a:p>
+            <a:pPr algn="ctr"/>
+            <a:r>
+              <a:rPr lang="en-GB" sz="1050" dirty="0"/>
+              <a:t>View</a:t>
+            </a:r>
+            <a:endParaRPr lang="en-GB" sz="800" dirty="0"/>
+          </a:p>
+        </p:txBody>
+      </p:sp>
+      <p:sp>
+        <p:nvSpPr>
+          <p:cNvPr id="6" name="Oval 5">
+            <a:extLst>
+              <a:ext uri="{FF2B5EF4-FFF2-40B4-BE49-F238E27FC236}">
+                <a16:creationId xmlns:a16="http://schemas.microsoft.com/office/drawing/2014/main" id="{122DAE24-813D-4300-B0F9-198C78B023BD}"/>
+              </a:ext>
+            </a:extLst>
+          </p:cNvPr>
+          <p:cNvSpPr/>
+          <p:nvPr/>
+        </p:nvSpPr>
+        <p:spPr>
+          <a:xfrm>
+            <a:off x="6732102" y="2275026"/>
+            <a:ext cx="636105" cy="516835"/>
+          </a:xfrm>
+          <a:prstGeom prst="ellipse">
+            <a:avLst/>
+          </a:prstGeom>
+        </p:spPr>
+        <p:style>
+          <a:lnRef idx="2">
+            <a:schemeClr val="accent1">
+              <a:shade val="50000"/>
+            </a:schemeClr>
+          </a:lnRef>
+          <a:fillRef idx="1">
+            <a:schemeClr val="accent1"/>
+          </a:fillRef>
+          <a:effectRef idx="0">
+            <a:schemeClr val="accent1"/>
+          </a:effectRef>
+          <a:fontRef idx="minor">
+            <a:schemeClr val="lt1"/>
+          </a:fontRef>
+        </p:style>
+        <p:txBody>
+          <a:bodyPr lIns="0" tIns="0" rIns="0" bIns="0" rtlCol="0" anchor="ctr"/>
+          <a:lstStyle/>
+          <a:p>
+            <a:pPr algn="ctr"/>
+            <a:r>
+              <a:rPr lang="en-GB" sz="1050" dirty="0"/>
+              <a:t>Scaffold</a:t>
+            </a:r>
+            <a:endParaRPr lang="en-GB" sz="800" dirty="0"/>
+          </a:p>
+        </p:txBody>
+      </p:sp>
+      <p:sp>
+        <p:nvSpPr>
+          <p:cNvPr id="7" name="Oval 6">
+            <a:extLst>
+              <a:ext uri="{FF2B5EF4-FFF2-40B4-BE49-F238E27FC236}">
+                <a16:creationId xmlns:a16="http://schemas.microsoft.com/office/drawing/2014/main" id="{9CA02EBB-F61A-49D3-A3D7-D6D163A68412}"/>
+              </a:ext>
+            </a:extLst>
+          </p:cNvPr>
+          <p:cNvSpPr/>
+          <p:nvPr/>
+        </p:nvSpPr>
+        <p:spPr>
+          <a:xfrm>
+            <a:off x="6738730" y="2935702"/>
+            <a:ext cx="636105" cy="516835"/>
+          </a:xfrm>
+          <a:prstGeom prst="ellipse">
+            <a:avLst/>
+          </a:prstGeom>
+        </p:spPr>
+        <p:style>
+          <a:lnRef idx="2">
+            <a:schemeClr val="accent1">
+              <a:shade val="50000"/>
+            </a:schemeClr>
+          </a:lnRef>
+          <a:fillRef idx="1">
+            <a:schemeClr val="accent1"/>
+          </a:fillRef>
+          <a:effectRef idx="0">
+            <a:schemeClr val="accent1"/>
+          </a:effectRef>
+          <a:fontRef idx="minor">
+            <a:schemeClr val="lt1"/>
+          </a:fontRef>
+        </p:style>
+        <p:txBody>
+          <a:bodyPr lIns="0" tIns="0" rIns="0" bIns="0" rtlCol="0" anchor="ctr"/>
+          <a:lstStyle/>
+          <a:p>
+            <a:pPr algn="ctr"/>
+            <a:r>
+              <a:rPr lang="en-GB" sz="1050" dirty="0"/>
+              <a:t>Column</a:t>
+            </a:r>
+            <a:endParaRPr lang="en-GB" sz="800" dirty="0"/>
+          </a:p>
+        </p:txBody>
+      </p:sp>
+      <p:sp>
+        <p:nvSpPr>
+          <p:cNvPr id="8" name="Oval 7">
+            <a:extLst>
+              <a:ext uri="{FF2B5EF4-FFF2-40B4-BE49-F238E27FC236}">
+                <a16:creationId xmlns:a16="http://schemas.microsoft.com/office/drawing/2014/main" id="{40C7D0EE-37FB-4F63-9A07-BE441623D3E8}"/>
+              </a:ext>
+            </a:extLst>
+          </p:cNvPr>
+          <p:cNvSpPr/>
+          <p:nvPr/>
+        </p:nvSpPr>
+        <p:spPr>
+          <a:xfrm>
+            <a:off x="6738730" y="3616993"/>
+            <a:ext cx="636105" cy="516835"/>
+          </a:xfrm>
+          <a:prstGeom prst="ellipse">
+            <a:avLst/>
+          </a:prstGeom>
+        </p:spPr>
+        <p:style>
+          <a:lnRef idx="2">
+            <a:schemeClr val="accent1">
+              <a:shade val="50000"/>
+            </a:schemeClr>
+          </a:lnRef>
+          <a:fillRef idx="1">
+            <a:schemeClr val="accent1"/>
+          </a:fillRef>
+          <a:effectRef idx="0">
+            <a:schemeClr val="accent1"/>
+          </a:effectRef>
+          <a:fontRef idx="minor">
+            <a:schemeClr val="lt1"/>
+          </a:fontRef>
+        </p:style>
+        <p:txBody>
+          <a:bodyPr lIns="0" tIns="0" rIns="0" bIns="0" rtlCol="0" anchor="ctr"/>
+          <a:lstStyle/>
+          <a:p>
+            <a:pPr algn="ctr"/>
+            <a:r>
+              <a:rPr lang="en-GB" sz="1050" dirty="0"/>
+              <a:t>+- Card</a:t>
+            </a:r>
+            <a:endParaRPr lang="en-GB" sz="800" dirty="0"/>
+          </a:p>
+        </p:txBody>
+      </p:sp>
+      <p:sp>
+        <p:nvSpPr>
+          <p:cNvPr id="9" name="Oval 8">
+            <a:extLst>
+              <a:ext uri="{FF2B5EF4-FFF2-40B4-BE49-F238E27FC236}">
+                <a16:creationId xmlns:a16="http://schemas.microsoft.com/office/drawing/2014/main" id="{08EB6FD5-3FDD-4FC4-89A9-47F7B3167FDD}"/>
+              </a:ext>
+            </a:extLst>
+          </p:cNvPr>
+          <p:cNvSpPr/>
+          <p:nvPr/>
+        </p:nvSpPr>
+        <p:spPr>
+          <a:xfrm>
+            <a:off x="5777947" y="3616993"/>
+            <a:ext cx="636105" cy="516835"/>
+          </a:xfrm>
+          <a:prstGeom prst="ellipse">
+            <a:avLst/>
+          </a:prstGeom>
+        </p:spPr>
+        <p:style>
+          <a:lnRef idx="2">
+            <a:schemeClr val="accent1">
+              <a:shade val="50000"/>
+            </a:schemeClr>
+          </a:lnRef>
+          <a:fillRef idx="1">
+            <a:schemeClr val="accent1"/>
+          </a:fillRef>
+          <a:effectRef idx="0">
+            <a:schemeClr val="accent1"/>
+          </a:effectRef>
+          <a:fontRef idx="minor">
+            <a:schemeClr val="lt1"/>
+          </a:fontRef>
+        </p:style>
+        <p:txBody>
+          <a:bodyPr lIns="0" tIns="0" rIns="0" bIns="0" rtlCol="0" anchor="ctr"/>
+          <a:lstStyle/>
+          <a:p>
+            <a:pPr algn="ctr"/>
+            <a:r>
+              <a:rPr lang="en-GB" sz="1050" dirty="0"/>
+              <a:t>+- Card</a:t>
+            </a:r>
+            <a:endParaRPr lang="en-GB" sz="800" dirty="0"/>
+          </a:p>
+        </p:txBody>
+      </p:sp>
+      <p:sp>
+        <p:nvSpPr>
+          <p:cNvPr id="12" name="Oval 11">
+            <a:extLst>
+              <a:ext uri="{FF2B5EF4-FFF2-40B4-BE49-F238E27FC236}">
+                <a16:creationId xmlns:a16="http://schemas.microsoft.com/office/drawing/2014/main" id="{219A6319-0EC8-428D-93E2-4C86166921DB}"/>
+              </a:ext>
+            </a:extLst>
+          </p:cNvPr>
+          <p:cNvSpPr/>
+          <p:nvPr/>
+        </p:nvSpPr>
+        <p:spPr>
+          <a:xfrm>
+            <a:off x="7779025" y="3616993"/>
+            <a:ext cx="636105" cy="516835"/>
+          </a:xfrm>
+          <a:prstGeom prst="ellipse">
+            <a:avLst/>
+          </a:prstGeom>
+        </p:spPr>
+        <p:style>
+          <a:lnRef idx="2">
+            <a:schemeClr val="accent1">
+              <a:shade val="50000"/>
+            </a:schemeClr>
+          </a:lnRef>
+          <a:fillRef idx="1">
+            <a:schemeClr val="accent1"/>
+          </a:fillRef>
+          <a:effectRef idx="0">
+            <a:schemeClr val="accent1"/>
+          </a:effectRef>
+          <a:fontRef idx="minor">
+            <a:schemeClr val="lt1"/>
+          </a:fontRef>
+        </p:style>
+        <p:txBody>
+          <a:bodyPr lIns="0" tIns="0" rIns="0" bIns="0" rtlCol="0" anchor="ctr"/>
+          <a:lstStyle/>
+          <a:p>
+            <a:pPr algn="ctr"/>
+            <a:r>
+              <a:rPr lang="en-GB" sz="1000" dirty="0" err="1"/>
+              <a:t>ListView</a:t>
+            </a:r>
+            <a:endParaRPr lang="en-GB" sz="700" dirty="0"/>
+          </a:p>
+        </p:txBody>
+      </p:sp>
+      <p:sp>
+        <p:nvSpPr>
+          <p:cNvPr id="13" name="Oval 12">
+            <a:extLst>
+              <a:ext uri="{FF2B5EF4-FFF2-40B4-BE49-F238E27FC236}">
+                <a16:creationId xmlns:a16="http://schemas.microsoft.com/office/drawing/2014/main" id="{705E4FD1-D4FC-4C57-93EF-9BFE1A134A02}"/>
+              </a:ext>
+            </a:extLst>
+          </p:cNvPr>
+          <p:cNvSpPr/>
+          <p:nvPr/>
+        </p:nvSpPr>
+        <p:spPr>
+          <a:xfrm>
+            <a:off x="9193695" y="2935702"/>
+            <a:ext cx="636105" cy="516835"/>
+          </a:xfrm>
+          <a:prstGeom prst="ellipse">
+            <a:avLst/>
+          </a:prstGeom>
+        </p:spPr>
+        <p:style>
+          <a:lnRef idx="2">
+            <a:schemeClr val="accent1">
+              <a:shade val="50000"/>
+            </a:schemeClr>
+          </a:lnRef>
+          <a:fillRef idx="1">
+            <a:schemeClr val="accent1"/>
+          </a:fillRef>
+          <a:effectRef idx="0">
+            <a:schemeClr val="accent1"/>
+          </a:effectRef>
+          <a:fontRef idx="minor">
+            <a:schemeClr val="lt1"/>
+          </a:fontRef>
+        </p:style>
+        <p:txBody>
+          <a:bodyPr lIns="0" tIns="0" rIns="0" bIns="0" rtlCol="0" anchor="ctr"/>
+          <a:lstStyle/>
+          <a:p>
+            <a:pPr algn="ctr"/>
+            <a:r>
+              <a:rPr lang="en-GB" sz="1050" dirty="0"/>
+              <a:t>Bottom App. Bar</a:t>
+            </a:r>
+            <a:endParaRPr lang="en-GB" sz="800" dirty="0"/>
+          </a:p>
+        </p:txBody>
+      </p:sp>
+      <p:sp>
+        <p:nvSpPr>
+          <p:cNvPr id="14" name="Oval 13">
+            <a:extLst>
+              <a:ext uri="{FF2B5EF4-FFF2-40B4-BE49-F238E27FC236}">
+                <a16:creationId xmlns:a16="http://schemas.microsoft.com/office/drawing/2014/main" id="{E300A326-F03F-4C72-A4C5-46EB619B4C53}"/>
+              </a:ext>
+            </a:extLst>
+          </p:cNvPr>
+          <p:cNvSpPr/>
+          <p:nvPr/>
+        </p:nvSpPr>
+        <p:spPr>
+          <a:xfrm>
+            <a:off x="4754188" y="2935702"/>
+            <a:ext cx="636105" cy="516835"/>
+          </a:xfrm>
+          <a:prstGeom prst="ellipse">
+            <a:avLst/>
+          </a:prstGeom>
+        </p:spPr>
+        <p:style>
+          <a:lnRef idx="2">
+            <a:schemeClr val="accent1">
+              <a:shade val="50000"/>
+            </a:schemeClr>
+          </a:lnRef>
+          <a:fillRef idx="1">
+            <a:schemeClr val="accent1"/>
+          </a:fillRef>
+          <a:effectRef idx="0">
+            <a:schemeClr val="accent1"/>
+          </a:effectRef>
+          <a:fontRef idx="minor">
+            <a:schemeClr val="lt1"/>
+          </a:fontRef>
+        </p:style>
+        <p:txBody>
+          <a:bodyPr lIns="0" tIns="0" rIns="0" bIns="0" rtlCol="0" anchor="ctr"/>
+          <a:lstStyle/>
+          <a:p>
+            <a:pPr algn="ctr"/>
+            <a:r>
+              <a:rPr lang="en-GB" sz="1050" dirty="0"/>
+              <a:t>Text</a:t>
+            </a:r>
+            <a:endParaRPr lang="en-GB" sz="800" dirty="0"/>
+          </a:p>
+        </p:txBody>
+      </p:sp>
+      <p:sp>
+        <p:nvSpPr>
+          <p:cNvPr id="15" name="Oval 14">
+            <a:extLst>
+              <a:ext uri="{FF2B5EF4-FFF2-40B4-BE49-F238E27FC236}">
+                <a16:creationId xmlns:a16="http://schemas.microsoft.com/office/drawing/2014/main" id="{08ECA49A-04EB-409C-BD3C-14C1295F7403}"/>
+              </a:ext>
+            </a:extLst>
+          </p:cNvPr>
+          <p:cNvSpPr/>
+          <p:nvPr/>
+        </p:nvSpPr>
+        <p:spPr>
+          <a:xfrm>
+            <a:off x="5768007" y="4287426"/>
+            <a:ext cx="636105" cy="516835"/>
+          </a:xfrm>
+          <a:prstGeom prst="ellipse">
+            <a:avLst/>
+          </a:prstGeom>
+        </p:spPr>
+        <p:style>
+          <a:lnRef idx="2">
+            <a:schemeClr val="accent1">
+              <a:shade val="50000"/>
+            </a:schemeClr>
+          </a:lnRef>
+          <a:fillRef idx="1">
+            <a:schemeClr val="accent1"/>
+          </a:fillRef>
+          <a:effectRef idx="0">
+            <a:schemeClr val="accent1"/>
+          </a:effectRef>
+          <a:fontRef idx="minor">
+            <a:schemeClr val="lt1"/>
+          </a:fontRef>
+        </p:style>
+        <p:txBody>
+          <a:bodyPr lIns="0" tIns="0" rIns="0" bIns="0" rtlCol="0" anchor="ctr"/>
+          <a:lstStyle/>
+          <a:p>
+            <a:pPr algn="ctr"/>
+            <a:r>
+              <a:rPr lang="en-GB" sz="1050" dirty="0"/>
+              <a:t>Row</a:t>
+            </a:r>
+            <a:endParaRPr lang="en-GB" sz="800" dirty="0"/>
+          </a:p>
+        </p:txBody>
+      </p:sp>
+      <p:sp>
+        <p:nvSpPr>
+          <p:cNvPr id="16" name="Oval 15">
+            <a:extLst>
+              <a:ext uri="{FF2B5EF4-FFF2-40B4-BE49-F238E27FC236}">
+                <a16:creationId xmlns:a16="http://schemas.microsoft.com/office/drawing/2014/main" id="{8DDDF93D-855A-4F55-8720-E1A7C11DF051}"/>
+              </a:ext>
+            </a:extLst>
+          </p:cNvPr>
+          <p:cNvSpPr/>
+          <p:nvPr/>
+        </p:nvSpPr>
+        <p:spPr>
+          <a:xfrm>
+            <a:off x="5768007" y="4933471"/>
+            <a:ext cx="636105" cy="516835"/>
+          </a:xfrm>
+          <a:prstGeom prst="ellipse">
+            <a:avLst/>
+          </a:prstGeom>
+        </p:spPr>
+        <p:style>
+          <a:lnRef idx="2">
+            <a:schemeClr val="accent1">
+              <a:shade val="50000"/>
+            </a:schemeClr>
+          </a:lnRef>
+          <a:fillRef idx="1">
+            <a:schemeClr val="accent1"/>
+          </a:fillRef>
+          <a:effectRef idx="0">
+            <a:schemeClr val="accent1"/>
+          </a:effectRef>
+          <a:fontRef idx="minor">
+            <a:schemeClr val="lt1"/>
+          </a:fontRef>
+        </p:style>
+        <p:txBody>
+          <a:bodyPr lIns="0" tIns="0" rIns="0" bIns="0" rtlCol="0" anchor="ctr"/>
+          <a:lstStyle/>
+          <a:p>
+            <a:pPr algn="ctr"/>
+            <a:r>
+              <a:rPr lang="en-GB" sz="1050" dirty="0"/>
+              <a:t>Column</a:t>
+            </a:r>
+            <a:endParaRPr lang="en-GB" sz="800" dirty="0"/>
+          </a:p>
+        </p:txBody>
+      </p:sp>
+      <p:sp>
+        <p:nvSpPr>
+          <p:cNvPr id="17" name="Oval 16">
+            <a:extLst>
+              <a:ext uri="{FF2B5EF4-FFF2-40B4-BE49-F238E27FC236}">
+                <a16:creationId xmlns:a16="http://schemas.microsoft.com/office/drawing/2014/main" id="{603F7AAA-550B-4A35-9526-55C11010EA8A}"/>
+              </a:ext>
+            </a:extLst>
+          </p:cNvPr>
+          <p:cNvSpPr/>
+          <p:nvPr/>
+        </p:nvSpPr>
+        <p:spPr>
+          <a:xfrm>
+            <a:off x="4754187" y="4933471"/>
+            <a:ext cx="636105" cy="516835"/>
+          </a:xfrm>
+          <a:prstGeom prst="ellipse">
+            <a:avLst/>
+          </a:prstGeom>
+        </p:spPr>
+        <p:style>
+          <a:lnRef idx="2">
+            <a:schemeClr val="accent1">
+              <a:shade val="50000"/>
+            </a:schemeClr>
+          </a:lnRef>
+          <a:fillRef idx="1">
+            <a:schemeClr val="accent1"/>
+          </a:fillRef>
+          <a:effectRef idx="0">
+            <a:schemeClr val="accent1"/>
+          </a:effectRef>
+          <a:fontRef idx="minor">
+            <a:schemeClr val="lt1"/>
+          </a:fontRef>
+        </p:style>
+        <p:txBody>
+          <a:bodyPr lIns="0" tIns="0" rIns="0" bIns="0" rtlCol="0" anchor="ctr"/>
+          <a:lstStyle/>
+          <a:p>
+            <a:pPr algn="ctr"/>
+            <a:r>
+              <a:rPr lang="en-GB" sz="1050" dirty="0"/>
+              <a:t>Button</a:t>
+            </a:r>
+            <a:endParaRPr lang="en-GB" sz="800" dirty="0"/>
+          </a:p>
+        </p:txBody>
+      </p:sp>
+      <p:sp>
+        <p:nvSpPr>
+          <p:cNvPr id="18" name="Oval 17">
+            <a:extLst>
+              <a:ext uri="{FF2B5EF4-FFF2-40B4-BE49-F238E27FC236}">
+                <a16:creationId xmlns:a16="http://schemas.microsoft.com/office/drawing/2014/main" id="{0965DEB4-A9C5-41F4-9AFE-0F387592617C}"/>
+              </a:ext>
+            </a:extLst>
+          </p:cNvPr>
+          <p:cNvSpPr/>
+          <p:nvPr/>
+        </p:nvSpPr>
+        <p:spPr>
+          <a:xfrm>
+            <a:off x="6732104" y="4933471"/>
+            <a:ext cx="636105" cy="516835"/>
+          </a:xfrm>
+          <a:prstGeom prst="ellipse">
+            <a:avLst/>
+          </a:prstGeom>
+        </p:spPr>
+        <p:style>
+          <a:lnRef idx="2">
+            <a:schemeClr val="accent1">
+              <a:shade val="50000"/>
+            </a:schemeClr>
+          </a:lnRef>
+          <a:fillRef idx="1">
+            <a:schemeClr val="accent1"/>
+          </a:fillRef>
+          <a:effectRef idx="0">
+            <a:schemeClr val="accent1"/>
+          </a:effectRef>
+          <a:fontRef idx="minor">
+            <a:schemeClr val="lt1"/>
+          </a:fontRef>
+        </p:style>
+        <p:txBody>
+          <a:bodyPr lIns="0" tIns="0" rIns="0" bIns="0" rtlCol="0" anchor="ctr"/>
+          <a:lstStyle/>
+          <a:p>
+            <a:pPr algn="ctr"/>
+            <a:r>
+              <a:rPr lang="en-GB" sz="1050" dirty="0"/>
+              <a:t>Button</a:t>
+            </a:r>
+            <a:endParaRPr lang="en-GB" sz="800" dirty="0"/>
+          </a:p>
+        </p:txBody>
+      </p:sp>
+      <p:sp>
+        <p:nvSpPr>
+          <p:cNvPr id="19" name="Oval 18">
+            <a:extLst>
+              <a:ext uri="{FF2B5EF4-FFF2-40B4-BE49-F238E27FC236}">
+                <a16:creationId xmlns:a16="http://schemas.microsoft.com/office/drawing/2014/main" id="{3041410C-A555-4501-9B8E-3FFC8DD4DDA5}"/>
+              </a:ext>
+            </a:extLst>
+          </p:cNvPr>
+          <p:cNvSpPr/>
+          <p:nvPr/>
+        </p:nvSpPr>
+        <p:spPr>
+          <a:xfrm>
+            <a:off x="4287049" y="5598358"/>
+            <a:ext cx="636105" cy="516835"/>
+          </a:xfrm>
+          <a:prstGeom prst="ellipse">
+            <a:avLst/>
+          </a:prstGeom>
+        </p:spPr>
+        <p:style>
+          <a:lnRef idx="2">
+            <a:schemeClr val="accent1">
+              <a:shade val="50000"/>
+            </a:schemeClr>
+          </a:lnRef>
+          <a:fillRef idx="1">
+            <a:schemeClr val="accent1"/>
+          </a:fillRef>
+          <a:effectRef idx="0">
+            <a:schemeClr val="accent1"/>
+          </a:effectRef>
+          <a:fontRef idx="minor">
+            <a:schemeClr val="lt1"/>
+          </a:fontRef>
+        </p:style>
+        <p:txBody>
+          <a:bodyPr lIns="0" tIns="0" rIns="0" bIns="0" rtlCol="0" anchor="ctr"/>
+          <a:lstStyle/>
+          <a:p>
+            <a:pPr algn="ctr"/>
+            <a:r>
+              <a:rPr lang="en-GB" sz="1050" dirty="0"/>
+              <a:t>Icon (-)</a:t>
+            </a:r>
+            <a:endParaRPr lang="en-GB" sz="800" dirty="0"/>
+          </a:p>
+        </p:txBody>
+      </p:sp>
+      <p:sp>
+        <p:nvSpPr>
+          <p:cNvPr id="20" name="Oval 19">
+            <a:extLst>
+              <a:ext uri="{FF2B5EF4-FFF2-40B4-BE49-F238E27FC236}">
+                <a16:creationId xmlns:a16="http://schemas.microsoft.com/office/drawing/2014/main" id="{005A63E7-63E1-40F6-8058-88D194B55093}"/>
+              </a:ext>
+            </a:extLst>
+          </p:cNvPr>
+          <p:cNvSpPr/>
+          <p:nvPr/>
+        </p:nvSpPr>
+        <p:spPr>
+          <a:xfrm>
+            <a:off x="6990517" y="5598358"/>
+            <a:ext cx="636105" cy="516835"/>
+          </a:xfrm>
+          <a:prstGeom prst="ellipse">
+            <a:avLst/>
+          </a:prstGeom>
+        </p:spPr>
+        <p:style>
+          <a:lnRef idx="2">
+            <a:schemeClr val="accent1">
+              <a:shade val="50000"/>
+            </a:schemeClr>
+          </a:lnRef>
+          <a:fillRef idx="1">
+            <a:schemeClr val="accent1"/>
+          </a:fillRef>
+          <a:effectRef idx="0">
+            <a:schemeClr val="accent1"/>
+          </a:effectRef>
+          <a:fontRef idx="minor">
+            <a:schemeClr val="lt1"/>
+          </a:fontRef>
+        </p:style>
+        <p:txBody>
+          <a:bodyPr lIns="0" tIns="0" rIns="0" bIns="0" rtlCol="0" anchor="ctr"/>
+          <a:lstStyle/>
+          <a:p>
+            <a:pPr algn="ctr"/>
+            <a:r>
+              <a:rPr lang="en-GB" sz="1050" dirty="0"/>
+              <a:t>Icon (+)</a:t>
+            </a:r>
+            <a:endParaRPr lang="en-GB" sz="800" dirty="0"/>
+          </a:p>
+        </p:txBody>
+      </p:sp>
+      <p:sp>
+        <p:nvSpPr>
+          <p:cNvPr id="21" name="Oval 20">
+            <a:extLst>
+              <a:ext uri="{FF2B5EF4-FFF2-40B4-BE49-F238E27FC236}">
+                <a16:creationId xmlns:a16="http://schemas.microsoft.com/office/drawing/2014/main" id="{05C1D41E-3DE9-4D4C-8189-7219DA66EAFD}"/>
+              </a:ext>
+            </a:extLst>
+          </p:cNvPr>
+          <p:cNvSpPr/>
+          <p:nvPr/>
+        </p:nvSpPr>
+        <p:spPr>
+          <a:xfrm>
+            <a:off x="5261111" y="5598358"/>
+            <a:ext cx="636105" cy="516835"/>
+          </a:xfrm>
+          <a:prstGeom prst="ellipse">
+            <a:avLst/>
+          </a:prstGeom>
+        </p:spPr>
+        <p:style>
+          <a:lnRef idx="2">
+            <a:schemeClr val="accent1">
+              <a:shade val="50000"/>
+            </a:schemeClr>
+          </a:lnRef>
+          <a:fillRef idx="1">
+            <a:schemeClr val="accent1"/>
+          </a:fillRef>
+          <a:effectRef idx="0">
+            <a:schemeClr val="accent1"/>
+          </a:effectRef>
+          <a:fontRef idx="minor">
+            <a:schemeClr val="lt1"/>
+          </a:fontRef>
+        </p:style>
+        <p:txBody>
+          <a:bodyPr lIns="0" tIns="0" rIns="0" bIns="0" rtlCol="0" anchor="ctr"/>
+          <a:lstStyle/>
+          <a:p>
+            <a:pPr algn="ctr"/>
+            <a:r>
+              <a:rPr lang="en-GB" sz="1050" dirty="0"/>
+              <a:t>Text</a:t>
+            </a:r>
+            <a:endParaRPr lang="en-GB" sz="800" dirty="0"/>
+          </a:p>
+        </p:txBody>
+      </p:sp>
+      <p:sp>
+        <p:nvSpPr>
+          <p:cNvPr id="22" name="Oval 21">
+            <a:extLst>
+              <a:ext uri="{FF2B5EF4-FFF2-40B4-BE49-F238E27FC236}">
+                <a16:creationId xmlns:a16="http://schemas.microsoft.com/office/drawing/2014/main" id="{4F44B174-1F16-4CB6-864A-0CC3F98DA4B6}"/>
+              </a:ext>
+            </a:extLst>
+          </p:cNvPr>
+          <p:cNvSpPr/>
+          <p:nvPr/>
+        </p:nvSpPr>
+        <p:spPr>
+          <a:xfrm>
+            <a:off x="6076118" y="5608293"/>
+            <a:ext cx="636105" cy="516835"/>
+          </a:xfrm>
+          <a:prstGeom prst="ellipse">
+            <a:avLst/>
+          </a:prstGeom>
+        </p:spPr>
+        <p:style>
+          <a:lnRef idx="2">
+            <a:schemeClr val="accent1">
+              <a:shade val="50000"/>
+            </a:schemeClr>
+          </a:lnRef>
+          <a:fillRef idx="1">
+            <a:schemeClr val="accent1"/>
+          </a:fillRef>
+          <a:effectRef idx="0">
+            <a:schemeClr val="accent1"/>
+          </a:effectRef>
+          <a:fontRef idx="minor">
+            <a:schemeClr val="lt1"/>
+          </a:fontRef>
+        </p:style>
+        <p:txBody>
+          <a:bodyPr lIns="0" tIns="0" rIns="0" bIns="0" rtlCol="0" anchor="ctr"/>
+          <a:lstStyle/>
+          <a:p>
+            <a:pPr algn="ctr"/>
+            <a:r>
+              <a:rPr lang="en-GB" sz="1050" dirty="0"/>
+              <a:t>Text</a:t>
+            </a:r>
+            <a:endParaRPr lang="en-GB" sz="800" dirty="0"/>
+          </a:p>
+        </p:txBody>
+      </p:sp>
+      <p:sp>
+        <p:nvSpPr>
+          <p:cNvPr id="23" name="Oval 22">
+            <a:extLst>
+              <a:ext uri="{FF2B5EF4-FFF2-40B4-BE49-F238E27FC236}">
+                <a16:creationId xmlns:a16="http://schemas.microsoft.com/office/drawing/2014/main" id="{4FCB94A4-9E7E-4003-BE19-E633A13C6475}"/>
+              </a:ext>
+            </a:extLst>
+          </p:cNvPr>
+          <p:cNvSpPr/>
+          <p:nvPr/>
+        </p:nvSpPr>
+        <p:spPr>
+          <a:xfrm>
+            <a:off x="7779025" y="4287426"/>
+            <a:ext cx="636105" cy="516835"/>
+          </a:xfrm>
+          <a:prstGeom prst="ellipse">
+            <a:avLst/>
+          </a:prstGeom>
+        </p:spPr>
+        <p:style>
+          <a:lnRef idx="2">
+            <a:schemeClr val="accent1">
+              <a:shade val="50000"/>
+            </a:schemeClr>
+          </a:lnRef>
+          <a:fillRef idx="1">
+            <a:schemeClr val="accent1"/>
+          </a:fillRef>
+          <a:effectRef idx="0">
+            <a:schemeClr val="accent1"/>
+          </a:effectRef>
+          <a:fontRef idx="minor">
+            <a:schemeClr val="lt1"/>
+          </a:fontRef>
+        </p:style>
+        <p:txBody>
+          <a:bodyPr lIns="0" tIns="0" rIns="0" bIns="0" rtlCol="0" anchor="ctr"/>
+          <a:lstStyle/>
+          <a:p>
+            <a:pPr algn="ctr"/>
+            <a:r>
+              <a:rPr lang="en-GB" sz="900" dirty="0" err="1"/>
+              <a:t>CheckBox</a:t>
+            </a:r>
+            <a:endParaRPr lang="en-GB" sz="900" dirty="0"/>
+          </a:p>
+          <a:p>
+            <a:pPr algn="ctr"/>
+            <a:r>
+              <a:rPr lang="en-GB" sz="900" dirty="0" err="1"/>
+              <a:t>ListTile</a:t>
+            </a:r>
+            <a:endParaRPr lang="en-GB" sz="600" dirty="0"/>
+          </a:p>
+        </p:txBody>
+      </p:sp>
+      <p:sp>
+        <p:nvSpPr>
+          <p:cNvPr id="24" name="Oval 23">
+            <a:extLst>
+              <a:ext uri="{FF2B5EF4-FFF2-40B4-BE49-F238E27FC236}">
+                <a16:creationId xmlns:a16="http://schemas.microsoft.com/office/drawing/2014/main" id="{0E17B227-6EAD-4691-9DBA-321254AF0C14}"/>
+              </a:ext>
+            </a:extLst>
+          </p:cNvPr>
+          <p:cNvSpPr/>
+          <p:nvPr/>
+        </p:nvSpPr>
+        <p:spPr>
+          <a:xfrm>
+            <a:off x="9193695" y="3616992"/>
+            <a:ext cx="636105" cy="516835"/>
+          </a:xfrm>
+          <a:prstGeom prst="ellipse">
+            <a:avLst/>
+          </a:prstGeom>
+        </p:spPr>
+        <p:style>
+          <a:lnRef idx="2">
+            <a:schemeClr val="accent1">
+              <a:shade val="50000"/>
+            </a:schemeClr>
+          </a:lnRef>
+          <a:fillRef idx="1">
+            <a:schemeClr val="accent1"/>
+          </a:fillRef>
+          <a:effectRef idx="0">
+            <a:schemeClr val="accent1"/>
+          </a:effectRef>
+          <a:fontRef idx="minor">
+            <a:schemeClr val="lt1"/>
+          </a:fontRef>
+        </p:style>
+        <p:txBody>
+          <a:bodyPr lIns="0" tIns="0" rIns="0" bIns="0" rtlCol="0" anchor="ctr"/>
+          <a:lstStyle/>
+          <a:p>
+            <a:pPr algn="ctr"/>
+            <a:r>
+              <a:rPr lang="en-GB" sz="1050" dirty="0"/>
+              <a:t>Bottom </a:t>
+            </a:r>
+            <a:r>
+              <a:rPr lang="en-GB" sz="1050" dirty="0" err="1"/>
+              <a:t>AppBar</a:t>
+            </a:r>
+            <a:endParaRPr lang="en-GB" sz="1050" dirty="0"/>
+          </a:p>
+          <a:p>
+            <a:pPr algn="ctr"/>
+            <a:r>
+              <a:rPr lang="en-GB" sz="1050" dirty="0"/>
+              <a:t>Item</a:t>
+            </a:r>
+            <a:endParaRPr lang="en-GB" sz="800" dirty="0"/>
+          </a:p>
+        </p:txBody>
+      </p:sp>
+      <p:sp>
+        <p:nvSpPr>
+          <p:cNvPr id="25" name="Oval 24">
+            <a:extLst>
+              <a:ext uri="{FF2B5EF4-FFF2-40B4-BE49-F238E27FC236}">
+                <a16:creationId xmlns:a16="http://schemas.microsoft.com/office/drawing/2014/main" id="{D6920C9F-0B60-430F-876F-FF958E631BDD}"/>
+              </a:ext>
+            </a:extLst>
+          </p:cNvPr>
+          <p:cNvSpPr/>
+          <p:nvPr/>
+        </p:nvSpPr>
+        <p:spPr>
+          <a:xfrm>
+            <a:off x="10154478" y="3616992"/>
+            <a:ext cx="636105" cy="516835"/>
+          </a:xfrm>
+          <a:prstGeom prst="ellipse">
+            <a:avLst/>
+          </a:prstGeom>
+        </p:spPr>
+        <p:style>
+          <a:lnRef idx="2">
+            <a:schemeClr val="accent1">
+              <a:shade val="50000"/>
+            </a:schemeClr>
+          </a:lnRef>
+          <a:fillRef idx="1">
+            <a:schemeClr val="accent1"/>
+          </a:fillRef>
+          <a:effectRef idx="0">
+            <a:schemeClr val="accent1"/>
+          </a:effectRef>
+          <a:fontRef idx="minor">
+            <a:schemeClr val="lt1"/>
+          </a:fontRef>
+        </p:style>
+        <p:txBody>
+          <a:bodyPr lIns="0" tIns="0" rIns="0" bIns="0" rtlCol="0" anchor="ctr"/>
+          <a:lstStyle/>
+          <a:p>
+            <a:pPr algn="ctr"/>
+            <a:r>
+              <a:rPr lang="en-GB" sz="1050" dirty="0"/>
+              <a:t>Bottom </a:t>
+            </a:r>
+            <a:r>
+              <a:rPr lang="en-GB" sz="1050" dirty="0" err="1"/>
+              <a:t>AppBar</a:t>
+            </a:r>
+            <a:r>
+              <a:rPr lang="en-GB" sz="1050" dirty="0"/>
+              <a:t> Item</a:t>
+            </a:r>
+            <a:endParaRPr lang="en-GB" sz="800" dirty="0"/>
+          </a:p>
+        </p:txBody>
+      </p:sp>
+      <p:sp>
+        <p:nvSpPr>
+          <p:cNvPr id="26" name="Oval 25">
+            <a:extLst>
+              <a:ext uri="{FF2B5EF4-FFF2-40B4-BE49-F238E27FC236}">
+                <a16:creationId xmlns:a16="http://schemas.microsoft.com/office/drawing/2014/main" id="{1C252765-B119-4405-B296-4789E8949FE1}"/>
+              </a:ext>
+            </a:extLst>
+          </p:cNvPr>
+          <p:cNvSpPr/>
+          <p:nvPr/>
+        </p:nvSpPr>
+        <p:spPr>
+          <a:xfrm>
+            <a:off x="9193695" y="4286575"/>
+            <a:ext cx="636105" cy="516835"/>
+          </a:xfrm>
+          <a:prstGeom prst="ellipse">
+            <a:avLst/>
+          </a:prstGeom>
+        </p:spPr>
+        <p:style>
+          <a:lnRef idx="2">
+            <a:schemeClr val="accent1">
+              <a:shade val="50000"/>
+            </a:schemeClr>
+          </a:lnRef>
+          <a:fillRef idx="1">
+            <a:schemeClr val="accent1"/>
+          </a:fillRef>
+          <a:effectRef idx="0">
+            <a:schemeClr val="accent1"/>
+          </a:effectRef>
+          <a:fontRef idx="minor">
+            <a:schemeClr val="lt1"/>
+          </a:fontRef>
+        </p:style>
+        <p:txBody>
+          <a:bodyPr lIns="0" tIns="0" rIns="0" bIns="0" rtlCol="0" anchor="ctr"/>
+          <a:lstStyle/>
+          <a:p>
+            <a:pPr algn="ctr"/>
+            <a:r>
+              <a:rPr lang="en-GB" sz="1050" dirty="0"/>
+              <a:t>Column</a:t>
+            </a:r>
+            <a:endParaRPr lang="en-GB" sz="800" dirty="0"/>
+          </a:p>
+        </p:txBody>
+      </p:sp>
+      <p:sp>
+        <p:nvSpPr>
+          <p:cNvPr id="27" name="Oval 26">
+            <a:extLst>
+              <a:ext uri="{FF2B5EF4-FFF2-40B4-BE49-F238E27FC236}">
+                <a16:creationId xmlns:a16="http://schemas.microsoft.com/office/drawing/2014/main" id="{DE1F28E3-4A09-47F5-BB8D-D572BBE03DF5}"/>
+              </a:ext>
+            </a:extLst>
+          </p:cNvPr>
+          <p:cNvSpPr/>
+          <p:nvPr/>
+        </p:nvSpPr>
+        <p:spPr>
+          <a:xfrm>
+            <a:off x="8696736" y="4933470"/>
+            <a:ext cx="636105" cy="516835"/>
+          </a:xfrm>
+          <a:prstGeom prst="ellipse">
+            <a:avLst/>
+          </a:prstGeom>
+        </p:spPr>
+        <p:style>
+          <a:lnRef idx="2">
+            <a:schemeClr val="accent1">
+              <a:shade val="50000"/>
+            </a:schemeClr>
+          </a:lnRef>
+          <a:fillRef idx="1">
+            <a:schemeClr val="accent1"/>
+          </a:fillRef>
+          <a:effectRef idx="0">
+            <a:schemeClr val="accent1"/>
+          </a:effectRef>
+          <a:fontRef idx="minor">
+            <a:schemeClr val="lt1"/>
+          </a:fontRef>
+        </p:style>
+        <p:txBody>
+          <a:bodyPr lIns="0" tIns="0" rIns="0" bIns="0" rtlCol="0" anchor="ctr"/>
+          <a:lstStyle/>
+          <a:p>
+            <a:pPr algn="ctr"/>
+            <a:r>
+              <a:rPr lang="en-GB" sz="1050" dirty="0"/>
+              <a:t>Icon</a:t>
+            </a:r>
+            <a:endParaRPr lang="en-GB" sz="800" dirty="0"/>
+          </a:p>
+        </p:txBody>
+      </p:sp>
+      <p:sp>
+        <p:nvSpPr>
+          <p:cNvPr id="28" name="Oval 27">
+            <a:extLst>
+              <a:ext uri="{FF2B5EF4-FFF2-40B4-BE49-F238E27FC236}">
+                <a16:creationId xmlns:a16="http://schemas.microsoft.com/office/drawing/2014/main" id="{3080637E-1AEA-4A6D-93C9-F230A362E020}"/>
+              </a:ext>
+            </a:extLst>
+          </p:cNvPr>
+          <p:cNvSpPr/>
+          <p:nvPr/>
+        </p:nvSpPr>
+        <p:spPr>
+          <a:xfrm>
+            <a:off x="9717154" y="4933470"/>
+            <a:ext cx="636105" cy="516835"/>
+          </a:xfrm>
+          <a:prstGeom prst="ellipse">
+            <a:avLst/>
+          </a:prstGeom>
+        </p:spPr>
+        <p:style>
+          <a:lnRef idx="2">
+            <a:schemeClr val="accent1">
+              <a:shade val="50000"/>
+            </a:schemeClr>
+          </a:lnRef>
+          <a:fillRef idx="1">
+            <a:schemeClr val="accent1"/>
+          </a:fillRef>
+          <a:effectRef idx="0">
+            <a:schemeClr val="accent1"/>
+          </a:effectRef>
+          <a:fontRef idx="minor">
+            <a:schemeClr val="lt1"/>
+          </a:fontRef>
+        </p:style>
+        <p:txBody>
+          <a:bodyPr lIns="0" tIns="0" rIns="0" bIns="0" rtlCol="0" anchor="ctr"/>
+          <a:lstStyle/>
+          <a:p>
+            <a:pPr algn="ctr"/>
+            <a:r>
+              <a:rPr lang="en-GB" sz="1050" dirty="0"/>
+              <a:t>Text</a:t>
+            </a:r>
+            <a:endParaRPr lang="en-GB" sz="800" dirty="0"/>
+          </a:p>
+        </p:txBody>
+      </p:sp>
+      <p:cxnSp>
+        <p:nvCxnSpPr>
+          <p:cNvPr id="30" name="Straight Arrow Connector 29">
+            <a:extLst>
+              <a:ext uri="{FF2B5EF4-FFF2-40B4-BE49-F238E27FC236}">
+                <a16:creationId xmlns:a16="http://schemas.microsoft.com/office/drawing/2014/main" id="{21C9373F-0293-47A3-B932-EA326397D560}"/>
+              </a:ext>
+            </a:extLst>
+          </p:cNvPr>
+          <p:cNvCxnSpPr>
+            <a:stCxn id="5" idx="4"/>
+            <a:endCxn id="6" idx="0"/>
+          </p:cNvCxnSpPr>
+          <p:nvPr/>
+        </p:nvCxnSpPr>
+        <p:spPr>
+          <a:xfrm flipH="1">
+            <a:off x="7050155" y="2126974"/>
+            <a:ext cx="6628" cy="148052"/>
+          </a:xfrm>
+          <a:prstGeom prst="straightConnector1">
+            <a:avLst/>
+          </a:prstGeom>
+          <a:ln>
+            <a:tailEnd type="triangle"/>
+          </a:ln>
+        </p:spPr>
+        <p:style>
+          <a:lnRef idx="1">
+            <a:schemeClr val="accent1"/>
+          </a:lnRef>
+          <a:fillRef idx="0">
+            <a:schemeClr val="accent1"/>
+          </a:fillRef>
+          <a:effectRef idx="0">
+            <a:schemeClr val="accent1"/>
+          </a:effectRef>
+          <a:fontRef idx="minor">
+            <a:schemeClr val="tx1"/>
+          </a:fontRef>
+        </p:style>
+      </p:cxnSp>
+      <p:cxnSp>
+        <p:nvCxnSpPr>
+          <p:cNvPr id="33" name="Straight Arrow Connector 32">
+            <a:extLst>
+              <a:ext uri="{FF2B5EF4-FFF2-40B4-BE49-F238E27FC236}">
+                <a16:creationId xmlns:a16="http://schemas.microsoft.com/office/drawing/2014/main" id="{2E5E5F23-4A9F-4EAE-8D53-26B35576A01B}"/>
+              </a:ext>
+            </a:extLst>
+          </p:cNvPr>
+          <p:cNvCxnSpPr>
+            <a:stCxn id="6" idx="4"/>
+            <a:endCxn id="7" idx="0"/>
+          </p:cNvCxnSpPr>
+          <p:nvPr/>
+        </p:nvCxnSpPr>
+        <p:spPr>
+          <a:xfrm>
+            <a:off x="7050155" y="2791861"/>
+            <a:ext cx="6628" cy="143841"/>
+          </a:xfrm>
+          <a:prstGeom prst="straightConnector1">
+            <a:avLst/>
+          </a:prstGeom>
+          <a:ln>
+            <a:tailEnd type="triangle"/>
+          </a:ln>
+        </p:spPr>
+        <p:style>
+          <a:lnRef idx="1">
+            <a:schemeClr val="accent1"/>
+          </a:lnRef>
+          <a:fillRef idx="0">
+            <a:schemeClr val="accent1"/>
+          </a:fillRef>
+          <a:effectRef idx="0">
+            <a:schemeClr val="accent1"/>
+          </a:effectRef>
+          <a:fontRef idx="minor">
+            <a:schemeClr val="tx1"/>
+          </a:fontRef>
+        </p:style>
+      </p:cxnSp>
+      <p:cxnSp>
+        <p:nvCxnSpPr>
+          <p:cNvPr id="35" name="Straight Arrow Connector 34">
+            <a:extLst>
+              <a:ext uri="{FF2B5EF4-FFF2-40B4-BE49-F238E27FC236}">
+                <a16:creationId xmlns:a16="http://schemas.microsoft.com/office/drawing/2014/main" id="{86B55171-A4DC-4103-A998-A14025B33401}"/>
+              </a:ext>
+            </a:extLst>
+          </p:cNvPr>
+          <p:cNvCxnSpPr>
+            <a:stCxn id="7" idx="4"/>
+            <a:endCxn id="8" idx="0"/>
+          </p:cNvCxnSpPr>
+          <p:nvPr/>
+        </p:nvCxnSpPr>
+        <p:spPr>
+          <a:xfrm>
+            <a:off x="7056783" y="3452537"/>
+            <a:ext cx="0" cy="164456"/>
+          </a:xfrm>
+          <a:prstGeom prst="straightConnector1">
+            <a:avLst/>
+          </a:prstGeom>
+          <a:ln>
+            <a:tailEnd type="triangle"/>
+          </a:ln>
+        </p:spPr>
+        <p:style>
+          <a:lnRef idx="1">
+            <a:schemeClr val="accent1"/>
+          </a:lnRef>
+          <a:fillRef idx="0">
+            <a:schemeClr val="accent1"/>
+          </a:fillRef>
+          <a:effectRef idx="0">
+            <a:schemeClr val="accent1"/>
+          </a:effectRef>
+          <a:fontRef idx="minor">
+            <a:schemeClr val="tx1"/>
+          </a:fontRef>
+        </p:style>
+      </p:cxnSp>
+      <p:cxnSp>
+        <p:nvCxnSpPr>
+          <p:cNvPr id="37" name="Straight Arrow Connector 36">
+            <a:extLst>
+              <a:ext uri="{FF2B5EF4-FFF2-40B4-BE49-F238E27FC236}">
+                <a16:creationId xmlns:a16="http://schemas.microsoft.com/office/drawing/2014/main" id="{4B9CBC9F-FCF2-4946-8DAB-DB4495E85F77}"/>
+              </a:ext>
+            </a:extLst>
+          </p:cNvPr>
+          <p:cNvCxnSpPr>
+            <a:stCxn id="7" idx="4"/>
+            <a:endCxn id="9" idx="7"/>
+          </p:cNvCxnSpPr>
+          <p:nvPr/>
+        </p:nvCxnSpPr>
+        <p:spPr>
+          <a:xfrm flipH="1">
+            <a:off x="6320897" y="3452537"/>
+            <a:ext cx="735886" cy="240145"/>
+          </a:xfrm>
+          <a:prstGeom prst="straightConnector1">
+            <a:avLst/>
+          </a:prstGeom>
+          <a:ln>
+            <a:tailEnd type="triangle"/>
+          </a:ln>
+        </p:spPr>
+        <p:style>
+          <a:lnRef idx="1">
+            <a:schemeClr val="accent1"/>
+          </a:lnRef>
+          <a:fillRef idx="0">
+            <a:schemeClr val="accent1"/>
+          </a:fillRef>
+          <a:effectRef idx="0">
+            <a:schemeClr val="accent1"/>
+          </a:effectRef>
+          <a:fontRef idx="minor">
+            <a:schemeClr val="tx1"/>
+          </a:fontRef>
+        </p:style>
+      </p:cxnSp>
+      <p:cxnSp>
+        <p:nvCxnSpPr>
+          <p:cNvPr id="39" name="Straight Arrow Connector 38">
+            <a:extLst>
+              <a:ext uri="{FF2B5EF4-FFF2-40B4-BE49-F238E27FC236}">
+                <a16:creationId xmlns:a16="http://schemas.microsoft.com/office/drawing/2014/main" id="{577192CD-FF62-4B98-ADD0-6841BFE582A1}"/>
+              </a:ext>
+            </a:extLst>
+          </p:cNvPr>
+          <p:cNvCxnSpPr>
+            <a:stCxn id="7" idx="4"/>
+            <a:endCxn id="12" idx="0"/>
+          </p:cNvCxnSpPr>
+          <p:nvPr/>
+        </p:nvCxnSpPr>
+        <p:spPr>
+          <a:xfrm>
+            <a:off x="7056783" y="3452537"/>
+            <a:ext cx="1040295" cy="164456"/>
+          </a:xfrm>
+          <a:prstGeom prst="straightConnector1">
+            <a:avLst/>
+          </a:prstGeom>
+          <a:ln>
+            <a:tailEnd type="triangle"/>
+          </a:ln>
+        </p:spPr>
+        <p:style>
+          <a:lnRef idx="1">
+            <a:schemeClr val="accent1"/>
+          </a:lnRef>
+          <a:fillRef idx="0">
+            <a:schemeClr val="accent1"/>
+          </a:fillRef>
+          <a:effectRef idx="0">
+            <a:schemeClr val="accent1"/>
+          </a:effectRef>
+          <a:fontRef idx="minor">
+            <a:schemeClr val="tx1"/>
+          </a:fontRef>
+        </p:style>
+      </p:cxnSp>
+      <p:cxnSp>
+        <p:nvCxnSpPr>
+          <p:cNvPr id="41" name="Straight Arrow Connector 40">
+            <a:extLst>
+              <a:ext uri="{FF2B5EF4-FFF2-40B4-BE49-F238E27FC236}">
+                <a16:creationId xmlns:a16="http://schemas.microsoft.com/office/drawing/2014/main" id="{0D872F57-8DC7-4F2B-A494-016165E67C7D}"/>
+              </a:ext>
+            </a:extLst>
+          </p:cNvPr>
+          <p:cNvCxnSpPr>
+            <a:stCxn id="6" idx="2"/>
+            <a:endCxn id="14" idx="7"/>
+          </p:cNvCxnSpPr>
+          <p:nvPr/>
+        </p:nvCxnSpPr>
+        <p:spPr>
+          <a:xfrm flipH="1">
+            <a:off x="5297138" y="2533444"/>
+            <a:ext cx="1434964" cy="477947"/>
+          </a:xfrm>
+          <a:prstGeom prst="straightConnector1">
+            <a:avLst/>
+          </a:prstGeom>
+          <a:ln>
+            <a:tailEnd type="triangle"/>
+          </a:ln>
+        </p:spPr>
+        <p:style>
+          <a:lnRef idx="1">
+            <a:schemeClr val="accent1"/>
+          </a:lnRef>
+          <a:fillRef idx="0">
+            <a:schemeClr val="accent1"/>
+          </a:fillRef>
+          <a:effectRef idx="0">
+            <a:schemeClr val="accent1"/>
+          </a:effectRef>
+          <a:fontRef idx="minor">
+            <a:schemeClr val="tx1"/>
+          </a:fontRef>
+        </p:style>
+      </p:cxnSp>
+      <p:cxnSp>
+        <p:nvCxnSpPr>
+          <p:cNvPr id="43" name="Straight Arrow Connector 42">
+            <a:extLst>
+              <a:ext uri="{FF2B5EF4-FFF2-40B4-BE49-F238E27FC236}">
+                <a16:creationId xmlns:a16="http://schemas.microsoft.com/office/drawing/2014/main" id="{B4E238A8-AF4F-4713-A8A9-C53F8F2E3DEB}"/>
+              </a:ext>
+            </a:extLst>
+          </p:cNvPr>
+          <p:cNvCxnSpPr>
+            <a:stCxn id="6" idx="6"/>
+            <a:endCxn id="13" idx="1"/>
+          </p:cNvCxnSpPr>
+          <p:nvPr/>
+        </p:nvCxnSpPr>
+        <p:spPr>
+          <a:xfrm>
+            <a:off x="7368207" y="2533444"/>
+            <a:ext cx="1918643" cy="477947"/>
+          </a:xfrm>
+          <a:prstGeom prst="straightConnector1">
+            <a:avLst/>
+          </a:prstGeom>
+          <a:ln>
+            <a:tailEnd type="triangle"/>
+          </a:ln>
+        </p:spPr>
+        <p:style>
+          <a:lnRef idx="1">
+            <a:schemeClr val="accent1"/>
+          </a:lnRef>
+          <a:fillRef idx="0">
+            <a:schemeClr val="accent1"/>
+          </a:fillRef>
+          <a:effectRef idx="0">
+            <a:schemeClr val="accent1"/>
+          </a:effectRef>
+          <a:fontRef idx="minor">
+            <a:schemeClr val="tx1"/>
+          </a:fontRef>
+        </p:style>
+      </p:cxnSp>
+      <p:cxnSp>
+        <p:nvCxnSpPr>
+          <p:cNvPr id="45" name="Straight Arrow Connector 44">
+            <a:extLst>
+              <a:ext uri="{FF2B5EF4-FFF2-40B4-BE49-F238E27FC236}">
+                <a16:creationId xmlns:a16="http://schemas.microsoft.com/office/drawing/2014/main" id="{17A7F2DC-5EF4-4675-B5B8-E7278EE434B5}"/>
+              </a:ext>
+            </a:extLst>
+          </p:cNvPr>
+          <p:cNvCxnSpPr>
+            <a:stCxn id="8" idx="3"/>
+            <a:endCxn id="15" idx="0"/>
+          </p:cNvCxnSpPr>
+          <p:nvPr/>
+        </p:nvCxnSpPr>
+        <p:spPr>
+          <a:xfrm flipH="1">
+            <a:off x="6086060" y="4058139"/>
+            <a:ext cx="745825" cy="229287"/>
+          </a:xfrm>
+          <a:prstGeom prst="straightConnector1">
+            <a:avLst/>
+          </a:prstGeom>
+          <a:ln>
+            <a:tailEnd type="triangle"/>
+          </a:ln>
+        </p:spPr>
+        <p:style>
+          <a:lnRef idx="1">
+            <a:schemeClr val="accent2"/>
+          </a:lnRef>
+          <a:fillRef idx="0">
+            <a:schemeClr val="accent2"/>
+          </a:fillRef>
+          <a:effectRef idx="0">
+            <a:schemeClr val="accent2"/>
+          </a:effectRef>
+          <a:fontRef idx="minor">
+            <a:schemeClr val="tx1"/>
+          </a:fontRef>
+        </p:style>
+      </p:cxnSp>
+      <p:cxnSp>
+        <p:nvCxnSpPr>
+          <p:cNvPr id="47" name="Straight Arrow Connector 46">
+            <a:extLst>
+              <a:ext uri="{FF2B5EF4-FFF2-40B4-BE49-F238E27FC236}">
+                <a16:creationId xmlns:a16="http://schemas.microsoft.com/office/drawing/2014/main" id="{F43FA657-F453-4DE0-BD1C-F66EC5CCFEDC}"/>
+              </a:ext>
+            </a:extLst>
+          </p:cNvPr>
+          <p:cNvCxnSpPr>
+            <a:stCxn id="9" idx="4"/>
+            <a:endCxn id="15" idx="0"/>
+          </p:cNvCxnSpPr>
+          <p:nvPr/>
+        </p:nvCxnSpPr>
+        <p:spPr>
+          <a:xfrm flipH="1">
+            <a:off x="6086060" y="4133828"/>
+            <a:ext cx="9940" cy="153598"/>
+          </a:xfrm>
+          <a:prstGeom prst="straightConnector1">
+            <a:avLst/>
+          </a:prstGeom>
+          <a:ln>
+            <a:tailEnd type="triangle"/>
+          </a:ln>
+        </p:spPr>
+        <p:style>
+          <a:lnRef idx="1">
+            <a:schemeClr val="accent1"/>
+          </a:lnRef>
+          <a:fillRef idx="0">
+            <a:schemeClr val="accent1"/>
+          </a:fillRef>
+          <a:effectRef idx="0">
+            <a:schemeClr val="accent1"/>
+          </a:effectRef>
+          <a:fontRef idx="minor">
+            <a:schemeClr val="tx1"/>
+          </a:fontRef>
+        </p:style>
+      </p:cxnSp>
+      <p:cxnSp>
+        <p:nvCxnSpPr>
+          <p:cNvPr id="49" name="Straight Arrow Connector 48">
+            <a:extLst>
+              <a:ext uri="{FF2B5EF4-FFF2-40B4-BE49-F238E27FC236}">
+                <a16:creationId xmlns:a16="http://schemas.microsoft.com/office/drawing/2014/main" id="{0F6BFDEA-7B3D-4CC4-8983-E283A803BA6D}"/>
+              </a:ext>
+            </a:extLst>
+          </p:cNvPr>
+          <p:cNvCxnSpPr>
+            <a:stCxn id="15" idx="4"/>
+            <a:endCxn id="16" idx="0"/>
+          </p:cNvCxnSpPr>
+          <p:nvPr/>
+        </p:nvCxnSpPr>
+        <p:spPr>
+          <a:xfrm>
+            <a:off x="6086060" y="4804261"/>
+            <a:ext cx="0" cy="129210"/>
+          </a:xfrm>
+          <a:prstGeom prst="straightConnector1">
+            <a:avLst/>
+          </a:prstGeom>
+          <a:ln>
+            <a:tailEnd type="triangle"/>
+          </a:ln>
+        </p:spPr>
+        <p:style>
+          <a:lnRef idx="1">
+            <a:schemeClr val="accent1"/>
+          </a:lnRef>
+          <a:fillRef idx="0">
+            <a:schemeClr val="accent1"/>
+          </a:fillRef>
+          <a:effectRef idx="0">
+            <a:schemeClr val="accent1"/>
+          </a:effectRef>
+          <a:fontRef idx="minor">
+            <a:schemeClr val="tx1"/>
+          </a:fontRef>
+        </p:style>
+      </p:cxnSp>
+      <p:cxnSp>
+        <p:nvCxnSpPr>
+          <p:cNvPr id="51" name="Straight Arrow Connector 50">
+            <a:extLst>
+              <a:ext uri="{FF2B5EF4-FFF2-40B4-BE49-F238E27FC236}">
+                <a16:creationId xmlns:a16="http://schemas.microsoft.com/office/drawing/2014/main" id="{05F88473-2A83-447C-9D3B-8C9AC3A223EE}"/>
+              </a:ext>
+            </a:extLst>
+          </p:cNvPr>
+          <p:cNvCxnSpPr>
+            <a:stCxn id="15" idx="4"/>
+            <a:endCxn id="17" idx="0"/>
+          </p:cNvCxnSpPr>
+          <p:nvPr/>
+        </p:nvCxnSpPr>
+        <p:spPr>
+          <a:xfrm flipH="1">
+            <a:off x="5072240" y="4804261"/>
+            <a:ext cx="1013820" cy="129210"/>
+          </a:xfrm>
+          <a:prstGeom prst="straightConnector1">
+            <a:avLst/>
+          </a:prstGeom>
+          <a:ln>
+            <a:tailEnd type="triangle"/>
+          </a:ln>
+        </p:spPr>
+        <p:style>
+          <a:lnRef idx="1">
+            <a:schemeClr val="accent1"/>
+          </a:lnRef>
+          <a:fillRef idx="0">
+            <a:schemeClr val="accent1"/>
+          </a:fillRef>
+          <a:effectRef idx="0">
+            <a:schemeClr val="accent1"/>
+          </a:effectRef>
+          <a:fontRef idx="minor">
+            <a:schemeClr val="tx1"/>
+          </a:fontRef>
+        </p:style>
+      </p:cxnSp>
+      <p:cxnSp>
+        <p:nvCxnSpPr>
+          <p:cNvPr id="53" name="Straight Arrow Connector 52">
+            <a:extLst>
+              <a:ext uri="{FF2B5EF4-FFF2-40B4-BE49-F238E27FC236}">
+                <a16:creationId xmlns:a16="http://schemas.microsoft.com/office/drawing/2014/main" id="{14AE37DB-0FE2-4165-A0CB-9C8F0128270D}"/>
+              </a:ext>
+            </a:extLst>
+          </p:cNvPr>
+          <p:cNvCxnSpPr>
+            <a:stCxn id="15" idx="4"/>
+            <a:endCxn id="18" idx="0"/>
+          </p:cNvCxnSpPr>
+          <p:nvPr/>
+        </p:nvCxnSpPr>
+        <p:spPr>
+          <a:xfrm>
+            <a:off x="6086060" y="4804261"/>
+            <a:ext cx="964097" cy="129210"/>
+          </a:xfrm>
+          <a:prstGeom prst="straightConnector1">
+            <a:avLst/>
+          </a:prstGeom>
+          <a:ln>
+            <a:tailEnd type="triangle"/>
+          </a:ln>
+        </p:spPr>
+        <p:style>
+          <a:lnRef idx="1">
+            <a:schemeClr val="accent1"/>
+          </a:lnRef>
+          <a:fillRef idx="0">
+            <a:schemeClr val="accent1"/>
+          </a:fillRef>
+          <a:effectRef idx="0">
+            <a:schemeClr val="accent1"/>
+          </a:effectRef>
+          <a:fontRef idx="minor">
+            <a:schemeClr val="tx1"/>
+          </a:fontRef>
+        </p:style>
+      </p:cxnSp>
+      <p:cxnSp>
+        <p:nvCxnSpPr>
+          <p:cNvPr id="57" name="Straight Arrow Connector 56">
+            <a:extLst>
+              <a:ext uri="{FF2B5EF4-FFF2-40B4-BE49-F238E27FC236}">
+                <a16:creationId xmlns:a16="http://schemas.microsoft.com/office/drawing/2014/main" id="{C6F6465A-1E3F-4D34-AA7F-298CEC984F3C}"/>
+              </a:ext>
+            </a:extLst>
+          </p:cNvPr>
+          <p:cNvCxnSpPr>
+            <a:stCxn id="17" idx="4"/>
+            <a:endCxn id="19" idx="0"/>
+          </p:cNvCxnSpPr>
+          <p:nvPr/>
+        </p:nvCxnSpPr>
+        <p:spPr>
+          <a:xfrm flipH="1">
+            <a:off x="4605102" y="5450306"/>
+            <a:ext cx="467138" cy="148052"/>
+          </a:xfrm>
+          <a:prstGeom prst="straightConnector1">
+            <a:avLst/>
+          </a:prstGeom>
+          <a:ln>
+            <a:tailEnd type="triangle"/>
+          </a:ln>
+        </p:spPr>
+        <p:style>
+          <a:lnRef idx="1">
+            <a:schemeClr val="accent1"/>
+          </a:lnRef>
+          <a:fillRef idx="0">
+            <a:schemeClr val="accent1"/>
+          </a:fillRef>
+          <a:effectRef idx="0">
+            <a:schemeClr val="accent1"/>
+          </a:effectRef>
+          <a:fontRef idx="minor">
+            <a:schemeClr val="tx1"/>
+          </a:fontRef>
+        </p:style>
+      </p:cxnSp>
+      <p:cxnSp>
+        <p:nvCxnSpPr>
+          <p:cNvPr id="59" name="Straight Arrow Connector 58">
+            <a:extLst>
+              <a:ext uri="{FF2B5EF4-FFF2-40B4-BE49-F238E27FC236}">
+                <a16:creationId xmlns:a16="http://schemas.microsoft.com/office/drawing/2014/main" id="{C25C2A13-CF55-40BB-8713-CC69A0F7779D}"/>
+              </a:ext>
+            </a:extLst>
+          </p:cNvPr>
+          <p:cNvCxnSpPr>
+            <a:stCxn id="18" idx="4"/>
+            <a:endCxn id="20" idx="0"/>
+          </p:cNvCxnSpPr>
+          <p:nvPr/>
+        </p:nvCxnSpPr>
+        <p:spPr>
+          <a:xfrm>
+            <a:off x="7050157" y="5450306"/>
+            <a:ext cx="258413" cy="148052"/>
+          </a:xfrm>
+          <a:prstGeom prst="straightConnector1">
+            <a:avLst/>
+          </a:prstGeom>
+          <a:ln>
+            <a:tailEnd type="triangle"/>
+          </a:ln>
+        </p:spPr>
+        <p:style>
+          <a:lnRef idx="1">
+            <a:schemeClr val="accent1"/>
+          </a:lnRef>
+          <a:fillRef idx="0">
+            <a:schemeClr val="accent1"/>
+          </a:fillRef>
+          <a:effectRef idx="0">
+            <a:schemeClr val="accent1"/>
+          </a:effectRef>
+          <a:fontRef idx="minor">
+            <a:schemeClr val="tx1"/>
+          </a:fontRef>
+        </p:style>
+      </p:cxnSp>
+      <p:cxnSp>
+        <p:nvCxnSpPr>
+          <p:cNvPr id="61" name="Straight Arrow Connector 60">
+            <a:extLst>
+              <a:ext uri="{FF2B5EF4-FFF2-40B4-BE49-F238E27FC236}">
+                <a16:creationId xmlns:a16="http://schemas.microsoft.com/office/drawing/2014/main" id="{ACE271F4-58A4-47D9-B54B-D75F1FFAD7EF}"/>
+              </a:ext>
+            </a:extLst>
+          </p:cNvPr>
+          <p:cNvCxnSpPr>
+            <a:stCxn id="16" idx="4"/>
+            <a:endCxn id="21" idx="0"/>
+          </p:cNvCxnSpPr>
+          <p:nvPr/>
+        </p:nvCxnSpPr>
+        <p:spPr>
+          <a:xfrm flipH="1">
+            <a:off x="5579164" y="5450306"/>
+            <a:ext cx="506896" cy="148052"/>
+          </a:xfrm>
+          <a:prstGeom prst="straightConnector1">
+            <a:avLst/>
+          </a:prstGeom>
+          <a:ln>
+            <a:tailEnd type="triangle"/>
+          </a:ln>
+        </p:spPr>
+        <p:style>
+          <a:lnRef idx="1">
+            <a:schemeClr val="accent1"/>
+          </a:lnRef>
+          <a:fillRef idx="0">
+            <a:schemeClr val="accent1"/>
+          </a:fillRef>
+          <a:effectRef idx="0">
+            <a:schemeClr val="accent1"/>
+          </a:effectRef>
+          <a:fontRef idx="minor">
+            <a:schemeClr val="tx1"/>
+          </a:fontRef>
+        </p:style>
+      </p:cxnSp>
+      <p:cxnSp>
+        <p:nvCxnSpPr>
+          <p:cNvPr id="63" name="Straight Arrow Connector 62">
+            <a:extLst>
+              <a:ext uri="{FF2B5EF4-FFF2-40B4-BE49-F238E27FC236}">
+                <a16:creationId xmlns:a16="http://schemas.microsoft.com/office/drawing/2014/main" id="{333D5075-25E3-4325-87DE-F55E8B36732C}"/>
+              </a:ext>
+            </a:extLst>
+          </p:cNvPr>
+          <p:cNvCxnSpPr>
+            <a:stCxn id="16" idx="4"/>
+            <a:endCxn id="22" idx="0"/>
+          </p:cNvCxnSpPr>
+          <p:nvPr/>
+        </p:nvCxnSpPr>
+        <p:spPr>
+          <a:xfrm>
+            <a:off x="6086060" y="5450306"/>
+            <a:ext cx="308111" cy="157987"/>
+          </a:xfrm>
+          <a:prstGeom prst="straightConnector1">
+            <a:avLst/>
+          </a:prstGeom>
+          <a:ln>
+            <a:tailEnd type="triangle"/>
+          </a:ln>
+        </p:spPr>
+        <p:style>
+          <a:lnRef idx="1">
+            <a:schemeClr val="accent1"/>
+          </a:lnRef>
+          <a:fillRef idx="0">
+            <a:schemeClr val="accent1"/>
+          </a:fillRef>
+          <a:effectRef idx="0">
+            <a:schemeClr val="accent1"/>
+          </a:effectRef>
+          <a:fontRef idx="minor">
+            <a:schemeClr val="tx1"/>
+          </a:fontRef>
+        </p:style>
+      </p:cxnSp>
+      <p:cxnSp>
+        <p:nvCxnSpPr>
+          <p:cNvPr id="65" name="Straight Arrow Connector 64">
+            <a:extLst>
+              <a:ext uri="{FF2B5EF4-FFF2-40B4-BE49-F238E27FC236}">
+                <a16:creationId xmlns:a16="http://schemas.microsoft.com/office/drawing/2014/main" id="{AB417AFD-0CF7-4B94-BD1A-FFEF47D07EA7}"/>
+              </a:ext>
+            </a:extLst>
+          </p:cNvPr>
+          <p:cNvCxnSpPr>
+            <a:stCxn id="12" idx="4"/>
+            <a:endCxn id="23" idx="0"/>
+          </p:cNvCxnSpPr>
+          <p:nvPr/>
+        </p:nvCxnSpPr>
+        <p:spPr>
+          <a:xfrm>
+            <a:off x="8097078" y="4133828"/>
+            <a:ext cx="0" cy="153598"/>
+          </a:xfrm>
+          <a:prstGeom prst="straightConnector1">
+            <a:avLst/>
+          </a:prstGeom>
+          <a:ln>
+            <a:tailEnd type="triangle"/>
+          </a:ln>
+        </p:spPr>
+        <p:style>
+          <a:lnRef idx="1">
+            <a:schemeClr val="accent1"/>
+          </a:lnRef>
+          <a:fillRef idx="0">
+            <a:schemeClr val="accent1"/>
+          </a:fillRef>
+          <a:effectRef idx="0">
+            <a:schemeClr val="accent1"/>
+          </a:effectRef>
+          <a:fontRef idx="minor">
+            <a:schemeClr val="tx1"/>
+          </a:fontRef>
+        </p:style>
+      </p:cxnSp>
+      <p:cxnSp>
+        <p:nvCxnSpPr>
+          <p:cNvPr id="67" name="Straight Arrow Connector 66">
+            <a:extLst>
+              <a:ext uri="{FF2B5EF4-FFF2-40B4-BE49-F238E27FC236}">
+                <a16:creationId xmlns:a16="http://schemas.microsoft.com/office/drawing/2014/main" id="{38B2C7D5-2EA8-4ACA-8EDB-2D98D9BD769F}"/>
+              </a:ext>
+            </a:extLst>
+          </p:cNvPr>
+          <p:cNvCxnSpPr>
+            <a:stCxn id="13" idx="4"/>
+            <a:endCxn id="24" idx="0"/>
+          </p:cNvCxnSpPr>
+          <p:nvPr/>
+        </p:nvCxnSpPr>
+        <p:spPr>
+          <a:xfrm>
+            <a:off x="9511748" y="3452537"/>
+            <a:ext cx="0" cy="164455"/>
+          </a:xfrm>
+          <a:prstGeom prst="straightConnector1">
+            <a:avLst/>
+          </a:prstGeom>
+          <a:ln>
+            <a:tailEnd type="triangle"/>
+          </a:ln>
+        </p:spPr>
+        <p:style>
+          <a:lnRef idx="1">
+            <a:schemeClr val="accent1"/>
+          </a:lnRef>
+          <a:fillRef idx="0">
+            <a:schemeClr val="accent1"/>
+          </a:fillRef>
+          <a:effectRef idx="0">
+            <a:schemeClr val="accent1"/>
+          </a:effectRef>
+          <a:fontRef idx="minor">
+            <a:schemeClr val="tx1"/>
+          </a:fontRef>
+        </p:style>
+      </p:cxnSp>
+      <p:cxnSp>
+        <p:nvCxnSpPr>
+          <p:cNvPr id="69" name="Straight Arrow Connector 68">
+            <a:extLst>
+              <a:ext uri="{FF2B5EF4-FFF2-40B4-BE49-F238E27FC236}">
+                <a16:creationId xmlns:a16="http://schemas.microsoft.com/office/drawing/2014/main" id="{4265AA79-0AC1-4B0C-B720-A350DAB05908}"/>
+              </a:ext>
+            </a:extLst>
+          </p:cNvPr>
+          <p:cNvCxnSpPr>
+            <a:stCxn id="13" idx="4"/>
+            <a:endCxn id="25" idx="0"/>
+          </p:cNvCxnSpPr>
+          <p:nvPr/>
+        </p:nvCxnSpPr>
+        <p:spPr>
+          <a:xfrm>
+            <a:off x="9511748" y="3452537"/>
+            <a:ext cx="960783" cy="164455"/>
+          </a:xfrm>
+          <a:prstGeom prst="straightConnector1">
+            <a:avLst/>
+          </a:prstGeom>
+          <a:ln>
+            <a:tailEnd type="triangle"/>
+          </a:ln>
+        </p:spPr>
+        <p:style>
+          <a:lnRef idx="1">
+            <a:schemeClr val="accent1"/>
+          </a:lnRef>
+          <a:fillRef idx="0">
+            <a:schemeClr val="accent1"/>
+          </a:fillRef>
+          <a:effectRef idx="0">
+            <a:schemeClr val="accent1"/>
+          </a:effectRef>
+          <a:fontRef idx="minor">
+            <a:schemeClr val="tx1"/>
+          </a:fontRef>
+        </p:style>
+      </p:cxnSp>
+      <p:cxnSp>
+        <p:nvCxnSpPr>
+          <p:cNvPr id="71" name="Straight Arrow Connector 70">
+            <a:extLst>
+              <a:ext uri="{FF2B5EF4-FFF2-40B4-BE49-F238E27FC236}">
+                <a16:creationId xmlns:a16="http://schemas.microsoft.com/office/drawing/2014/main" id="{34BE09BF-F270-448C-8DE1-6DC1C7AE6325}"/>
+              </a:ext>
+            </a:extLst>
+          </p:cNvPr>
+          <p:cNvCxnSpPr>
+            <a:stCxn id="24" idx="4"/>
+            <a:endCxn id="26" idx="0"/>
+          </p:cNvCxnSpPr>
+          <p:nvPr/>
+        </p:nvCxnSpPr>
+        <p:spPr>
+          <a:xfrm>
+            <a:off x="9511748" y="4133827"/>
+            <a:ext cx="0" cy="152748"/>
+          </a:xfrm>
+          <a:prstGeom prst="straightConnector1">
+            <a:avLst/>
+          </a:prstGeom>
+          <a:ln>
+            <a:tailEnd type="triangle"/>
+          </a:ln>
+        </p:spPr>
+        <p:style>
+          <a:lnRef idx="1">
+            <a:schemeClr val="accent1"/>
+          </a:lnRef>
+          <a:fillRef idx="0">
+            <a:schemeClr val="accent1"/>
+          </a:fillRef>
+          <a:effectRef idx="0">
+            <a:schemeClr val="accent1"/>
+          </a:effectRef>
+          <a:fontRef idx="minor">
+            <a:schemeClr val="tx1"/>
+          </a:fontRef>
+        </p:style>
+      </p:cxnSp>
+      <p:cxnSp>
+        <p:nvCxnSpPr>
+          <p:cNvPr id="73" name="Straight Arrow Connector 72">
+            <a:extLst>
+              <a:ext uri="{FF2B5EF4-FFF2-40B4-BE49-F238E27FC236}">
+                <a16:creationId xmlns:a16="http://schemas.microsoft.com/office/drawing/2014/main" id="{26199AC8-BD2D-438B-840D-E96775493D23}"/>
+              </a:ext>
+            </a:extLst>
+          </p:cNvPr>
+          <p:cNvCxnSpPr>
+            <a:stCxn id="26" idx="4"/>
+            <a:endCxn id="27" idx="0"/>
+          </p:cNvCxnSpPr>
+          <p:nvPr/>
+        </p:nvCxnSpPr>
+        <p:spPr>
+          <a:xfrm flipH="1">
+            <a:off x="9014789" y="4803410"/>
+            <a:ext cx="496959" cy="130060"/>
+          </a:xfrm>
+          <a:prstGeom prst="straightConnector1">
+            <a:avLst/>
+          </a:prstGeom>
+          <a:ln>
+            <a:tailEnd type="triangle"/>
+          </a:ln>
+        </p:spPr>
+        <p:style>
+          <a:lnRef idx="1">
+            <a:schemeClr val="accent1"/>
+          </a:lnRef>
+          <a:fillRef idx="0">
+            <a:schemeClr val="accent1"/>
+          </a:fillRef>
+          <a:effectRef idx="0">
+            <a:schemeClr val="accent1"/>
+          </a:effectRef>
+          <a:fontRef idx="minor">
+            <a:schemeClr val="tx1"/>
+          </a:fontRef>
+        </p:style>
+      </p:cxnSp>
+      <p:cxnSp>
+        <p:nvCxnSpPr>
+          <p:cNvPr id="75" name="Straight Arrow Connector 74">
+            <a:extLst>
+              <a:ext uri="{FF2B5EF4-FFF2-40B4-BE49-F238E27FC236}">
+                <a16:creationId xmlns:a16="http://schemas.microsoft.com/office/drawing/2014/main" id="{BADCD2D2-2CB4-4CBF-86D3-ACC381B299D3}"/>
+              </a:ext>
+            </a:extLst>
+          </p:cNvPr>
+          <p:cNvCxnSpPr>
+            <a:stCxn id="26" idx="4"/>
+            <a:endCxn id="28" idx="0"/>
+          </p:cNvCxnSpPr>
+          <p:nvPr/>
+        </p:nvCxnSpPr>
+        <p:spPr>
+          <a:xfrm>
+            <a:off x="9511748" y="4803410"/>
+            <a:ext cx="523459" cy="130060"/>
+          </a:xfrm>
+          <a:prstGeom prst="straightConnector1">
+            <a:avLst/>
+          </a:prstGeom>
+          <a:ln>
+            <a:tailEnd type="triangle"/>
+          </a:ln>
+        </p:spPr>
+        <p:style>
+          <a:lnRef idx="1">
+            <a:schemeClr val="accent1"/>
+          </a:lnRef>
+          <a:fillRef idx="0">
+            <a:schemeClr val="accent1"/>
+          </a:fillRef>
+          <a:effectRef idx="0">
+            <a:schemeClr val="accent1"/>
+          </a:effectRef>
+          <a:fontRef idx="minor">
+            <a:schemeClr val="tx1"/>
+          </a:fontRef>
+        </p:style>
+      </p:cxnSp>
+      <p:cxnSp>
+        <p:nvCxnSpPr>
+          <p:cNvPr id="77" name="Straight Arrow Connector 76">
+            <a:extLst>
+              <a:ext uri="{FF2B5EF4-FFF2-40B4-BE49-F238E27FC236}">
+                <a16:creationId xmlns:a16="http://schemas.microsoft.com/office/drawing/2014/main" id="{AADFD101-BE28-4A0E-83F6-5E295709A7FF}"/>
+              </a:ext>
+            </a:extLst>
+          </p:cNvPr>
+          <p:cNvCxnSpPr>
+            <a:stCxn id="25" idx="4"/>
+            <a:endCxn id="26" idx="0"/>
+          </p:cNvCxnSpPr>
+          <p:nvPr/>
+        </p:nvCxnSpPr>
+        <p:spPr>
+          <a:xfrm flipH="1">
+            <a:off x="9511748" y="4133827"/>
+            <a:ext cx="960783" cy="152748"/>
+          </a:xfrm>
+          <a:prstGeom prst="straightConnector1">
+            <a:avLst/>
+          </a:prstGeom>
+          <a:ln>
+            <a:tailEnd type="triangle"/>
+          </a:ln>
+        </p:spPr>
+        <p:style>
+          <a:lnRef idx="1">
+            <a:schemeClr val="accent2"/>
+          </a:lnRef>
+          <a:fillRef idx="0">
+            <a:schemeClr val="accent2"/>
+          </a:fillRef>
+          <a:effectRef idx="0">
+            <a:schemeClr val="accent2"/>
+          </a:effectRef>
+          <a:fontRef idx="minor">
+            <a:schemeClr val="tx1"/>
+          </a:fontRef>
+        </p:style>
+      </p:cxnSp>
+    </p:spTree>
+    <p:extLst>
+      <p:ext uri="{BB962C8B-B14F-4D97-AF65-F5344CB8AC3E}">
+        <p14:creationId xmlns:p14="http://schemas.microsoft.com/office/powerpoint/2010/main" val="1218815101"/>
+      </p:ext>
+    </p:extLst>
+  </p:cSld>
+  <p:clrMapOvr>
+    <a:masterClrMapping/>
+  </p:clrMapOvr>
+  <p:timing>
+    <p:tnLst>
+      <p:par>
+        <p:cTn id="1" dur="indefinite" restart="never" nodeType="tmRoot">
+          <p:childTnLst>
+            <p:seq concurrent="1" nextAc="seek">
+              <p:cTn id="2" dur="indefinite" nodeType="mainSeq">
+                <p:childTnLst>
+                  <p:par>
+                    <p:cTn id="3" fill="hold">
+                      <p:stCondLst>
+                        <p:cond delay="indefinite"/>
+                      </p:stCondLst>
+                      <p:childTnLst>
+                        <p:par>
+                          <p:cTn id="4" fill="hold">
+                            <p:stCondLst>
+                              <p:cond delay="0"/>
+                            </p:stCondLst>
+                            <p:childTnLst>
+                              <p:par>
+                                <p:cTn id="5" presetID="22" presetClass="entr" presetSubtype="1" fill="hold" grpId="0" nodeType="clickEffect">
+                                  <p:stCondLst>
+                                    <p:cond delay="0"/>
+                                  </p:stCondLst>
+                                  <p:childTnLst>
+                                    <p:set>
+                                      <p:cBhvr>
+                                        <p:cTn id="6" dur="1" fill="hold">
+                                          <p:stCondLst>
+                                            <p:cond delay="0"/>
+                                          </p:stCondLst>
+                                        </p:cTn>
+                                        <p:tgtEl>
+                                          <p:spTgt spid="5"/>
+                                        </p:tgtEl>
+                                        <p:attrNameLst>
+                                          <p:attrName>style.visibility</p:attrName>
+                                        </p:attrNameLst>
+                                      </p:cBhvr>
+                                      <p:to>
+                                        <p:strVal val="visible"/>
+                                      </p:to>
+                                    </p:set>
+                                    <p:animEffect transition="in" filter="wipe(up)">
+                                      <p:cBhvr>
+                                        <p:cTn id="7" dur="500"/>
+                                        <p:tgtEl>
+                                          <p:spTgt spid="5"/>
+                                        </p:tgtEl>
+                                      </p:cBhvr>
+                                    </p:animEffect>
+                                  </p:childTnLst>
+                                </p:cTn>
+                              </p:par>
+                            </p:childTnLst>
+                          </p:cTn>
+                        </p:par>
+                      </p:childTnLst>
+                    </p:cTn>
+                  </p:par>
+                  <p:par>
+                    <p:cTn id="8" fill="hold">
+                      <p:stCondLst>
+                        <p:cond delay="indefinite"/>
+                      </p:stCondLst>
+                      <p:childTnLst>
+                        <p:par>
+                          <p:cTn id="9" fill="hold">
+                            <p:stCondLst>
+                              <p:cond delay="0"/>
+                            </p:stCondLst>
+                            <p:childTnLst>
+                              <p:par>
+                                <p:cTn id="10" presetID="22" presetClass="entr" presetSubtype="1" fill="hold" nodeType="clickEffect">
+                                  <p:stCondLst>
+                                    <p:cond delay="0"/>
+                                  </p:stCondLst>
+                                  <p:childTnLst>
+                                    <p:set>
+                                      <p:cBhvr>
+                                        <p:cTn id="11" dur="1" fill="hold">
+                                          <p:stCondLst>
+                                            <p:cond delay="0"/>
+                                          </p:stCondLst>
+                                        </p:cTn>
+                                        <p:tgtEl>
+                                          <p:spTgt spid="30"/>
+                                        </p:tgtEl>
+                                        <p:attrNameLst>
+                                          <p:attrName>style.visibility</p:attrName>
+                                        </p:attrNameLst>
+                                      </p:cBhvr>
+                                      <p:to>
+                                        <p:strVal val="visible"/>
+                                      </p:to>
+                                    </p:set>
+                                    <p:animEffect transition="in" filter="wipe(up)">
+                                      <p:cBhvr>
+                                        <p:cTn id="12" dur="500"/>
+                                        <p:tgtEl>
+                                          <p:spTgt spid="30"/>
+                                        </p:tgtEl>
+                                      </p:cBhvr>
+                                    </p:animEffect>
+                                  </p:childTnLst>
+                                </p:cTn>
+                              </p:par>
+                            </p:childTnLst>
+                          </p:cTn>
+                        </p:par>
+                        <p:par>
+                          <p:cTn id="13" fill="hold">
+                            <p:stCondLst>
+                              <p:cond delay="500"/>
+                            </p:stCondLst>
+                            <p:childTnLst>
+                              <p:par>
+                                <p:cTn id="14" presetID="22" presetClass="entr" presetSubtype="1" fill="hold" grpId="0" nodeType="afterEffect">
+                                  <p:stCondLst>
+                                    <p:cond delay="0"/>
+                                  </p:stCondLst>
+                                  <p:childTnLst>
+                                    <p:set>
+                                      <p:cBhvr>
+                                        <p:cTn id="15" dur="1" fill="hold">
+                                          <p:stCondLst>
+                                            <p:cond delay="0"/>
+                                          </p:stCondLst>
+                                        </p:cTn>
+                                        <p:tgtEl>
+                                          <p:spTgt spid="6"/>
+                                        </p:tgtEl>
+                                        <p:attrNameLst>
+                                          <p:attrName>style.visibility</p:attrName>
+                                        </p:attrNameLst>
+                                      </p:cBhvr>
+                                      <p:to>
+                                        <p:strVal val="visible"/>
+                                      </p:to>
+                                    </p:set>
+                                    <p:animEffect transition="in" filter="wipe(up)">
+                                      <p:cBhvr>
+                                        <p:cTn id="16" dur="500"/>
+                                        <p:tgtEl>
+                                          <p:spTgt spid="6"/>
+                                        </p:tgtEl>
+                                      </p:cBhvr>
+                                    </p:animEffect>
+                                  </p:childTnLst>
+                                </p:cTn>
+                              </p:par>
+                            </p:childTnLst>
+                          </p:cTn>
+                        </p:par>
+                      </p:childTnLst>
+                    </p:cTn>
+                  </p:par>
+                  <p:par>
+                    <p:cTn id="17" fill="hold">
+                      <p:stCondLst>
+                        <p:cond delay="indefinite"/>
+                      </p:stCondLst>
+                      <p:childTnLst>
+                        <p:par>
+                          <p:cTn id="18" fill="hold">
+                            <p:stCondLst>
+                              <p:cond delay="0"/>
+                            </p:stCondLst>
+                            <p:childTnLst>
+                              <p:par>
+                                <p:cTn id="19" presetID="22" presetClass="entr" presetSubtype="2" fill="hold" nodeType="clickEffect">
+                                  <p:stCondLst>
+                                    <p:cond delay="0"/>
+                                  </p:stCondLst>
+                                  <p:childTnLst>
+                                    <p:set>
+                                      <p:cBhvr>
+                                        <p:cTn id="20" dur="1" fill="hold">
+                                          <p:stCondLst>
+                                            <p:cond delay="0"/>
+                                          </p:stCondLst>
+                                        </p:cTn>
+                                        <p:tgtEl>
+                                          <p:spTgt spid="41"/>
+                                        </p:tgtEl>
+                                        <p:attrNameLst>
+                                          <p:attrName>style.visibility</p:attrName>
+                                        </p:attrNameLst>
+                                      </p:cBhvr>
+                                      <p:to>
+                                        <p:strVal val="visible"/>
+                                      </p:to>
+                                    </p:set>
+                                    <p:animEffect transition="in" filter="wipe(right)">
+                                      <p:cBhvr>
+                                        <p:cTn id="21" dur="500"/>
+                                        <p:tgtEl>
+                                          <p:spTgt spid="41"/>
+                                        </p:tgtEl>
+                                      </p:cBhvr>
+                                    </p:animEffect>
+                                  </p:childTnLst>
+                                </p:cTn>
+                              </p:par>
+                            </p:childTnLst>
+                          </p:cTn>
+                        </p:par>
+                        <p:par>
+                          <p:cTn id="22" fill="hold">
+                            <p:stCondLst>
+                              <p:cond delay="500"/>
+                            </p:stCondLst>
+                            <p:childTnLst>
+                              <p:par>
+                                <p:cTn id="23" presetID="22" presetClass="entr" presetSubtype="1" fill="hold" grpId="0" nodeType="afterEffect">
+                                  <p:stCondLst>
+                                    <p:cond delay="0"/>
+                                  </p:stCondLst>
+                                  <p:childTnLst>
+                                    <p:set>
+                                      <p:cBhvr>
+                                        <p:cTn id="24" dur="1" fill="hold">
+                                          <p:stCondLst>
+                                            <p:cond delay="0"/>
+                                          </p:stCondLst>
+                                        </p:cTn>
+                                        <p:tgtEl>
+                                          <p:spTgt spid="14"/>
+                                        </p:tgtEl>
+                                        <p:attrNameLst>
+                                          <p:attrName>style.visibility</p:attrName>
+                                        </p:attrNameLst>
+                                      </p:cBhvr>
+                                      <p:to>
+                                        <p:strVal val="visible"/>
+                                      </p:to>
+                                    </p:set>
+                                    <p:animEffect transition="in" filter="wipe(up)">
+                                      <p:cBhvr>
+                                        <p:cTn id="25" dur="500"/>
+                                        <p:tgtEl>
+                                          <p:spTgt spid="14"/>
+                                        </p:tgtEl>
+                                      </p:cBhvr>
+                                    </p:animEffect>
+                                  </p:childTnLst>
+                                </p:cTn>
+                              </p:par>
+                            </p:childTnLst>
+                          </p:cTn>
+                        </p:par>
+                      </p:childTnLst>
+                    </p:cTn>
+                  </p:par>
+                  <p:par>
+                    <p:cTn id="26" fill="hold">
+                      <p:stCondLst>
+                        <p:cond delay="indefinite"/>
+                      </p:stCondLst>
+                      <p:childTnLst>
+                        <p:par>
+                          <p:cTn id="27" fill="hold">
+                            <p:stCondLst>
+                              <p:cond delay="0"/>
+                            </p:stCondLst>
+                            <p:childTnLst>
+                              <p:par>
+                                <p:cTn id="28" presetID="22" presetClass="entr" presetSubtype="8" fill="hold" nodeType="clickEffect">
+                                  <p:stCondLst>
+                                    <p:cond delay="0"/>
+                                  </p:stCondLst>
+                                  <p:childTnLst>
+                                    <p:set>
+                                      <p:cBhvr>
+                                        <p:cTn id="29" dur="1" fill="hold">
+                                          <p:stCondLst>
+                                            <p:cond delay="0"/>
+                                          </p:stCondLst>
+                                        </p:cTn>
+                                        <p:tgtEl>
+                                          <p:spTgt spid="43"/>
+                                        </p:tgtEl>
+                                        <p:attrNameLst>
+                                          <p:attrName>style.visibility</p:attrName>
+                                        </p:attrNameLst>
+                                      </p:cBhvr>
+                                      <p:to>
+                                        <p:strVal val="visible"/>
+                                      </p:to>
+                                    </p:set>
+                                    <p:animEffect transition="in" filter="wipe(left)">
+                                      <p:cBhvr>
+                                        <p:cTn id="30" dur="500"/>
+                                        <p:tgtEl>
+                                          <p:spTgt spid="43"/>
+                                        </p:tgtEl>
+                                      </p:cBhvr>
+                                    </p:animEffect>
+                                  </p:childTnLst>
+                                </p:cTn>
+                              </p:par>
+                            </p:childTnLst>
+                          </p:cTn>
+                        </p:par>
+                        <p:par>
+                          <p:cTn id="31" fill="hold">
+                            <p:stCondLst>
+                              <p:cond delay="500"/>
+                            </p:stCondLst>
+                            <p:childTnLst>
+                              <p:par>
+                                <p:cTn id="32" presetID="22" presetClass="entr" presetSubtype="1" fill="hold" grpId="0" nodeType="afterEffect">
+                                  <p:stCondLst>
+                                    <p:cond delay="0"/>
+                                  </p:stCondLst>
+                                  <p:childTnLst>
+                                    <p:set>
+                                      <p:cBhvr>
+                                        <p:cTn id="33" dur="1" fill="hold">
+                                          <p:stCondLst>
+                                            <p:cond delay="0"/>
+                                          </p:stCondLst>
+                                        </p:cTn>
+                                        <p:tgtEl>
+                                          <p:spTgt spid="13"/>
+                                        </p:tgtEl>
+                                        <p:attrNameLst>
+                                          <p:attrName>style.visibility</p:attrName>
+                                        </p:attrNameLst>
+                                      </p:cBhvr>
+                                      <p:to>
+                                        <p:strVal val="visible"/>
+                                      </p:to>
+                                    </p:set>
+                                    <p:animEffect transition="in" filter="wipe(up)">
+                                      <p:cBhvr>
+                                        <p:cTn id="34" dur="500"/>
+                                        <p:tgtEl>
+                                          <p:spTgt spid="13"/>
+                                        </p:tgtEl>
+                                      </p:cBhvr>
+                                    </p:animEffect>
+                                  </p:childTnLst>
+                                </p:cTn>
+                              </p:par>
+                            </p:childTnLst>
+                          </p:cTn>
+                        </p:par>
+                      </p:childTnLst>
+                    </p:cTn>
+                  </p:par>
+                  <p:par>
+                    <p:cTn id="35" fill="hold">
+                      <p:stCondLst>
+                        <p:cond delay="indefinite"/>
+                      </p:stCondLst>
+                      <p:childTnLst>
+                        <p:par>
+                          <p:cTn id="36" fill="hold">
+                            <p:stCondLst>
+                              <p:cond delay="0"/>
+                            </p:stCondLst>
+                            <p:childTnLst>
+                              <p:par>
+                                <p:cTn id="37" presetID="22" presetClass="entr" presetSubtype="1" fill="hold" nodeType="clickEffect">
+                                  <p:stCondLst>
+                                    <p:cond delay="0"/>
+                                  </p:stCondLst>
+                                  <p:childTnLst>
+                                    <p:set>
+                                      <p:cBhvr>
+                                        <p:cTn id="38" dur="1" fill="hold">
+                                          <p:stCondLst>
+                                            <p:cond delay="0"/>
+                                          </p:stCondLst>
+                                        </p:cTn>
+                                        <p:tgtEl>
+                                          <p:spTgt spid="33"/>
+                                        </p:tgtEl>
+                                        <p:attrNameLst>
+                                          <p:attrName>style.visibility</p:attrName>
+                                        </p:attrNameLst>
+                                      </p:cBhvr>
+                                      <p:to>
+                                        <p:strVal val="visible"/>
+                                      </p:to>
+                                    </p:set>
+                                    <p:animEffect transition="in" filter="wipe(up)">
+                                      <p:cBhvr>
+                                        <p:cTn id="39" dur="500"/>
+                                        <p:tgtEl>
+                                          <p:spTgt spid="33"/>
+                                        </p:tgtEl>
+                                      </p:cBhvr>
+                                    </p:animEffect>
+                                  </p:childTnLst>
+                                </p:cTn>
+                              </p:par>
+                            </p:childTnLst>
+                          </p:cTn>
+                        </p:par>
+                        <p:par>
+                          <p:cTn id="40" fill="hold">
+                            <p:stCondLst>
+                              <p:cond delay="500"/>
+                            </p:stCondLst>
+                            <p:childTnLst>
+                              <p:par>
+                                <p:cTn id="41" presetID="22" presetClass="entr" presetSubtype="1" fill="hold" grpId="0" nodeType="afterEffect">
+                                  <p:stCondLst>
+                                    <p:cond delay="0"/>
+                                  </p:stCondLst>
+                                  <p:childTnLst>
+                                    <p:set>
+                                      <p:cBhvr>
+                                        <p:cTn id="42" dur="1" fill="hold">
+                                          <p:stCondLst>
+                                            <p:cond delay="0"/>
+                                          </p:stCondLst>
+                                        </p:cTn>
+                                        <p:tgtEl>
+                                          <p:spTgt spid="7"/>
+                                        </p:tgtEl>
+                                        <p:attrNameLst>
+                                          <p:attrName>style.visibility</p:attrName>
+                                        </p:attrNameLst>
+                                      </p:cBhvr>
+                                      <p:to>
+                                        <p:strVal val="visible"/>
+                                      </p:to>
+                                    </p:set>
+                                    <p:animEffect transition="in" filter="wipe(up)">
+                                      <p:cBhvr>
+                                        <p:cTn id="43" dur="500"/>
+                                        <p:tgtEl>
+                                          <p:spTgt spid="7"/>
+                                        </p:tgtEl>
+                                      </p:cBhvr>
+                                    </p:animEffect>
+                                  </p:childTnLst>
+                                </p:cTn>
+                              </p:par>
+                            </p:childTnLst>
+                          </p:cTn>
+                        </p:par>
+                      </p:childTnLst>
+                    </p:cTn>
+                  </p:par>
+                  <p:par>
+                    <p:cTn id="44" fill="hold">
+                      <p:stCondLst>
+                        <p:cond delay="indefinite"/>
+                      </p:stCondLst>
+                      <p:childTnLst>
+                        <p:par>
+                          <p:cTn id="45" fill="hold">
+                            <p:stCondLst>
+                              <p:cond delay="0"/>
+                            </p:stCondLst>
+                            <p:childTnLst>
+                              <p:par>
+                                <p:cTn id="46" presetID="22" presetClass="entr" presetSubtype="2" fill="hold" nodeType="clickEffect">
+                                  <p:stCondLst>
+                                    <p:cond delay="0"/>
+                                  </p:stCondLst>
+                                  <p:childTnLst>
+                                    <p:set>
+                                      <p:cBhvr>
+                                        <p:cTn id="47" dur="1" fill="hold">
+                                          <p:stCondLst>
+                                            <p:cond delay="0"/>
+                                          </p:stCondLst>
+                                        </p:cTn>
+                                        <p:tgtEl>
+                                          <p:spTgt spid="37"/>
+                                        </p:tgtEl>
+                                        <p:attrNameLst>
+                                          <p:attrName>style.visibility</p:attrName>
+                                        </p:attrNameLst>
+                                      </p:cBhvr>
+                                      <p:to>
+                                        <p:strVal val="visible"/>
+                                      </p:to>
+                                    </p:set>
+                                    <p:animEffect transition="in" filter="wipe(right)">
+                                      <p:cBhvr>
+                                        <p:cTn id="48" dur="500"/>
+                                        <p:tgtEl>
+                                          <p:spTgt spid="37"/>
+                                        </p:tgtEl>
+                                      </p:cBhvr>
+                                    </p:animEffect>
+                                  </p:childTnLst>
+                                </p:cTn>
+                              </p:par>
+                            </p:childTnLst>
+                          </p:cTn>
+                        </p:par>
+                        <p:par>
+                          <p:cTn id="49" fill="hold">
+                            <p:stCondLst>
+                              <p:cond delay="500"/>
+                            </p:stCondLst>
+                            <p:childTnLst>
+                              <p:par>
+                                <p:cTn id="50" presetID="22" presetClass="entr" presetSubtype="1" fill="hold" grpId="0" nodeType="afterEffect">
+                                  <p:stCondLst>
+                                    <p:cond delay="0"/>
+                                  </p:stCondLst>
+                                  <p:childTnLst>
+                                    <p:set>
+                                      <p:cBhvr>
+                                        <p:cTn id="51" dur="1" fill="hold">
+                                          <p:stCondLst>
+                                            <p:cond delay="0"/>
+                                          </p:stCondLst>
+                                        </p:cTn>
+                                        <p:tgtEl>
+                                          <p:spTgt spid="9"/>
+                                        </p:tgtEl>
+                                        <p:attrNameLst>
+                                          <p:attrName>style.visibility</p:attrName>
+                                        </p:attrNameLst>
+                                      </p:cBhvr>
+                                      <p:to>
+                                        <p:strVal val="visible"/>
+                                      </p:to>
+                                    </p:set>
+                                    <p:animEffect transition="in" filter="wipe(up)">
+                                      <p:cBhvr>
+                                        <p:cTn id="52" dur="500"/>
+                                        <p:tgtEl>
+                                          <p:spTgt spid="9"/>
+                                        </p:tgtEl>
+                                      </p:cBhvr>
+                                    </p:animEffect>
+                                  </p:childTnLst>
+                                </p:cTn>
+                              </p:par>
+                            </p:childTnLst>
+                          </p:cTn>
+                        </p:par>
+                      </p:childTnLst>
+                    </p:cTn>
+                  </p:par>
+                  <p:par>
+                    <p:cTn id="53" fill="hold">
+                      <p:stCondLst>
+                        <p:cond delay="indefinite"/>
+                      </p:stCondLst>
+                      <p:childTnLst>
+                        <p:par>
+                          <p:cTn id="54" fill="hold">
+                            <p:stCondLst>
+                              <p:cond delay="0"/>
+                            </p:stCondLst>
+                            <p:childTnLst>
+                              <p:par>
+                                <p:cTn id="55" presetID="22" presetClass="entr" presetSubtype="1" fill="hold" nodeType="clickEffect">
+                                  <p:stCondLst>
+                                    <p:cond delay="0"/>
+                                  </p:stCondLst>
+                                  <p:childTnLst>
+                                    <p:set>
+                                      <p:cBhvr>
+                                        <p:cTn id="56" dur="1" fill="hold">
+                                          <p:stCondLst>
+                                            <p:cond delay="0"/>
+                                          </p:stCondLst>
+                                        </p:cTn>
+                                        <p:tgtEl>
+                                          <p:spTgt spid="35"/>
+                                        </p:tgtEl>
+                                        <p:attrNameLst>
+                                          <p:attrName>style.visibility</p:attrName>
+                                        </p:attrNameLst>
+                                      </p:cBhvr>
+                                      <p:to>
+                                        <p:strVal val="visible"/>
+                                      </p:to>
+                                    </p:set>
+                                    <p:animEffect transition="in" filter="wipe(up)">
+                                      <p:cBhvr>
+                                        <p:cTn id="57" dur="500"/>
+                                        <p:tgtEl>
+                                          <p:spTgt spid="35"/>
+                                        </p:tgtEl>
+                                      </p:cBhvr>
+                                    </p:animEffect>
+                                  </p:childTnLst>
+                                </p:cTn>
+                              </p:par>
+                            </p:childTnLst>
+                          </p:cTn>
+                        </p:par>
+                        <p:par>
+                          <p:cTn id="58" fill="hold">
+                            <p:stCondLst>
+                              <p:cond delay="500"/>
+                            </p:stCondLst>
+                            <p:childTnLst>
+                              <p:par>
+                                <p:cTn id="59" presetID="22" presetClass="entr" presetSubtype="1" fill="hold" grpId="0" nodeType="afterEffect">
+                                  <p:stCondLst>
+                                    <p:cond delay="0"/>
+                                  </p:stCondLst>
+                                  <p:childTnLst>
+                                    <p:set>
+                                      <p:cBhvr>
+                                        <p:cTn id="60" dur="1" fill="hold">
+                                          <p:stCondLst>
+                                            <p:cond delay="0"/>
+                                          </p:stCondLst>
+                                        </p:cTn>
+                                        <p:tgtEl>
+                                          <p:spTgt spid="8"/>
+                                        </p:tgtEl>
+                                        <p:attrNameLst>
+                                          <p:attrName>style.visibility</p:attrName>
+                                        </p:attrNameLst>
+                                      </p:cBhvr>
+                                      <p:to>
+                                        <p:strVal val="visible"/>
+                                      </p:to>
+                                    </p:set>
+                                    <p:animEffect transition="in" filter="wipe(up)">
+                                      <p:cBhvr>
+                                        <p:cTn id="61" dur="500"/>
+                                        <p:tgtEl>
+                                          <p:spTgt spid="8"/>
+                                        </p:tgtEl>
+                                      </p:cBhvr>
+                                    </p:animEffect>
+                                  </p:childTnLst>
+                                </p:cTn>
+                              </p:par>
+                            </p:childTnLst>
+                          </p:cTn>
+                        </p:par>
+                      </p:childTnLst>
+                    </p:cTn>
+                  </p:par>
+                  <p:par>
+                    <p:cTn id="62" fill="hold">
+                      <p:stCondLst>
+                        <p:cond delay="indefinite"/>
+                      </p:stCondLst>
+                      <p:childTnLst>
+                        <p:par>
+                          <p:cTn id="63" fill="hold">
+                            <p:stCondLst>
+                              <p:cond delay="0"/>
+                            </p:stCondLst>
+                            <p:childTnLst>
+                              <p:par>
+                                <p:cTn id="64" presetID="22" presetClass="entr" presetSubtype="8" fill="hold" nodeType="clickEffect">
+                                  <p:stCondLst>
+                                    <p:cond delay="0"/>
+                                  </p:stCondLst>
+                                  <p:childTnLst>
+                                    <p:set>
+                                      <p:cBhvr>
+                                        <p:cTn id="65" dur="1" fill="hold">
+                                          <p:stCondLst>
+                                            <p:cond delay="0"/>
+                                          </p:stCondLst>
+                                        </p:cTn>
+                                        <p:tgtEl>
+                                          <p:spTgt spid="39"/>
+                                        </p:tgtEl>
+                                        <p:attrNameLst>
+                                          <p:attrName>style.visibility</p:attrName>
+                                        </p:attrNameLst>
+                                      </p:cBhvr>
+                                      <p:to>
+                                        <p:strVal val="visible"/>
+                                      </p:to>
+                                    </p:set>
+                                    <p:animEffect transition="in" filter="wipe(left)">
+                                      <p:cBhvr>
+                                        <p:cTn id="66" dur="500"/>
+                                        <p:tgtEl>
+                                          <p:spTgt spid="39"/>
+                                        </p:tgtEl>
+                                      </p:cBhvr>
+                                    </p:animEffect>
+                                  </p:childTnLst>
+                                </p:cTn>
+                              </p:par>
+                            </p:childTnLst>
+                          </p:cTn>
+                        </p:par>
+                        <p:par>
+                          <p:cTn id="67" fill="hold">
+                            <p:stCondLst>
+                              <p:cond delay="500"/>
+                            </p:stCondLst>
+                            <p:childTnLst>
+                              <p:par>
+                                <p:cTn id="68" presetID="22" presetClass="entr" presetSubtype="1" fill="hold" grpId="0" nodeType="afterEffect">
+                                  <p:stCondLst>
+                                    <p:cond delay="0"/>
+                                  </p:stCondLst>
+                                  <p:childTnLst>
+                                    <p:set>
+                                      <p:cBhvr>
+                                        <p:cTn id="69" dur="1" fill="hold">
+                                          <p:stCondLst>
+                                            <p:cond delay="0"/>
+                                          </p:stCondLst>
+                                        </p:cTn>
+                                        <p:tgtEl>
+                                          <p:spTgt spid="12"/>
+                                        </p:tgtEl>
+                                        <p:attrNameLst>
+                                          <p:attrName>style.visibility</p:attrName>
+                                        </p:attrNameLst>
+                                      </p:cBhvr>
+                                      <p:to>
+                                        <p:strVal val="visible"/>
+                                      </p:to>
+                                    </p:set>
+                                    <p:animEffect transition="in" filter="wipe(up)">
+                                      <p:cBhvr>
+                                        <p:cTn id="70" dur="500"/>
+                                        <p:tgtEl>
+                                          <p:spTgt spid="12"/>
+                                        </p:tgtEl>
+                                      </p:cBhvr>
+                                    </p:animEffect>
+                                  </p:childTnLst>
+                                </p:cTn>
+                              </p:par>
+                            </p:childTnLst>
+                          </p:cTn>
+                        </p:par>
+                      </p:childTnLst>
+                    </p:cTn>
+                  </p:par>
+                  <p:par>
+                    <p:cTn id="71" fill="hold">
+                      <p:stCondLst>
+                        <p:cond delay="indefinite"/>
+                      </p:stCondLst>
+                      <p:childTnLst>
+                        <p:par>
+                          <p:cTn id="72" fill="hold">
+                            <p:stCondLst>
+                              <p:cond delay="0"/>
+                            </p:stCondLst>
+                            <p:childTnLst>
+                              <p:par>
+                                <p:cTn id="73" presetID="22" presetClass="entr" presetSubtype="1" fill="hold" nodeType="clickEffect">
+                                  <p:stCondLst>
+                                    <p:cond delay="0"/>
+                                  </p:stCondLst>
+                                  <p:childTnLst>
+                                    <p:set>
+                                      <p:cBhvr>
+                                        <p:cTn id="74" dur="1" fill="hold">
+                                          <p:stCondLst>
+                                            <p:cond delay="0"/>
+                                          </p:stCondLst>
+                                        </p:cTn>
+                                        <p:tgtEl>
+                                          <p:spTgt spid="65"/>
+                                        </p:tgtEl>
+                                        <p:attrNameLst>
+                                          <p:attrName>style.visibility</p:attrName>
+                                        </p:attrNameLst>
+                                      </p:cBhvr>
+                                      <p:to>
+                                        <p:strVal val="visible"/>
+                                      </p:to>
+                                    </p:set>
+                                    <p:animEffect transition="in" filter="wipe(up)">
+                                      <p:cBhvr>
+                                        <p:cTn id="75" dur="500"/>
+                                        <p:tgtEl>
+                                          <p:spTgt spid="65"/>
+                                        </p:tgtEl>
+                                      </p:cBhvr>
+                                    </p:animEffect>
+                                  </p:childTnLst>
+                                </p:cTn>
+                              </p:par>
+                            </p:childTnLst>
+                          </p:cTn>
+                        </p:par>
+                        <p:par>
+                          <p:cTn id="76" fill="hold">
+                            <p:stCondLst>
+                              <p:cond delay="500"/>
+                            </p:stCondLst>
+                            <p:childTnLst>
+                              <p:par>
+                                <p:cTn id="77" presetID="22" presetClass="entr" presetSubtype="1" fill="hold" grpId="0" nodeType="afterEffect">
+                                  <p:stCondLst>
+                                    <p:cond delay="0"/>
+                                  </p:stCondLst>
+                                  <p:childTnLst>
+                                    <p:set>
+                                      <p:cBhvr>
+                                        <p:cTn id="78" dur="1" fill="hold">
+                                          <p:stCondLst>
+                                            <p:cond delay="0"/>
+                                          </p:stCondLst>
+                                        </p:cTn>
+                                        <p:tgtEl>
+                                          <p:spTgt spid="23"/>
+                                        </p:tgtEl>
+                                        <p:attrNameLst>
+                                          <p:attrName>style.visibility</p:attrName>
+                                        </p:attrNameLst>
+                                      </p:cBhvr>
+                                      <p:to>
+                                        <p:strVal val="visible"/>
+                                      </p:to>
+                                    </p:set>
+                                    <p:animEffect transition="in" filter="wipe(up)">
+                                      <p:cBhvr>
+                                        <p:cTn id="79" dur="500"/>
+                                        <p:tgtEl>
+                                          <p:spTgt spid="23"/>
+                                        </p:tgtEl>
+                                      </p:cBhvr>
+                                    </p:animEffect>
+                                  </p:childTnLst>
+                                </p:cTn>
+                              </p:par>
+                            </p:childTnLst>
+                          </p:cTn>
+                        </p:par>
+                      </p:childTnLst>
+                    </p:cTn>
+                  </p:par>
+                  <p:par>
+                    <p:cTn id="80" fill="hold">
+                      <p:stCondLst>
+                        <p:cond delay="indefinite"/>
+                      </p:stCondLst>
+                      <p:childTnLst>
+                        <p:par>
+                          <p:cTn id="81" fill="hold">
+                            <p:stCondLst>
+                              <p:cond delay="0"/>
+                            </p:stCondLst>
+                            <p:childTnLst>
+                              <p:par>
+                                <p:cTn id="82" presetID="22" presetClass="entr" presetSubtype="1" fill="hold" nodeType="clickEffect">
+                                  <p:stCondLst>
+                                    <p:cond delay="0"/>
+                                  </p:stCondLst>
+                                  <p:childTnLst>
+                                    <p:set>
+                                      <p:cBhvr>
+                                        <p:cTn id="83" dur="1" fill="hold">
+                                          <p:stCondLst>
+                                            <p:cond delay="0"/>
+                                          </p:stCondLst>
+                                        </p:cTn>
+                                        <p:tgtEl>
+                                          <p:spTgt spid="47"/>
+                                        </p:tgtEl>
+                                        <p:attrNameLst>
+                                          <p:attrName>style.visibility</p:attrName>
+                                        </p:attrNameLst>
+                                      </p:cBhvr>
+                                      <p:to>
+                                        <p:strVal val="visible"/>
+                                      </p:to>
+                                    </p:set>
+                                    <p:animEffect transition="in" filter="wipe(up)">
+                                      <p:cBhvr>
+                                        <p:cTn id="84" dur="500"/>
+                                        <p:tgtEl>
+                                          <p:spTgt spid="47"/>
+                                        </p:tgtEl>
+                                      </p:cBhvr>
+                                    </p:animEffect>
+                                  </p:childTnLst>
+                                </p:cTn>
+                              </p:par>
+                              <p:par>
+                                <p:cTn id="85" presetID="22" presetClass="entr" presetSubtype="1" fill="hold" nodeType="withEffect">
+                                  <p:stCondLst>
+                                    <p:cond delay="0"/>
+                                  </p:stCondLst>
+                                  <p:childTnLst>
+                                    <p:set>
+                                      <p:cBhvr>
+                                        <p:cTn id="86" dur="1" fill="hold">
+                                          <p:stCondLst>
+                                            <p:cond delay="0"/>
+                                          </p:stCondLst>
+                                        </p:cTn>
+                                        <p:tgtEl>
+                                          <p:spTgt spid="45"/>
+                                        </p:tgtEl>
+                                        <p:attrNameLst>
+                                          <p:attrName>style.visibility</p:attrName>
+                                        </p:attrNameLst>
+                                      </p:cBhvr>
+                                      <p:to>
+                                        <p:strVal val="visible"/>
+                                      </p:to>
+                                    </p:set>
+                                    <p:animEffect transition="in" filter="wipe(up)">
+                                      <p:cBhvr>
+                                        <p:cTn id="87" dur="500"/>
+                                        <p:tgtEl>
+                                          <p:spTgt spid="45"/>
+                                        </p:tgtEl>
+                                      </p:cBhvr>
+                                    </p:animEffect>
+                                  </p:childTnLst>
+                                </p:cTn>
+                              </p:par>
+                            </p:childTnLst>
+                          </p:cTn>
+                        </p:par>
+                        <p:par>
+                          <p:cTn id="88" fill="hold">
+                            <p:stCondLst>
+                              <p:cond delay="500"/>
+                            </p:stCondLst>
+                            <p:childTnLst>
+                              <p:par>
+                                <p:cTn id="89" presetID="22" presetClass="entr" presetSubtype="1" fill="hold" grpId="0" nodeType="afterEffect">
+                                  <p:stCondLst>
+                                    <p:cond delay="0"/>
+                                  </p:stCondLst>
+                                  <p:childTnLst>
+                                    <p:set>
+                                      <p:cBhvr>
+                                        <p:cTn id="90" dur="1" fill="hold">
+                                          <p:stCondLst>
+                                            <p:cond delay="0"/>
+                                          </p:stCondLst>
+                                        </p:cTn>
+                                        <p:tgtEl>
+                                          <p:spTgt spid="15"/>
+                                        </p:tgtEl>
+                                        <p:attrNameLst>
+                                          <p:attrName>style.visibility</p:attrName>
+                                        </p:attrNameLst>
+                                      </p:cBhvr>
+                                      <p:to>
+                                        <p:strVal val="visible"/>
+                                      </p:to>
+                                    </p:set>
+                                    <p:animEffect transition="in" filter="wipe(up)">
+                                      <p:cBhvr>
+                                        <p:cTn id="91" dur="500"/>
+                                        <p:tgtEl>
+                                          <p:spTgt spid="15"/>
+                                        </p:tgtEl>
+                                      </p:cBhvr>
+                                    </p:animEffect>
+                                  </p:childTnLst>
+                                </p:cTn>
+                              </p:par>
+                            </p:childTnLst>
+                          </p:cTn>
+                        </p:par>
+                      </p:childTnLst>
+                    </p:cTn>
+                  </p:par>
+                  <p:par>
+                    <p:cTn id="92" fill="hold">
+                      <p:stCondLst>
+                        <p:cond delay="indefinite"/>
+                      </p:stCondLst>
+                      <p:childTnLst>
+                        <p:par>
+                          <p:cTn id="93" fill="hold">
+                            <p:stCondLst>
+                              <p:cond delay="0"/>
+                            </p:stCondLst>
+                            <p:childTnLst>
+                              <p:par>
+                                <p:cTn id="94" presetID="22" presetClass="entr" presetSubtype="1" fill="hold" nodeType="clickEffect">
+                                  <p:stCondLst>
+                                    <p:cond delay="0"/>
+                                  </p:stCondLst>
+                                  <p:childTnLst>
+                                    <p:set>
+                                      <p:cBhvr>
+                                        <p:cTn id="95" dur="1" fill="hold">
+                                          <p:stCondLst>
+                                            <p:cond delay="0"/>
+                                          </p:stCondLst>
+                                        </p:cTn>
+                                        <p:tgtEl>
+                                          <p:spTgt spid="49"/>
+                                        </p:tgtEl>
+                                        <p:attrNameLst>
+                                          <p:attrName>style.visibility</p:attrName>
+                                        </p:attrNameLst>
+                                      </p:cBhvr>
+                                      <p:to>
+                                        <p:strVal val="visible"/>
+                                      </p:to>
+                                    </p:set>
+                                    <p:animEffect transition="in" filter="wipe(up)">
+                                      <p:cBhvr>
+                                        <p:cTn id="96" dur="500"/>
+                                        <p:tgtEl>
+                                          <p:spTgt spid="49"/>
+                                        </p:tgtEl>
+                                      </p:cBhvr>
+                                    </p:animEffect>
+                                  </p:childTnLst>
+                                </p:cTn>
+                              </p:par>
+                              <p:par>
+                                <p:cTn id="97" presetID="22" presetClass="entr" presetSubtype="1" fill="hold" nodeType="withEffect">
+                                  <p:stCondLst>
+                                    <p:cond delay="0"/>
+                                  </p:stCondLst>
+                                  <p:childTnLst>
+                                    <p:set>
+                                      <p:cBhvr>
+                                        <p:cTn id="98" dur="1" fill="hold">
+                                          <p:stCondLst>
+                                            <p:cond delay="0"/>
+                                          </p:stCondLst>
+                                        </p:cTn>
+                                        <p:tgtEl>
+                                          <p:spTgt spid="51"/>
+                                        </p:tgtEl>
+                                        <p:attrNameLst>
+                                          <p:attrName>style.visibility</p:attrName>
+                                        </p:attrNameLst>
+                                      </p:cBhvr>
+                                      <p:to>
+                                        <p:strVal val="visible"/>
+                                      </p:to>
+                                    </p:set>
+                                    <p:animEffect transition="in" filter="wipe(up)">
+                                      <p:cBhvr>
+                                        <p:cTn id="99" dur="500"/>
+                                        <p:tgtEl>
+                                          <p:spTgt spid="51"/>
+                                        </p:tgtEl>
+                                      </p:cBhvr>
+                                    </p:animEffect>
+                                  </p:childTnLst>
+                                </p:cTn>
+                              </p:par>
+                              <p:par>
+                                <p:cTn id="100" presetID="22" presetClass="entr" presetSubtype="1" fill="hold" nodeType="withEffect">
+                                  <p:stCondLst>
+                                    <p:cond delay="0"/>
+                                  </p:stCondLst>
+                                  <p:childTnLst>
+                                    <p:set>
+                                      <p:cBhvr>
+                                        <p:cTn id="101" dur="1" fill="hold">
+                                          <p:stCondLst>
+                                            <p:cond delay="0"/>
+                                          </p:stCondLst>
+                                        </p:cTn>
+                                        <p:tgtEl>
+                                          <p:spTgt spid="53"/>
+                                        </p:tgtEl>
+                                        <p:attrNameLst>
+                                          <p:attrName>style.visibility</p:attrName>
+                                        </p:attrNameLst>
+                                      </p:cBhvr>
+                                      <p:to>
+                                        <p:strVal val="visible"/>
+                                      </p:to>
+                                    </p:set>
+                                    <p:animEffect transition="in" filter="wipe(up)">
+                                      <p:cBhvr>
+                                        <p:cTn id="102" dur="500"/>
+                                        <p:tgtEl>
+                                          <p:spTgt spid="53"/>
+                                        </p:tgtEl>
+                                      </p:cBhvr>
+                                    </p:animEffect>
+                                  </p:childTnLst>
+                                </p:cTn>
+                              </p:par>
+                            </p:childTnLst>
+                          </p:cTn>
+                        </p:par>
+                        <p:par>
+                          <p:cTn id="103" fill="hold">
+                            <p:stCondLst>
+                              <p:cond delay="500"/>
+                            </p:stCondLst>
+                            <p:childTnLst>
+                              <p:par>
+                                <p:cTn id="104" presetID="22" presetClass="entr" presetSubtype="1" fill="hold" grpId="0" nodeType="afterEffect">
+                                  <p:stCondLst>
+                                    <p:cond delay="0"/>
+                                  </p:stCondLst>
+                                  <p:childTnLst>
+                                    <p:set>
+                                      <p:cBhvr>
+                                        <p:cTn id="105" dur="1" fill="hold">
+                                          <p:stCondLst>
+                                            <p:cond delay="0"/>
+                                          </p:stCondLst>
+                                        </p:cTn>
+                                        <p:tgtEl>
+                                          <p:spTgt spid="16"/>
+                                        </p:tgtEl>
+                                        <p:attrNameLst>
+                                          <p:attrName>style.visibility</p:attrName>
+                                        </p:attrNameLst>
+                                      </p:cBhvr>
+                                      <p:to>
+                                        <p:strVal val="visible"/>
+                                      </p:to>
+                                    </p:set>
+                                    <p:animEffect transition="in" filter="wipe(up)">
+                                      <p:cBhvr>
+                                        <p:cTn id="106" dur="500"/>
+                                        <p:tgtEl>
+                                          <p:spTgt spid="16"/>
+                                        </p:tgtEl>
+                                      </p:cBhvr>
+                                    </p:animEffect>
+                                  </p:childTnLst>
+                                </p:cTn>
+                              </p:par>
+                              <p:par>
+                                <p:cTn id="107" presetID="22" presetClass="entr" presetSubtype="1" fill="hold" grpId="0" nodeType="withEffect">
+                                  <p:stCondLst>
+                                    <p:cond delay="0"/>
+                                  </p:stCondLst>
+                                  <p:childTnLst>
+                                    <p:set>
+                                      <p:cBhvr>
+                                        <p:cTn id="108" dur="1" fill="hold">
+                                          <p:stCondLst>
+                                            <p:cond delay="0"/>
+                                          </p:stCondLst>
+                                        </p:cTn>
+                                        <p:tgtEl>
+                                          <p:spTgt spid="18"/>
+                                        </p:tgtEl>
+                                        <p:attrNameLst>
+                                          <p:attrName>style.visibility</p:attrName>
+                                        </p:attrNameLst>
+                                      </p:cBhvr>
+                                      <p:to>
+                                        <p:strVal val="visible"/>
+                                      </p:to>
+                                    </p:set>
+                                    <p:animEffect transition="in" filter="wipe(up)">
+                                      <p:cBhvr>
+                                        <p:cTn id="109" dur="500"/>
+                                        <p:tgtEl>
+                                          <p:spTgt spid="18"/>
+                                        </p:tgtEl>
+                                      </p:cBhvr>
+                                    </p:animEffect>
+                                  </p:childTnLst>
+                                </p:cTn>
+                              </p:par>
+                              <p:par>
+                                <p:cTn id="110" presetID="22" presetClass="entr" presetSubtype="1" fill="hold" grpId="0" nodeType="withEffect">
+                                  <p:stCondLst>
+                                    <p:cond delay="0"/>
+                                  </p:stCondLst>
+                                  <p:childTnLst>
+                                    <p:set>
+                                      <p:cBhvr>
+                                        <p:cTn id="111" dur="1" fill="hold">
+                                          <p:stCondLst>
+                                            <p:cond delay="0"/>
+                                          </p:stCondLst>
+                                        </p:cTn>
+                                        <p:tgtEl>
+                                          <p:spTgt spid="17"/>
+                                        </p:tgtEl>
+                                        <p:attrNameLst>
+                                          <p:attrName>style.visibility</p:attrName>
+                                        </p:attrNameLst>
+                                      </p:cBhvr>
+                                      <p:to>
+                                        <p:strVal val="visible"/>
+                                      </p:to>
+                                    </p:set>
+                                    <p:animEffect transition="in" filter="wipe(up)">
+                                      <p:cBhvr>
+                                        <p:cTn id="112" dur="500"/>
+                                        <p:tgtEl>
+                                          <p:spTgt spid="17"/>
+                                        </p:tgtEl>
+                                      </p:cBhvr>
+                                    </p:animEffect>
+                                  </p:childTnLst>
+                                </p:cTn>
+                              </p:par>
+                            </p:childTnLst>
+                          </p:cTn>
+                        </p:par>
+                      </p:childTnLst>
+                    </p:cTn>
+                  </p:par>
+                  <p:par>
+                    <p:cTn id="113" fill="hold">
+                      <p:stCondLst>
+                        <p:cond delay="indefinite"/>
+                      </p:stCondLst>
+                      <p:childTnLst>
+                        <p:par>
+                          <p:cTn id="114" fill="hold">
+                            <p:stCondLst>
+                              <p:cond delay="0"/>
+                            </p:stCondLst>
+                            <p:childTnLst>
+                              <p:par>
+                                <p:cTn id="115" presetID="22" presetClass="entr" presetSubtype="1" fill="hold" nodeType="clickEffect">
+                                  <p:stCondLst>
+                                    <p:cond delay="0"/>
+                                  </p:stCondLst>
+                                  <p:childTnLst>
+                                    <p:set>
+                                      <p:cBhvr>
+                                        <p:cTn id="116" dur="1" fill="hold">
+                                          <p:stCondLst>
+                                            <p:cond delay="0"/>
+                                          </p:stCondLst>
+                                        </p:cTn>
+                                        <p:tgtEl>
+                                          <p:spTgt spid="57"/>
+                                        </p:tgtEl>
+                                        <p:attrNameLst>
+                                          <p:attrName>style.visibility</p:attrName>
+                                        </p:attrNameLst>
+                                      </p:cBhvr>
+                                      <p:to>
+                                        <p:strVal val="visible"/>
+                                      </p:to>
+                                    </p:set>
+                                    <p:animEffect transition="in" filter="wipe(up)">
+                                      <p:cBhvr>
+                                        <p:cTn id="117" dur="500"/>
+                                        <p:tgtEl>
+                                          <p:spTgt spid="57"/>
+                                        </p:tgtEl>
+                                      </p:cBhvr>
+                                    </p:animEffect>
+                                  </p:childTnLst>
+                                </p:cTn>
+                              </p:par>
+                              <p:par>
+                                <p:cTn id="118" presetID="22" presetClass="entr" presetSubtype="1" fill="hold" nodeType="withEffect">
+                                  <p:stCondLst>
+                                    <p:cond delay="0"/>
+                                  </p:stCondLst>
+                                  <p:childTnLst>
+                                    <p:set>
+                                      <p:cBhvr>
+                                        <p:cTn id="119" dur="1" fill="hold">
+                                          <p:stCondLst>
+                                            <p:cond delay="0"/>
+                                          </p:stCondLst>
+                                        </p:cTn>
+                                        <p:tgtEl>
+                                          <p:spTgt spid="59"/>
+                                        </p:tgtEl>
+                                        <p:attrNameLst>
+                                          <p:attrName>style.visibility</p:attrName>
+                                        </p:attrNameLst>
+                                      </p:cBhvr>
+                                      <p:to>
+                                        <p:strVal val="visible"/>
+                                      </p:to>
+                                    </p:set>
+                                    <p:animEffect transition="in" filter="wipe(up)">
+                                      <p:cBhvr>
+                                        <p:cTn id="120" dur="500"/>
+                                        <p:tgtEl>
+                                          <p:spTgt spid="59"/>
+                                        </p:tgtEl>
+                                      </p:cBhvr>
+                                    </p:animEffect>
+                                  </p:childTnLst>
+                                </p:cTn>
+                              </p:par>
+                            </p:childTnLst>
+                          </p:cTn>
+                        </p:par>
+                        <p:par>
+                          <p:cTn id="121" fill="hold">
+                            <p:stCondLst>
+                              <p:cond delay="500"/>
+                            </p:stCondLst>
+                            <p:childTnLst>
+                              <p:par>
+                                <p:cTn id="122" presetID="22" presetClass="entr" presetSubtype="1" fill="hold" grpId="0" nodeType="afterEffect">
+                                  <p:stCondLst>
+                                    <p:cond delay="0"/>
+                                  </p:stCondLst>
+                                  <p:childTnLst>
+                                    <p:set>
+                                      <p:cBhvr>
+                                        <p:cTn id="123" dur="1" fill="hold">
+                                          <p:stCondLst>
+                                            <p:cond delay="0"/>
+                                          </p:stCondLst>
+                                        </p:cTn>
+                                        <p:tgtEl>
+                                          <p:spTgt spid="19"/>
+                                        </p:tgtEl>
+                                        <p:attrNameLst>
+                                          <p:attrName>style.visibility</p:attrName>
+                                        </p:attrNameLst>
+                                      </p:cBhvr>
+                                      <p:to>
+                                        <p:strVal val="visible"/>
+                                      </p:to>
+                                    </p:set>
+                                    <p:animEffect transition="in" filter="wipe(up)">
+                                      <p:cBhvr>
+                                        <p:cTn id="124" dur="500"/>
+                                        <p:tgtEl>
+                                          <p:spTgt spid="19"/>
+                                        </p:tgtEl>
+                                      </p:cBhvr>
+                                    </p:animEffect>
+                                  </p:childTnLst>
+                                </p:cTn>
+                              </p:par>
+                              <p:par>
+                                <p:cTn id="125" presetID="22" presetClass="entr" presetSubtype="1" fill="hold" grpId="0" nodeType="withEffect">
+                                  <p:stCondLst>
+                                    <p:cond delay="0"/>
+                                  </p:stCondLst>
+                                  <p:childTnLst>
+                                    <p:set>
+                                      <p:cBhvr>
+                                        <p:cTn id="126" dur="1" fill="hold">
+                                          <p:stCondLst>
+                                            <p:cond delay="0"/>
+                                          </p:stCondLst>
+                                        </p:cTn>
+                                        <p:tgtEl>
+                                          <p:spTgt spid="20"/>
+                                        </p:tgtEl>
+                                        <p:attrNameLst>
+                                          <p:attrName>style.visibility</p:attrName>
+                                        </p:attrNameLst>
+                                      </p:cBhvr>
+                                      <p:to>
+                                        <p:strVal val="visible"/>
+                                      </p:to>
+                                    </p:set>
+                                    <p:animEffect transition="in" filter="wipe(up)">
+                                      <p:cBhvr>
+                                        <p:cTn id="127" dur="500"/>
+                                        <p:tgtEl>
+                                          <p:spTgt spid="20"/>
+                                        </p:tgtEl>
+                                      </p:cBhvr>
+                                    </p:animEffect>
+                                  </p:childTnLst>
+                                </p:cTn>
+                              </p:par>
+                            </p:childTnLst>
+                          </p:cTn>
+                        </p:par>
+                      </p:childTnLst>
+                    </p:cTn>
+                  </p:par>
+                  <p:par>
+                    <p:cTn id="128" fill="hold">
+                      <p:stCondLst>
+                        <p:cond delay="indefinite"/>
+                      </p:stCondLst>
+                      <p:childTnLst>
+                        <p:par>
+                          <p:cTn id="129" fill="hold">
+                            <p:stCondLst>
+                              <p:cond delay="0"/>
+                            </p:stCondLst>
+                            <p:childTnLst>
+                              <p:par>
+                                <p:cTn id="130" presetID="22" presetClass="entr" presetSubtype="1" fill="hold" nodeType="clickEffect">
+                                  <p:stCondLst>
+                                    <p:cond delay="0"/>
+                                  </p:stCondLst>
+                                  <p:childTnLst>
+                                    <p:set>
+                                      <p:cBhvr>
+                                        <p:cTn id="131" dur="1" fill="hold">
+                                          <p:stCondLst>
+                                            <p:cond delay="0"/>
+                                          </p:stCondLst>
+                                        </p:cTn>
+                                        <p:tgtEl>
+                                          <p:spTgt spid="61"/>
+                                        </p:tgtEl>
+                                        <p:attrNameLst>
+                                          <p:attrName>style.visibility</p:attrName>
+                                        </p:attrNameLst>
+                                      </p:cBhvr>
+                                      <p:to>
+                                        <p:strVal val="visible"/>
+                                      </p:to>
+                                    </p:set>
+                                    <p:animEffect transition="in" filter="wipe(up)">
+                                      <p:cBhvr>
+                                        <p:cTn id="132" dur="500"/>
+                                        <p:tgtEl>
+                                          <p:spTgt spid="61"/>
+                                        </p:tgtEl>
+                                      </p:cBhvr>
+                                    </p:animEffect>
+                                  </p:childTnLst>
+                                </p:cTn>
+                              </p:par>
+                              <p:par>
+                                <p:cTn id="133" presetID="22" presetClass="entr" presetSubtype="1" fill="hold" nodeType="withEffect">
+                                  <p:stCondLst>
+                                    <p:cond delay="0"/>
+                                  </p:stCondLst>
+                                  <p:childTnLst>
+                                    <p:set>
+                                      <p:cBhvr>
+                                        <p:cTn id="134" dur="1" fill="hold">
+                                          <p:stCondLst>
+                                            <p:cond delay="0"/>
+                                          </p:stCondLst>
+                                        </p:cTn>
+                                        <p:tgtEl>
+                                          <p:spTgt spid="63"/>
+                                        </p:tgtEl>
+                                        <p:attrNameLst>
+                                          <p:attrName>style.visibility</p:attrName>
+                                        </p:attrNameLst>
+                                      </p:cBhvr>
+                                      <p:to>
+                                        <p:strVal val="visible"/>
+                                      </p:to>
+                                    </p:set>
+                                    <p:animEffect transition="in" filter="wipe(up)">
+                                      <p:cBhvr>
+                                        <p:cTn id="135" dur="500"/>
+                                        <p:tgtEl>
+                                          <p:spTgt spid="63"/>
+                                        </p:tgtEl>
+                                      </p:cBhvr>
+                                    </p:animEffect>
+                                  </p:childTnLst>
+                                </p:cTn>
+                              </p:par>
+                            </p:childTnLst>
+                          </p:cTn>
+                        </p:par>
+                        <p:par>
+                          <p:cTn id="136" fill="hold">
+                            <p:stCondLst>
+                              <p:cond delay="500"/>
+                            </p:stCondLst>
+                            <p:childTnLst>
+                              <p:par>
+                                <p:cTn id="137" presetID="22" presetClass="entr" presetSubtype="1" fill="hold" grpId="0" nodeType="afterEffect">
+                                  <p:stCondLst>
+                                    <p:cond delay="0"/>
+                                  </p:stCondLst>
+                                  <p:childTnLst>
+                                    <p:set>
+                                      <p:cBhvr>
+                                        <p:cTn id="138" dur="1" fill="hold">
+                                          <p:stCondLst>
+                                            <p:cond delay="0"/>
+                                          </p:stCondLst>
+                                        </p:cTn>
+                                        <p:tgtEl>
+                                          <p:spTgt spid="21"/>
+                                        </p:tgtEl>
+                                        <p:attrNameLst>
+                                          <p:attrName>style.visibility</p:attrName>
+                                        </p:attrNameLst>
+                                      </p:cBhvr>
+                                      <p:to>
+                                        <p:strVal val="visible"/>
+                                      </p:to>
+                                    </p:set>
+                                    <p:animEffect transition="in" filter="wipe(up)">
+                                      <p:cBhvr>
+                                        <p:cTn id="139" dur="500"/>
+                                        <p:tgtEl>
+                                          <p:spTgt spid="21"/>
+                                        </p:tgtEl>
+                                      </p:cBhvr>
+                                    </p:animEffect>
+                                  </p:childTnLst>
+                                </p:cTn>
+                              </p:par>
+                              <p:par>
+                                <p:cTn id="140" presetID="22" presetClass="entr" presetSubtype="1" fill="hold" grpId="0" nodeType="withEffect">
+                                  <p:stCondLst>
+                                    <p:cond delay="0"/>
+                                  </p:stCondLst>
+                                  <p:childTnLst>
+                                    <p:set>
+                                      <p:cBhvr>
+                                        <p:cTn id="141" dur="1" fill="hold">
+                                          <p:stCondLst>
+                                            <p:cond delay="0"/>
+                                          </p:stCondLst>
+                                        </p:cTn>
+                                        <p:tgtEl>
+                                          <p:spTgt spid="22"/>
+                                        </p:tgtEl>
+                                        <p:attrNameLst>
+                                          <p:attrName>style.visibility</p:attrName>
+                                        </p:attrNameLst>
+                                      </p:cBhvr>
+                                      <p:to>
+                                        <p:strVal val="visible"/>
+                                      </p:to>
+                                    </p:set>
+                                    <p:animEffect transition="in" filter="wipe(up)">
+                                      <p:cBhvr>
+                                        <p:cTn id="142" dur="500"/>
+                                        <p:tgtEl>
+                                          <p:spTgt spid="22"/>
+                                        </p:tgtEl>
+                                      </p:cBhvr>
+                                    </p:animEffect>
+                                  </p:childTnLst>
+                                </p:cTn>
+                              </p:par>
+                            </p:childTnLst>
+                          </p:cTn>
+                        </p:par>
+                      </p:childTnLst>
+                    </p:cTn>
+                  </p:par>
+                  <p:par>
+                    <p:cTn id="143" fill="hold">
+                      <p:stCondLst>
+                        <p:cond delay="indefinite"/>
+                      </p:stCondLst>
+                      <p:childTnLst>
+                        <p:par>
+                          <p:cTn id="144" fill="hold">
+                            <p:stCondLst>
+                              <p:cond delay="0"/>
+                            </p:stCondLst>
+                            <p:childTnLst>
+                              <p:par>
+                                <p:cTn id="145" presetID="22" presetClass="entr" presetSubtype="1" fill="hold" nodeType="clickEffect">
+                                  <p:stCondLst>
+                                    <p:cond delay="0"/>
+                                  </p:stCondLst>
+                                  <p:childTnLst>
+                                    <p:set>
+                                      <p:cBhvr>
+                                        <p:cTn id="146" dur="1" fill="hold">
+                                          <p:stCondLst>
+                                            <p:cond delay="0"/>
+                                          </p:stCondLst>
+                                        </p:cTn>
+                                        <p:tgtEl>
+                                          <p:spTgt spid="67"/>
+                                        </p:tgtEl>
+                                        <p:attrNameLst>
+                                          <p:attrName>style.visibility</p:attrName>
+                                        </p:attrNameLst>
+                                      </p:cBhvr>
+                                      <p:to>
+                                        <p:strVal val="visible"/>
+                                      </p:to>
+                                    </p:set>
+                                    <p:animEffect transition="in" filter="wipe(up)">
+                                      <p:cBhvr>
+                                        <p:cTn id="147" dur="500"/>
+                                        <p:tgtEl>
+                                          <p:spTgt spid="67"/>
+                                        </p:tgtEl>
+                                      </p:cBhvr>
+                                    </p:animEffect>
+                                  </p:childTnLst>
+                                </p:cTn>
+                              </p:par>
+                              <p:par>
+                                <p:cTn id="148" presetID="22" presetClass="entr" presetSubtype="1" fill="hold" nodeType="withEffect">
+                                  <p:stCondLst>
+                                    <p:cond delay="0"/>
+                                  </p:stCondLst>
+                                  <p:childTnLst>
+                                    <p:set>
+                                      <p:cBhvr>
+                                        <p:cTn id="149" dur="1" fill="hold">
+                                          <p:stCondLst>
+                                            <p:cond delay="0"/>
+                                          </p:stCondLst>
+                                        </p:cTn>
+                                        <p:tgtEl>
+                                          <p:spTgt spid="69"/>
+                                        </p:tgtEl>
+                                        <p:attrNameLst>
+                                          <p:attrName>style.visibility</p:attrName>
+                                        </p:attrNameLst>
+                                      </p:cBhvr>
+                                      <p:to>
+                                        <p:strVal val="visible"/>
+                                      </p:to>
+                                    </p:set>
+                                    <p:animEffect transition="in" filter="wipe(up)">
+                                      <p:cBhvr>
+                                        <p:cTn id="150" dur="500"/>
+                                        <p:tgtEl>
+                                          <p:spTgt spid="69"/>
+                                        </p:tgtEl>
+                                      </p:cBhvr>
+                                    </p:animEffect>
+                                  </p:childTnLst>
+                                </p:cTn>
+                              </p:par>
+                            </p:childTnLst>
+                          </p:cTn>
+                        </p:par>
+                        <p:par>
+                          <p:cTn id="151" fill="hold">
+                            <p:stCondLst>
+                              <p:cond delay="500"/>
+                            </p:stCondLst>
+                            <p:childTnLst>
+                              <p:par>
+                                <p:cTn id="152" presetID="22" presetClass="entr" presetSubtype="1" fill="hold" grpId="0" nodeType="afterEffect">
+                                  <p:stCondLst>
+                                    <p:cond delay="0"/>
+                                  </p:stCondLst>
+                                  <p:childTnLst>
+                                    <p:set>
+                                      <p:cBhvr>
+                                        <p:cTn id="153" dur="1" fill="hold">
+                                          <p:stCondLst>
+                                            <p:cond delay="0"/>
+                                          </p:stCondLst>
+                                        </p:cTn>
+                                        <p:tgtEl>
+                                          <p:spTgt spid="24"/>
+                                        </p:tgtEl>
+                                        <p:attrNameLst>
+                                          <p:attrName>style.visibility</p:attrName>
+                                        </p:attrNameLst>
+                                      </p:cBhvr>
+                                      <p:to>
+                                        <p:strVal val="visible"/>
+                                      </p:to>
+                                    </p:set>
+                                    <p:animEffect transition="in" filter="wipe(up)">
+                                      <p:cBhvr>
+                                        <p:cTn id="154" dur="500"/>
+                                        <p:tgtEl>
+                                          <p:spTgt spid="24"/>
+                                        </p:tgtEl>
+                                      </p:cBhvr>
+                                    </p:animEffect>
+                                  </p:childTnLst>
+                                </p:cTn>
+                              </p:par>
+                              <p:par>
+                                <p:cTn id="155" presetID="22" presetClass="entr" presetSubtype="1" fill="hold" grpId="0" nodeType="withEffect">
+                                  <p:stCondLst>
+                                    <p:cond delay="0"/>
+                                  </p:stCondLst>
+                                  <p:childTnLst>
+                                    <p:set>
+                                      <p:cBhvr>
+                                        <p:cTn id="156" dur="1" fill="hold">
+                                          <p:stCondLst>
+                                            <p:cond delay="0"/>
+                                          </p:stCondLst>
+                                        </p:cTn>
+                                        <p:tgtEl>
+                                          <p:spTgt spid="25"/>
+                                        </p:tgtEl>
+                                        <p:attrNameLst>
+                                          <p:attrName>style.visibility</p:attrName>
+                                        </p:attrNameLst>
+                                      </p:cBhvr>
+                                      <p:to>
+                                        <p:strVal val="visible"/>
+                                      </p:to>
+                                    </p:set>
+                                    <p:animEffect transition="in" filter="wipe(up)">
+                                      <p:cBhvr>
+                                        <p:cTn id="157" dur="500"/>
+                                        <p:tgtEl>
+                                          <p:spTgt spid="25"/>
+                                        </p:tgtEl>
+                                      </p:cBhvr>
+                                    </p:animEffect>
+                                  </p:childTnLst>
+                                </p:cTn>
+                              </p:par>
+                            </p:childTnLst>
+                          </p:cTn>
+                        </p:par>
+                        <p:par>
+                          <p:cTn id="158" fill="hold">
+                            <p:stCondLst>
+                              <p:cond delay="1000"/>
+                            </p:stCondLst>
+                            <p:childTnLst>
+                              <p:par>
+                                <p:cTn id="159" presetID="22" presetClass="entr" presetSubtype="1" fill="hold" nodeType="afterEffect">
+                                  <p:stCondLst>
+                                    <p:cond delay="0"/>
+                                  </p:stCondLst>
+                                  <p:childTnLst>
+                                    <p:set>
+                                      <p:cBhvr>
+                                        <p:cTn id="160" dur="1" fill="hold">
+                                          <p:stCondLst>
+                                            <p:cond delay="0"/>
+                                          </p:stCondLst>
+                                        </p:cTn>
+                                        <p:tgtEl>
+                                          <p:spTgt spid="77"/>
+                                        </p:tgtEl>
+                                        <p:attrNameLst>
+                                          <p:attrName>style.visibility</p:attrName>
+                                        </p:attrNameLst>
+                                      </p:cBhvr>
+                                      <p:to>
+                                        <p:strVal val="visible"/>
+                                      </p:to>
+                                    </p:set>
+                                    <p:animEffect transition="in" filter="wipe(up)">
+                                      <p:cBhvr>
+                                        <p:cTn id="161" dur="500"/>
+                                        <p:tgtEl>
+                                          <p:spTgt spid="77"/>
+                                        </p:tgtEl>
+                                      </p:cBhvr>
+                                    </p:animEffect>
+                                  </p:childTnLst>
+                                </p:cTn>
+                              </p:par>
+                              <p:par>
+                                <p:cTn id="162" presetID="22" presetClass="entr" presetSubtype="1" fill="hold" nodeType="withEffect">
+                                  <p:stCondLst>
+                                    <p:cond delay="0"/>
+                                  </p:stCondLst>
+                                  <p:childTnLst>
+                                    <p:set>
+                                      <p:cBhvr>
+                                        <p:cTn id="163" dur="1" fill="hold">
+                                          <p:stCondLst>
+                                            <p:cond delay="0"/>
+                                          </p:stCondLst>
+                                        </p:cTn>
+                                        <p:tgtEl>
+                                          <p:spTgt spid="71"/>
+                                        </p:tgtEl>
+                                        <p:attrNameLst>
+                                          <p:attrName>style.visibility</p:attrName>
+                                        </p:attrNameLst>
+                                      </p:cBhvr>
+                                      <p:to>
+                                        <p:strVal val="visible"/>
+                                      </p:to>
+                                    </p:set>
+                                    <p:animEffect transition="in" filter="wipe(up)">
+                                      <p:cBhvr>
+                                        <p:cTn id="164" dur="500"/>
+                                        <p:tgtEl>
+                                          <p:spTgt spid="71"/>
+                                        </p:tgtEl>
+                                      </p:cBhvr>
+                                    </p:animEffect>
+                                  </p:childTnLst>
+                                </p:cTn>
+                              </p:par>
+                            </p:childTnLst>
+                          </p:cTn>
+                        </p:par>
+                        <p:par>
+                          <p:cTn id="165" fill="hold">
+                            <p:stCondLst>
+                              <p:cond delay="1500"/>
+                            </p:stCondLst>
+                            <p:childTnLst>
+                              <p:par>
+                                <p:cTn id="166" presetID="22" presetClass="entr" presetSubtype="1" fill="hold" grpId="0" nodeType="afterEffect">
+                                  <p:stCondLst>
+                                    <p:cond delay="0"/>
+                                  </p:stCondLst>
+                                  <p:childTnLst>
+                                    <p:set>
+                                      <p:cBhvr>
+                                        <p:cTn id="167" dur="1" fill="hold">
+                                          <p:stCondLst>
+                                            <p:cond delay="0"/>
+                                          </p:stCondLst>
+                                        </p:cTn>
+                                        <p:tgtEl>
+                                          <p:spTgt spid="26"/>
+                                        </p:tgtEl>
+                                        <p:attrNameLst>
+                                          <p:attrName>style.visibility</p:attrName>
+                                        </p:attrNameLst>
+                                      </p:cBhvr>
+                                      <p:to>
+                                        <p:strVal val="visible"/>
+                                      </p:to>
+                                    </p:set>
+                                    <p:animEffect transition="in" filter="wipe(up)">
+                                      <p:cBhvr>
+                                        <p:cTn id="168" dur="500"/>
+                                        <p:tgtEl>
+                                          <p:spTgt spid="26"/>
+                                        </p:tgtEl>
+                                      </p:cBhvr>
+                                    </p:animEffect>
+                                  </p:childTnLst>
+                                </p:cTn>
+                              </p:par>
+                            </p:childTnLst>
+                          </p:cTn>
+                        </p:par>
+                        <p:par>
+                          <p:cTn id="169" fill="hold">
+                            <p:stCondLst>
+                              <p:cond delay="2000"/>
+                            </p:stCondLst>
+                            <p:childTnLst>
+                              <p:par>
+                                <p:cTn id="170" presetID="22" presetClass="entr" presetSubtype="1" fill="hold" nodeType="afterEffect">
+                                  <p:stCondLst>
+                                    <p:cond delay="0"/>
+                                  </p:stCondLst>
+                                  <p:childTnLst>
+                                    <p:set>
+                                      <p:cBhvr>
+                                        <p:cTn id="171" dur="1" fill="hold">
+                                          <p:stCondLst>
+                                            <p:cond delay="0"/>
+                                          </p:stCondLst>
+                                        </p:cTn>
+                                        <p:tgtEl>
+                                          <p:spTgt spid="73"/>
+                                        </p:tgtEl>
+                                        <p:attrNameLst>
+                                          <p:attrName>style.visibility</p:attrName>
+                                        </p:attrNameLst>
+                                      </p:cBhvr>
+                                      <p:to>
+                                        <p:strVal val="visible"/>
+                                      </p:to>
+                                    </p:set>
+                                    <p:animEffect transition="in" filter="wipe(up)">
+                                      <p:cBhvr>
+                                        <p:cTn id="172" dur="500"/>
+                                        <p:tgtEl>
+                                          <p:spTgt spid="73"/>
+                                        </p:tgtEl>
+                                      </p:cBhvr>
+                                    </p:animEffect>
+                                  </p:childTnLst>
+                                </p:cTn>
+                              </p:par>
+                              <p:par>
+                                <p:cTn id="173" presetID="22" presetClass="entr" presetSubtype="1" fill="hold" nodeType="withEffect">
+                                  <p:stCondLst>
+                                    <p:cond delay="0"/>
+                                  </p:stCondLst>
+                                  <p:childTnLst>
+                                    <p:set>
+                                      <p:cBhvr>
+                                        <p:cTn id="174" dur="1" fill="hold">
+                                          <p:stCondLst>
+                                            <p:cond delay="0"/>
+                                          </p:stCondLst>
+                                        </p:cTn>
+                                        <p:tgtEl>
+                                          <p:spTgt spid="75"/>
+                                        </p:tgtEl>
+                                        <p:attrNameLst>
+                                          <p:attrName>style.visibility</p:attrName>
+                                        </p:attrNameLst>
+                                      </p:cBhvr>
+                                      <p:to>
+                                        <p:strVal val="visible"/>
+                                      </p:to>
+                                    </p:set>
+                                    <p:animEffect transition="in" filter="wipe(up)">
+                                      <p:cBhvr>
+                                        <p:cTn id="175" dur="500"/>
+                                        <p:tgtEl>
+                                          <p:spTgt spid="75"/>
+                                        </p:tgtEl>
+                                      </p:cBhvr>
+                                    </p:animEffect>
+                                  </p:childTnLst>
+                                </p:cTn>
+                              </p:par>
+                            </p:childTnLst>
+                          </p:cTn>
+                        </p:par>
+                        <p:par>
+                          <p:cTn id="176" fill="hold">
+                            <p:stCondLst>
+                              <p:cond delay="2500"/>
+                            </p:stCondLst>
+                            <p:childTnLst>
+                              <p:par>
+                                <p:cTn id="177" presetID="22" presetClass="entr" presetSubtype="1" fill="hold" grpId="0" nodeType="afterEffect">
+                                  <p:stCondLst>
+                                    <p:cond delay="0"/>
+                                  </p:stCondLst>
+                                  <p:childTnLst>
+                                    <p:set>
+                                      <p:cBhvr>
+                                        <p:cTn id="178" dur="1" fill="hold">
+                                          <p:stCondLst>
+                                            <p:cond delay="0"/>
+                                          </p:stCondLst>
+                                        </p:cTn>
+                                        <p:tgtEl>
+                                          <p:spTgt spid="27"/>
+                                        </p:tgtEl>
+                                        <p:attrNameLst>
+                                          <p:attrName>style.visibility</p:attrName>
+                                        </p:attrNameLst>
+                                      </p:cBhvr>
+                                      <p:to>
+                                        <p:strVal val="visible"/>
+                                      </p:to>
+                                    </p:set>
+                                    <p:animEffect transition="in" filter="wipe(up)">
+                                      <p:cBhvr>
+                                        <p:cTn id="179" dur="500"/>
+                                        <p:tgtEl>
+                                          <p:spTgt spid="27"/>
+                                        </p:tgtEl>
+                                      </p:cBhvr>
+                                    </p:animEffect>
+                                  </p:childTnLst>
+                                </p:cTn>
+                              </p:par>
+                              <p:par>
+                                <p:cTn id="180" presetID="22" presetClass="entr" presetSubtype="1" fill="hold" grpId="0" nodeType="withEffect">
+                                  <p:stCondLst>
+                                    <p:cond delay="0"/>
+                                  </p:stCondLst>
+                                  <p:childTnLst>
+                                    <p:set>
+                                      <p:cBhvr>
+                                        <p:cTn id="181" dur="1" fill="hold">
+                                          <p:stCondLst>
+                                            <p:cond delay="0"/>
+                                          </p:stCondLst>
+                                        </p:cTn>
+                                        <p:tgtEl>
+                                          <p:spTgt spid="28"/>
+                                        </p:tgtEl>
+                                        <p:attrNameLst>
+                                          <p:attrName>style.visibility</p:attrName>
+                                        </p:attrNameLst>
+                                      </p:cBhvr>
+                                      <p:to>
+                                        <p:strVal val="visible"/>
+                                      </p:to>
+                                    </p:set>
+                                    <p:animEffect transition="in" filter="wipe(up)">
+                                      <p:cBhvr>
+                                        <p:cTn id="182" dur="500"/>
+                                        <p:tgtEl>
+                                          <p:spTgt spid="28"/>
+                                        </p:tgtEl>
+                                      </p:cBhvr>
+                                    </p:animEffect>
+                                  </p:childTnLst>
+                                </p:cTn>
+                              </p:par>
+                            </p:childTnLst>
+                          </p:cTn>
+                        </p:par>
+                      </p:childTnLst>
+                    </p:cTn>
+                  </p:par>
+                </p:childTnLst>
+              </p:cTn>
+              <p:prevCondLst>
+                <p:cond evt="onPrev" delay="0">
+                  <p:tgtEl>
+                    <p:sldTgt/>
+                  </p:tgtEl>
+                </p:cond>
+              </p:prevCondLst>
+              <p:nextCondLst>
+                <p:cond evt="onNext" delay="0">
+                  <p:tgtEl>
+                    <p:sldTgt/>
+                  </p:tgtEl>
+                </p:cond>
+              </p:nextCondLst>
+            </p:seq>
+          </p:childTnLst>
+        </p:cTn>
+      </p:par>
+    </p:tnLst>
+    <p:bldLst>
+      <p:bldP spid="5" grpId="0" animBg="1"/>
+      <p:bldP spid="6" grpId="0" animBg="1"/>
+      <p:bldP spid="7" grpId="0" animBg="1"/>
+      <p:bldP spid="8" grpId="0" animBg="1"/>
+      <p:bldP spid="9" grpId="0" animBg="1"/>
+      <p:bldP spid="12" grpId="0" animBg="1"/>
+      <p:bldP spid="13" grpId="0" animBg="1"/>
+      <p:bldP spid="14" grpId="0" animBg="1"/>
+      <p:bldP spid="15" grpId="0" animBg="1"/>
+      <p:bldP spid="16" grpId="0" animBg="1"/>
+      <p:bldP spid="17" grpId="0" animBg="1"/>
+      <p:bldP spid="18" grpId="0" animBg="1"/>
+      <p:bldP spid="19" grpId="0" animBg="1"/>
+      <p:bldP spid="20" grpId="0" animBg="1"/>
+      <p:bldP spid="21" grpId="0" animBg="1"/>
+      <p:bldP spid="22" grpId="0" animBg="1"/>
+      <p:bldP spid="23" grpId="0" animBg="1"/>
+      <p:bldP spid="24" grpId="0" animBg="1"/>
+      <p:bldP spid="25" grpId="0" animBg="1"/>
+      <p:bldP spid="26" grpId="0" animBg="1"/>
+      <p:bldP spid="27" grpId="0" animBg="1"/>
+      <p:bldP spid="28" grpId="0" animBg="1"/>
+    </p:bldLst>
+  </p:timing>
+</p:sld>
+</file>
+
+<file path=ppt/slides/slide2.xml><?xml version="1.0" encoding="utf-8"?>
+<p:sld xmlns:a="http://schemas.openxmlformats.org/drawingml/2006/main" xmlns:r="http://schemas.openxmlformats.org/officeDocument/2006/relationships" xmlns:p="http://schemas.openxmlformats.org/presentationml/2006/main">
+  <p:cSld>
+    <p:spTree>
+      <p:nvGrpSpPr>
+        <p:cNvPr id="1" name=""/>
+        <p:cNvGrpSpPr/>
+        <p:nvPr/>
+      </p:nvGrpSpPr>
+      <p:grpSpPr>
+        <a:xfrm>
+          <a:off x="0" y="0"/>
+          <a:ext cx="0" cy="0"/>
+          <a:chOff x="0" y="0"/>
+          <a:chExt cx="0" cy="0"/>
+        </a:xfrm>
+      </p:grpSpPr>
+      <p:sp>
+        <p:nvSpPr>
+          <p:cNvPr id="2" name="Title 1">
+            <a:extLst>
+              <a:ext uri="{FF2B5EF4-FFF2-40B4-BE49-F238E27FC236}">
+                <a16:creationId xmlns:a16="http://schemas.microsoft.com/office/drawing/2014/main" id="{6B4F726C-2CD6-4414-AF28-E812D9AD4E20}"/>
+              </a:ext>
+            </a:extLst>
+          </p:cNvPr>
+          <p:cNvSpPr>
+            <a:spLocks noGrp="1"/>
+          </p:cNvSpPr>
+          <p:nvPr>
+            <p:ph type="title"/>
+          </p:nvPr>
+        </p:nvSpPr>
+        <p:spPr/>
+        <p:txBody>
+          <a:bodyPr/>
+          <a:lstStyle/>
+          <a:p>
+            <a:r>
+              <a:rPr lang="en-GB" dirty="0">
+                <a:ln w="0"/>
+                <a:effectLst>
+                  <a:outerShdw blurRad="38100" dist="19050" dir="2700000" algn="tl" rotWithShape="0">
+                    <a:schemeClr val="dk1">
+                      <a:alpha val="40000"/>
+                    </a:schemeClr>
+                  </a:outerShdw>
+                </a:effectLst>
+              </a:rPr>
+              <a:t>A Brief Diversion</a:t>
+            </a:r>
+          </a:p>
+        </p:txBody>
+      </p:sp>
+      <p:sp>
+        <p:nvSpPr>
+          <p:cNvPr id="3" name="Text Placeholder 2">
+            <a:extLst>
+              <a:ext uri="{FF2B5EF4-FFF2-40B4-BE49-F238E27FC236}">
+                <a16:creationId xmlns:a16="http://schemas.microsoft.com/office/drawing/2014/main" id="{A95F8EA9-DC57-4995-92E5-BFC8AF6AD36F}"/>
+              </a:ext>
+            </a:extLst>
+          </p:cNvPr>
+          <p:cNvSpPr>
+            <a:spLocks noGrp="1"/>
+          </p:cNvSpPr>
+          <p:nvPr>
+            <p:ph type="body" idx="1"/>
+          </p:nvPr>
+        </p:nvSpPr>
+        <p:spPr/>
+        <p:txBody>
+          <a:bodyPr/>
+          <a:lstStyle/>
+          <a:p>
+            <a:r>
+              <a:rPr lang="en-GB" dirty="0"/>
+              <a:t>Setting up the IDE and building the new application</a:t>
+            </a:r>
+          </a:p>
+        </p:txBody>
+      </p:sp>
+      <p:sp>
+        <p:nvSpPr>
+          <p:cNvPr id="8" name="Rectangle 7">
+            <a:extLst>
+              <a:ext uri="{FF2B5EF4-FFF2-40B4-BE49-F238E27FC236}">
+                <a16:creationId xmlns:a16="http://schemas.microsoft.com/office/drawing/2014/main" id="{477B15EF-9A38-4C2E-9D54-6403A0262A42}"/>
+              </a:ext>
+            </a:extLst>
+          </p:cNvPr>
+          <p:cNvSpPr/>
+          <p:nvPr/>
+        </p:nvSpPr>
+        <p:spPr>
+          <a:xfrm flipH="1">
+            <a:off x="771689" y="3720261"/>
+            <a:ext cx="45719" cy="1212685"/>
+          </a:xfrm>
+          <a:prstGeom prst="rect">
+            <a:avLst/>
+          </a:prstGeom>
+        </p:spPr>
+        <p:style>
+          <a:lnRef idx="2">
+            <a:schemeClr val="accent1">
+              <a:shade val="50000"/>
+            </a:schemeClr>
+          </a:lnRef>
+          <a:fillRef idx="1">
+            <a:schemeClr val="accent1"/>
+          </a:fillRef>
+          <a:effectRef idx="0">
+            <a:schemeClr val="accent1"/>
+          </a:effectRef>
+          <a:fontRef idx="minor">
+            <a:schemeClr val="lt1"/>
+          </a:fontRef>
+        </p:style>
+        <p:txBody>
+          <a:bodyPr rtlCol="0" anchor="ctr"/>
+          <a:lstStyle/>
+          <a:p>
+            <a:pPr algn="ctr"/>
+            <a:endParaRPr lang="en-GB"/>
+          </a:p>
+        </p:txBody>
+      </p:sp>
+    </p:spTree>
+    <p:extLst>
+      <p:ext uri="{BB962C8B-B14F-4D97-AF65-F5344CB8AC3E}">
+        <p14:creationId xmlns:p14="http://schemas.microsoft.com/office/powerpoint/2010/main" val="676483581"/>
+      </p:ext>
+    </p:extLst>
+  </p:cSld>
+  <p:clrMapOvr>
+    <a:masterClrMapping/>
+  </p:clrMapOvr>
+</p:sld>
+</file>
+
+<file path=ppt/slides/slide3.xml><?xml version="1.0" encoding="utf-8"?>
+<p:sld xmlns:a="http://schemas.openxmlformats.org/drawingml/2006/main" xmlns:r="http://schemas.openxmlformats.org/officeDocument/2006/relationships" xmlns:p="http://schemas.openxmlformats.org/presentationml/2006/main">
+  <p:cSld>
+    <p:spTree>
+      <p:nvGrpSpPr>
+        <p:cNvPr id="1" name=""/>
+        <p:cNvGrpSpPr/>
+        <p:nvPr/>
+      </p:nvGrpSpPr>
+      <p:grpSpPr>
+        <a:xfrm>
+          <a:off x="0" y="0"/>
+          <a:ext cx="0" cy="0"/>
+          <a:chOff x="0" y="0"/>
+          <a:chExt cx="0" cy="0"/>
+        </a:xfrm>
+      </p:grpSpPr>
+      <p:sp>
+        <p:nvSpPr>
+          <p:cNvPr id="2" name="Title 1">
+            <a:extLst>
+              <a:ext uri="{FF2B5EF4-FFF2-40B4-BE49-F238E27FC236}">
+                <a16:creationId xmlns:a16="http://schemas.microsoft.com/office/drawing/2014/main" id="{6B4F726C-2CD6-4414-AF28-E812D9AD4E20}"/>
+              </a:ext>
+            </a:extLst>
+          </p:cNvPr>
+          <p:cNvSpPr>
+            <a:spLocks noGrp="1"/>
+          </p:cNvSpPr>
+          <p:nvPr>
+            <p:ph type="title"/>
+          </p:nvPr>
+        </p:nvSpPr>
+        <p:spPr/>
+        <p:txBody>
+          <a:bodyPr/>
+          <a:lstStyle/>
+          <a:p>
+            <a:r>
+              <a:rPr lang="en-GB" dirty="0"/>
+              <a:t>Back to Business</a:t>
+            </a:r>
+          </a:p>
+        </p:txBody>
+      </p:sp>
+      <p:sp>
+        <p:nvSpPr>
+          <p:cNvPr id="3" name="Text Placeholder 2">
+            <a:extLst>
+              <a:ext uri="{FF2B5EF4-FFF2-40B4-BE49-F238E27FC236}">
+                <a16:creationId xmlns:a16="http://schemas.microsoft.com/office/drawing/2014/main" id="{A95F8EA9-DC57-4995-92E5-BFC8AF6AD36F}"/>
+              </a:ext>
+            </a:extLst>
+          </p:cNvPr>
+          <p:cNvSpPr>
+            <a:spLocks noGrp="1"/>
+          </p:cNvSpPr>
+          <p:nvPr>
+            <p:ph type="body" idx="1"/>
+          </p:nvPr>
+        </p:nvSpPr>
+        <p:spPr/>
+        <p:txBody>
+          <a:bodyPr/>
+          <a:lstStyle/>
+          <a:p>
+            <a:r>
+              <a:rPr lang="en-GB" dirty="0"/>
+              <a:t>A few slides, then code</a:t>
+            </a:r>
+          </a:p>
+        </p:txBody>
+      </p:sp>
+      <p:sp>
+        <p:nvSpPr>
+          <p:cNvPr id="5" name="Rectangle 4">
+            <a:extLst>
+              <a:ext uri="{FF2B5EF4-FFF2-40B4-BE49-F238E27FC236}">
+                <a16:creationId xmlns:a16="http://schemas.microsoft.com/office/drawing/2014/main" id="{78EB4085-118A-46CB-A86E-EF1288B2E1FB}"/>
+              </a:ext>
+            </a:extLst>
+          </p:cNvPr>
+          <p:cNvSpPr/>
+          <p:nvPr/>
+        </p:nvSpPr>
+        <p:spPr>
+          <a:xfrm flipH="1">
+            <a:off x="771689" y="3720261"/>
+            <a:ext cx="45719" cy="1212685"/>
+          </a:xfrm>
+          <a:prstGeom prst="rect">
+            <a:avLst/>
+          </a:prstGeom>
+        </p:spPr>
+        <p:style>
+          <a:lnRef idx="2">
+            <a:schemeClr val="accent1">
+              <a:shade val="50000"/>
+            </a:schemeClr>
+          </a:lnRef>
+          <a:fillRef idx="1">
+            <a:schemeClr val="accent1"/>
+          </a:fillRef>
+          <a:effectRef idx="0">
+            <a:schemeClr val="accent1"/>
+          </a:effectRef>
+          <a:fontRef idx="minor">
+            <a:schemeClr val="lt1"/>
+          </a:fontRef>
+        </p:style>
+        <p:txBody>
+          <a:bodyPr rtlCol="0" anchor="ctr"/>
+          <a:lstStyle/>
+          <a:p>
+            <a:pPr algn="ctr"/>
+            <a:endParaRPr lang="en-GB"/>
+          </a:p>
+        </p:txBody>
+      </p:sp>
+    </p:spTree>
+    <p:extLst>
+      <p:ext uri="{BB962C8B-B14F-4D97-AF65-F5344CB8AC3E}">
+        <p14:creationId xmlns:p14="http://schemas.microsoft.com/office/powerpoint/2010/main" val="888513782"/>
+      </p:ext>
+    </p:extLst>
+  </p:cSld>
+  <p:clrMapOvr>
+    <a:masterClrMapping/>
+  </p:clrMapOvr>
+</p:sld>
+</file>
+
+<file path=ppt/slides/slide4.xml><?xml version="1.0" encoding="utf-8"?>
+<p:sld xmlns:a="http://schemas.openxmlformats.org/drawingml/2006/main" xmlns:r="http://schemas.openxmlformats.org/officeDocument/2006/relationships" xmlns:p="http://schemas.openxmlformats.org/presentationml/2006/main">
+  <p:cSld>
+    <p:spTree>
+      <p:nvGrpSpPr>
+        <p:cNvPr id="1" name=""/>
+        <p:cNvGrpSpPr/>
+        <p:nvPr/>
+      </p:nvGrpSpPr>
+      <p:grpSpPr>
+        <a:xfrm>
+          <a:off x="0" y="0"/>
+          <a:ext cx="0" cy="0"/>
+          <a:chOff x="0" y="0"/>
+          <a:chExt cx="0" cy="0"/>
+        </a:xfrm>
+      </p:grpSpPr>
+      <p:sp>
+        <p:nvSpPr>
+          <p:cNvPr id="2" name="Title 1">
+            <a:extLst>
+              <a:ext uri="{FF2B5EF4-FFF2-40B4-BE49-F238E27FC236}">
+                <a16:creationId xmlns:a16="http://schemas.microsoft.com/office/drawing/2014/main" id="{DE510C55-6859-4FB2-B5ED-B02F061E3202}"/>
+              </a:ext>
+            </a:extLst>
+          </p:cNvPr>
+          <p:cNvSpPr>
+            <a:spLocks noGrp="1"/>
+          </p:cNvSpPr>
+          <p:nvPr>
+            <p:ph type="ctrTitle"/>
+          </p:nvPr>
+        </p:nvSpPr>
+        <p:spPr/>
+        <p:txBody>
+          <a:bodyPr>
+            <a:normAutofit/>
+          </a:bodyPr>
+          <a:lstStyle/>
+          <a:p>
+            <a:r>
+              <a:rPr lang="en-GB" dirty="0"/>
+              <a:t>Intro to Cross-Platform Mobile App Development</a:t>
+            </a:r>
+          </a:p>
+        </p:txBody>
+      </p:sp>
+      <p:sp>
+        <p:nvSpPr>
+          <p:cNvPr id="3" name="Subtitle 2">
+            <a:extLst>
+              <a:ext uri="{FF2B5EF4-FFF2-40B4-BE49-F238E27FC236}">
+                <a16:creationId xmlns:a16="http://schemas.microsoft.com/office/drawing/2014/main" id="{B445D119-ED5D-45AC-B8C6-AE982CC83A9B}"/>
+              </a:ext>
+            </a:extLst>
+          </p:cNvPr>
+          <p:cNvSpPr>
+            <a:spLocks noGrp="1"/>
+          </p:cNvSpPr>
+          <p:nvPr>
+            <p:ph type="subTitle" idx="1"/>
+          </p:nvPr>
+        </p:nvSpPr>
+        <p:spPr/>
+        <p:txBody>
+          <a:bodyPr/>
+          <a:lstStyle/>
+          <a:p>
+            <a:r>
+              <a:rPr lang="en-GB" dirty="0"/>
+              <a:t>Flutter + Firebase</a:t>
+            </a:r>
+          </a:p>
+        </p:txBody>
+      </p:sp>
+      <p:sp>
+        <p:nvSpPr>
+          <p:cNvPr id="4" name="Oval 3">
+            <a:extLst>
+              <a:ext uri="{FF2B5EF4-FFF2-40B4-BE49-F238E27FC236}">
+                <a16:creationId xmlns:a16="http://schemas.microsoft.com/office/drawing/2014/main" id="{C9CD77F3-22F0-42AA-AD8E-694C7E84E4EE}"/>
+              </a:ext>
+            </a:extLst>
+          </p:cNvPr>
+          <p:cNvSpPr/>
+          <p:nvPr/>
+        </p:nvSpPr>
+        <p:spPr>
+          <a:xfrm>
+            <a:off x="4932727" y="1602297"/>
+            <a:ext cx="4983060" cy="1191237"/>
+          </a:xfrm>
+          <a:prstGeom prst="ellipse">
+            <a:avLst/>
+          </a:prstGeom>
+          <a:noFill/>
+          <a:ln w="38100"/>
+        </p:spPr>
+        <p:style>
+          <a:lnRef idx="2">
+            <a:schemeClr val="accent1"/>
+          </a:lnRef>
+          <a:fillRef idx="1">
+            <a:schemeClr val="lt1"/>
+          </a:fillRef>
+          <a:effectRef idx="0">
+            <a:schemeClr val="accent1"/>
+          </a:effectRef>
+          <a:fontRef idx="minor">
+            <a:schemeClr val="dk1"/>
+          </a:fontRef>
+        </p:style>
+        <p:txBody>
+          <a:bodyPr rtlCol="0" anchor="ctr"/>
+          <a:lstStyle/>
+          <a:p>
+            <a:pPr algn="ctr"/>
+            <a:endParaRPr lang="en-GB"/>
+          </a:p>
+        </p:txBody>
+      </p:sp>
+      <p:sp>
+        <p:nvSpPr>
+          <p:cNvPr id="5" name="Oval 4">
+            <a:extLst>
+              <a:ext uri="{FF2B5EF4-FFF2-40B4-BE49-F238E27FC236}">
+                <a16:creationId xmlns:a16="http://schemas.microsoft.com/office/drawing/2014/main" id="{A2340848-9E3F-4FDF-8C41-4FF6CF17A742}"/>
+              </a:ext>
+            </a:extLst>
+          </p:cNvPr>
+          <p:cNvSpPr/>
+          <p:nvPr/>
+        </p:nvSpPr>
+        <p:spPr>
+          <a:xfrm>
+            <a:off x="4932727" y="3602038"/>
+            <a:ext cx="956345" cy="431306"/>
+          </a:xfrm>
+          <a:prstGeom prst="ellipse">
+            <a:avLst/>
+          </a:prstGeom>
+          <a:noFill/>
+          <a:ln w="38100"/>
+        </p:spPr>
+        <p:style>
+          <a:lnRef idx="2">
+            <a:schemeClr val="accent1"/>
+          </a:lnRef>
+          <a:fillRef idx="1">
+            <a:schemeClr val="lt1"/>
+          </a:fillRef>
+          <a:effectRef idx="0">
+            <a:schemeClr val="accent1"/>
+          </a:effectRef>
+          <a:fontRef idx="minor">
+            <a:schemeClr val="dk1"/>
+          </a:fontRef>
+        </p:style>
+        <p:txBody>
+          <a:bodyPr rtlCol="0" anchor="ctr"/>
+          <a:lstStyle/>
+          <a:p>
+            <a:pPr algn="ctr"/>
+            <a:endParaRPr lang="en-GB"/>
+          </a:p>
+        </p:txBody>
+      </p:sp>
+      <p:sp>
+        <p:nvSpPr>
+          <p:cNvPr id="6" name="Oval 5">
+            <a:extLst>
+              <a:ext uri="{FF2B5EF4-FFF2-40B4-BE49-F238E27FC236}">
+                <a16:creationId xmlns:a16="http://schemas.microsoft.com/office/drawing/2014/main" id="{3B37800D-5777-4744-8860-1AAFF1F0B255}"/>
+              </a:ext>
+            </a:extLst>
+          </p:cNvPr>
+          <p:cNvSpPr/>
+          <p:nvPr/>
+        </p:nvSpPr>
+        <p:spPr>
+          <a:xfrm>
+            <a:off x="6087611" y="3602038"/>
+            <a:ext cx="1177255" cy="431306"/>
+          </a:xfrm>
+          <a:prstGeom prst="ellipse">
+            <a:avLst/>
+          </a:prstGeom>
+          <a:noFill/>
+          <a:ln w="38100"/>
+        </p:spPr>
+        <p:style>
+          <a:lnRef idx="2">
+            <a:schemeClr val="accent1"/>
+          </a:lnRef>
+          <a:fillRef idx="1">
+            <a:schemeClr val="lt1"/>
+          </a:fillRef>
+          <a:effectRef idx="0">
+            <a:schemeClr val="accent1"/>
+          </a:effectRef>
+          <a:fontRef idx="minor">
+            <a:schemeClr val="dk1"/>
+          </a:fontRef>
+        </p:style>
+        <p:txBody>
+          <a:bodyPr rtlCol="0" anchor="ctr"/>
+          <a:lstStyle/>
+          <a:p>
+            <a:pPr algn="ctr"/>
+            <a:endParaRPr lang="en-GB"/>
+          </a:p>
+        </p:txBody>
+      </p:sp>
+    </p:spTree>
+    <p:extLst>
+      <p:ext uri="{BB962C8B-B14F-4D97-AF65-F5344CB8AC3E}">
+        <p14:creationId xmlns:p14="http://schemas.microsoft.com/office/powerpoint/2010/main" val="1856860477"/>
+      </p:ext>
+    </p:extLst>
+  </p:cSld>
+  <p:clrMapOvr>
+    <a:masterClrMapping/>
+  </p:clrMapOvr>
+  <p:timing>
+    <p:tnLst>
+      <p:par>
+        <p:cTn id="1" dur="indefinite" restart="never" nodeType="tmRoot">
+          <p:childTnLst>
+            <p:seq concurrent="1" nextAc="seek">
+              <p:cTn id="2" dur="indefinite" nodeType="mainSeq">
+                <p:childTnLst>
+                  <p:par>
+                    <p:cTn id="3" fill="hold">
+                      <p:stCondLst>
+                        <p:cond delay="indefinite"/>
+                      </p:stCondLst>
+                      <p:childTnLst>
+                        <p:par>
+                          <p:cTn id="4" fill="hold">
+                            <p:stCondLst>
+                              <p:cond delay="0"/>
+                            </p:stCondLst>
+                            <p:childTnLst>
+                              <p:par>
+                                <p:cTn id="5" presetID="1" presetClass="entr" presetSubtype="0" fill="hold" grpId="0" nodeType="clickEffect">
+                                  <p:stCondLst>
+                                    <p:cond delay="0"/>
+                                  </p:stCondLst>
+                                  <p:childTnLst>
+                                    <p:set>
+                                      <p:cBhvr>
+                                        <p:cTn id="6" dur="1" fill="hold">
+                                          <p:stCondLst>
+                                            <p:cond delay="0"/>
+                                          </p:stCondLst>
+                                        </p:cTn>
+                                        <p:tgtEl>
+                                          <p:spTgt spid="4"/>
+                                        </p:tgtEl>
+                                        <p:attrNameLst>
+                                          <p:attrName>style.visibility</p:attrName>
+                                        </p:attrNameLst>
+                                      </p:cBhvr>
+                                      <p:to>
+                                        <p:strVal val="visible"/>
+                                      </p:to>
+                                    </p:set>
+                                  </p:childTnLst>
+                                </p:cTn>
+                              </p:par>
+                            </p:childTnLst>
+                          </p:cTn>
+                        </p:par>
+                      </p:childTnLst>
+                    </p:cTn>
+                  </p:par>
+                  <p:par>
+                    <p:cTn id="7" fill="hold">
+                      <p:stCondLst>
+                        <p:cond delay="indefinite"/>
+                      </p:stCondLst>
+                      <p:childTnLst>
+                        <p:par>
+                          <p:cTn id="8" fill="hold">
+                            <p:stCondLst>
+                              <p:cond delay="0"/>
+                            </p:stCondLst>
+                            <p:childTnLst>
+                              <p:par>
+                                <p:cTn id="9" presetID="1" presetClass="entr" presetSubtype="0" fill="hold" grpId="0" nodeType="clickEffect">
+                                  <p:stCondLst>
+                                    <p:cond delay="0"/>
+                                  </p:stCondLst>
+                                  <p:childTnLst>
+                                    <p:set>
+                                      <p:cBhvr>
+                                        <p:cTn id="10" dur="1" fill="hold">
+                                          <p:stCondLst>
+                                            <p:cond delay="0"/>
+                                          </p:stCondLst>
+                                        </p:cTn>
+                                        <p:tgtEl>
+                                          <p:spTgt spid="5"/>
+                                        </p:tgtEl>
+                                        <p:attrNameLst>
+                                          <p:attrName>style.visibility</p:attrName>
+                                        </p:attrNameLst>
+                                      </p:cBhvr>
+                                      <p:to>
+                                        <p:strVal val="visible"/>
+                                      </p:to>
+                                    </p:set>
+                                  </p:childTnLst>
+                                </p:cTn>
+                              </p:par>
+                            </p:childTnLst>
+                          </p:cTn>
+                        </p:par>
+                      </p:childTnLst>
+                    </p:cTn>
+                  </p:par>
+                  <p:par>
+                    <p:cTn id="11" fill="hold">
+                      <p:stCondLst>
+                        <p:cond delay="indefinite"/>
+                      </p:stCondLst>
+                      <p:childTnLst>
+                        <p:par>
+                          <p:cTn id="12" fill="hold">
+                            <p:stCondLst>
+                              <p:cond delay="0"/>
+                            </p:stCondLst>
+                            <p:childTnLst>
+                              <p:par>
+                                <p:cTn id="13" presetID="1" presetClass="entr" presetSubtype="0" fill="hold" grpId="0" nodeType="clickEffect">
+                                  <p:stCondLst>
+                                    <p:cond delay="0"/>
+                                  </p:stCondLst>
+                                  <p:childTnLst>
+                                    <p:set>
+                                      <p:cBhvr>
+                                        <p:cTn id="14" dur="1" fill="hold">
+                                          <p:stCondLst>
+                                            <p:cond delay="0"/>
+                                          </p:stCondLst>
+                                        </p:cTn>
+                                        <p:tgtEl>
+                                          <p:spTgt spid="6"/>
+                                        </p:tgtEl>
+                                        <p:attrNameLst>
+                                          <p:attrName>style.visibility</p:attrName>
+                                        </p:attrNameLst>
+                                      </p:cBhvr>
+                                      <p:to>
+                                        <p:strVal val="visible"/>
+                                      </p:to>
+                                    </p:set>
+                                  </p:childTnLst>
+                                </p:cTn>
+                              </p:par>
+                            </p:childTnLst>
+                          </p:cTn>
+                        </p:par>
+                      </p:childTnLst>
+                    </p:cTn>
+                  </p:par>
+                </p:childTnLst>
+              </p:cTn>
+              <p:prevCondLst>
+                <p:cond evt="onPrev" delay="0">
+                  <p:tgtEl>
+                    <p:sldTgt/>
+                  </p:tgtEl>
+                </p:cond>
+              </p:prevCondLst>
+              <p:nextCondLst>
+                <p:cond evt="onNext" delay="0">
+                  <p:tgtEl>
+                    <p:sldTgt/>
+                  </p:tgtEl>
+                </p:cond>
+              </p:nextCondLst>
+            </p:seq>
+          </p:childTnLst>
+        </p:cTn>
+      </p:par>
+    </p:tnLst>
+    <p:bldLst>
+      <p:bldP spid="4" grpId="0" animBg="1"/>
+      <p:bldP spid="5" grpId="0" animBg="1"/>
+      <p:bldP spid="6" grpId="0" animBg="1"/>
+    </p:bldLst>
+  </p:timing>
+</p:sld>
+</file>
+
+<file path=ppt/slides/slide5.xml><?xml version="1.0" encoding="utf-8"?>
+<p:sld xmlns:a="http://schemas.openxmlformats.org/drawingml/2006/main" xmlns:r="http://schemas.openxmlformats.org/officeDocument/2006/relationships" xmlns:p="http://schemas.openxmlformats.org/presentationml/2006/main">
+  <p:cSld>
+    <p:spTree>
+      <p:nvGrpSpPr>
+        <p:cNvPr id="1" name=""/>
+        <p:cNvGrpSpPr/>
+        <p:nvPr/>
+      </p:nvGrpSpPr>
+      <p:grpSpPr>
+        <a:xfrm>
+          <a:off x="0" y="0"/>
+          <a:ext cx="0" cy="0"/>
+          <a:chOff x="0" y="0"/>
+          <a:chExt cx="0" cy="0"/>
+        </a:xfrm>
+      </p:grpSpPr>
+      <p:sp>
+        <p:nvSpPr>
+          <p:cNvPr id="2" name="Title 1">
+            <a:extLst>
+              <a:ext uri="{FF2B5EF4-FFF2-40B4-BE49-F238E27FC236}">
+                <a16:creationId xmlns:a16="http://schemas.microsoft.com/office/drawing/2014/main" id="{070F05D2-7593-4C95-9C17-CFB424ACA10B}"/>
+              </a:ext>
+            </a:extLst>
+          </p:cNvPr>
+          <p:cNvSpPr>
+            <a:spLocks noGrp="1"/>
+          </p:cNvSpPr>
+          <p:nvPr>
+            <p:ph type="title"/>
+          </p:nvPr>
+        </p:nvSpPr>
+        <p:spPr/>
+        <p:txBody>
+          <a:bodyPr/>
+          <a:lstStyle/>
+          <a:p>
+            <a:r>
+              <a:rPr lang="en-GB" dirty="0"/>
+              <a:t>Flutter?</a:t>
+            </a:r>
+          </a:p>
+        </p:txBody>
+      </p:sp>
+      <p:sp>
+        <p:nvSpPr>
+          <p:cNvPr id="3" name="Content Placeholder 2">
+            <a:extLst>
+              <a:ext uri="{FF2B5EF4-FFF2-40B4-BE49-F238E27FC236}">
+                <a16:creationId xmlns:a16="http://schemas.microsoft.com/office/drawing/2014/main" id="{089E3D8E-5A9E-40FA-A05A-ED31557FD1DD}"/>
+              </a:ext>
+            </a:extLst>
+          </p:cNvPr>
+          <p:cNvSpPr>
+            <a:spLocks noGrp="1"/>
+          </p:cNvSpPr>
+          <p:nvPr>
+            <p:ph idx="1"/>
+          </p:nvPr>
+        </p:nvSpPr>
+        <p:spPr/>
+        <p:txBody>
+          <a:bodyPr/>
+          <a:lstStyle/>
+          <a:p>
+            <a:r>
+              <a:rPr lang="en-GB" dirty="0"/>
+              <a:t>Built on top of Dart</a:t>
+            </a:r>
+          </a:p>
+          <a:p>
+            <a:r>
+              <a:rPr lang="en-GB" dirty="0"/>
+              <a:t>Rich UI components</a:t>
+            </a:r>
+          </a:p>
+          <a:p>
+            <a:r>
+              <a:rPr lang="en-GB" dirty="0"/>
+              <a:t>Fast Development </a:t>
+            </a:r>
+          </a:p>
+          <a:p>
+            <a:r>
+              <a:rPr lang="en-GB" dirty="0"/>
+              <a:t>Native Performance</a:t>
+            </a:r>
+          </a:p>
+          <a:p>
+            <a:r>
+              <a:rPr lang="en-GB" dirty="0"/>
+              <a:t>Code. Build. Deploy.</a:t>
+            </a:r>
+          </a:p>
+        </p:txBody>
+      </p:sp>
+      <p:grpSp>
+        <p:nvGrpSpPr>
+          <p:cNvPr id="9" name="Group 8">
+            <a:extLst>
+              <a:ext uri="{FF2B5EF4-FFF2-40B4-BE49-F238E27FC236}">
+                <a16:creationId xmlns:a16="http://schemas.microsoft.com/office/drawing/2014/main" id="{565EBB0E-7804-4A0D-83D9-78A5A97424A5}"/>
+              </a:ext>
+            </a:extLst>
+          </p:cNvPr>
+          <p:cNvGrpSpPr/>
+          <p:nvPr/>
+        </p:nvGrpSpPr>
+        <p:grpSpPr>
+          <a:xfrm>
+            <a:off x="4307305" y="3026604"/>
+            <a:ext cx="7046495" cy="1071607"/>
+            <a:chOff x="4892842" y="1560929"/>
+            <a:chExt cx="5285874" cy="1325563"/>
+          </a:xfrm>
+        </p:grpSpPr>
+        <p:sp>
+          <p:nvSpPr>
+            <p:cNvPr id="10" name="Arrow: Pentagon 9">
+              <a:extLst>
+                <a:ext uri="{FF2B5EF4-FFF2-40B4-BE49-F238E27FC236}">
+                  <a16:creationId xmlns:a16="http://schemas.microsoft.com/office/drawing/2014/main" id="{7BDE1461-696F-4D92-87F4-9CF1E4437581}"/>
+                </a:ext>
+              </a:extLst>
+            </p:cNvPr>
+            <p:cNvSpPr/>
+            <p:nvPr/>
+          </p:nvSpPr>
+          <p:spPr>
+            <a:xfrm rot="10800000">
+              <a:off x="4892842" y="1560929"/>
+              <a:ext cx="5285874" cy="1325563"/>
+            </a:xfrm>
+            <a:prstGeom prst="homePlate">
+              <a:avLst/>
+            </a:prstGeom>
+          </p:spPr>
+          <p:style>
+            <a:lnRef idx="2">
+              <a:schemeClr val="accent1">
+                <a:shade val="50000"/>
+              </a:schemeClr>
+            </a:lnRef>
+            <a:fillRef idx="1">
+              <a:schemeClr val="accent1"/>
+            </a:fillRef>
+            <a:effectRef idx="0">
+              <a:schemeClr val="accent1"/>
+            </a:effectRef>
+            <a:fontRef idx="minor">
+              <a:schemeClr val="lt1"/>
+            </a:fontRef>
+          </p:style>
+          <p:txBody>
+            <a:bodyPr rtlCol="0" anchor="ctr"/>
+            <a:lstStyle/>
+            <a:p>
+              <a:pPr algn="ctr"/>
+              <a:endParaRPr lang="en-GB"/>
+            </a:p>
+          </p:txBody>
+        </p:sp>
+        <p:sp>
+          <p:nvSpPr>
+            <p:cNvPr id="11" name="TextBox 10">
+              <a:extLst>
+                <a:ext uri="{FF2B5EF4-FFF2-40B4-BE49-F238E27FC236}">
+                  <a16:creationId xmlns:a16="http://schemas.microsoft.com/office/drawing/2014/main" id="{73AAFF9A-A5F2-42CB-9600-4F98FF061743}"/>
+                </a:ext>
+              </a:extLst>
+            </p:cNvPr>
+            <p:cNvSpPr txBox="1"/>
+            <p:nvPr/>
+          </p:nvSpPr>
+          <p:spPr>
+            <a:xfrm>
+              <a:off x="5434366" y="1622818"/>
+              <a:ext cx="4660129" cy="708270"/>
+            </a:xfrm>
+            <a:prstGeom prst="rect">
+              <a:avLst/>
+            </a:prstGeom>
+            <a:noFill/>
+          </p:spPr>
+          <p:txBody>
+            <a:bodyPr wrap="square" rtlCol="0">
+              <a:spAutoFit/>
+            </a:bodyPr>
+            <a:lstStyle/>
+            <a:p>
+              <a:r>
+                <a:rPr lang="en-GB" sz="1600" dirty="0">
+                  <a:solidFill>
+                    <a:schemeClr val="bg1"/>
+                  </a:solidFill>
+                </a:rPr>
+                <a:t>Compilers for many processors / architectures</a:t>
+              </a:r>
+            </a:p>
+            <a:p>
+              <a:r>
+                <a:rPr lang="en-GB" sz="1600" dirty="0">
+                  <a:solidFill>
+                    <a:schemeClr val="bg1"/>
+                  </a:solidFill>
+                </a:rPr>
+                <a:t>Cross-compiles to JavaScript for web</a:t>
+              </a:r>
+            </a:p>
+            <a:p>
+              <a:r>
+                <a:rPr lang="en-GB" sz="1600" dirty="0">
+                  <a:solidFill>
+                    <a:schemeClr val="bg1"/>
+                  </a:solidFill>
+                </a:rPr>
+                <a:t>VM for the rest</a:t>
+              </a:r>
+            </a:p>
+          </p:txBody>
+        </p:sp>
+      </p:grpSp>
+      <p:grpSp>
+        <p:nvGrpSpPr>
+          <p:cNvPr id="12" name="Group 11">
+            <a:extLst>
+              <a:ext uri="{FF2B5EF4-FFF2-40B4-BE49-F238E27FC236}">
+                <a16:creationId xmlns:a16="http://schemas.microsoft.com/office/drawing/2014/main" id="{6714F151-37FD-475F-A984-2F4C217EFAD8}"/>
+              </a:ext>
+            </a:extLst>
+          </p:cNvPr>
+          <p:cNvGrpSpPr/>
+          <p:nvPr/>
+        </p:nvGrpSpPr>
+        <p:grpSpPr>
+          <a:xfrm>
+            <a:off x="4307305" y="2549102"/>
+            <a:ext cx="7046495" cy="1071607"/>
+            <a:chOff x="4892842" y="1560929"/>
+            <a:chExt cx="5285874" cy="1325563"/>
+          </a:xfrm>
+        </p:grpSpPr>
+        <p:sp>
+          <p:nvSpPr>
+            <p:cNvPr id="13" name="Arrow: Pentagon 12">
+              <a:extLst>
+                <a:ext uri="{FF2B5EF4-FFF2-40B4-BE49-F238E27FC236}">
+                  <a16:creationId xmlns:a16="http://schemas.microsoft.com/office/drawing/2014/main" id="{324C79F9-8528-483B-AF1A-563E7C5E80E9}"/>
+                </a:ext>
+              </a:extLst>
+            </p:cNvPr>
+            <p:cNvSpPr/>
+            <p:nvPr/>
+          </p:nvSpPr>
+          <p:spPr>
+            <a:xfrm rot="10800000">
+              <a:off x="4892842" y="1560929"/>
+              <a:ext cx="5285874" cy="1325563"/>
+            </a:xfrm>
+            <a:prstGeom prst="homePlate">
+              <a:avLst/>
+            </a:prstGeom>
+          </p:spPr>
+          <p:style>
+            <a:lnRef idx="2">
+              <a:schemeClr val="accent1">
+                <a:shade val="50000"/>
+              </a:schemeClr>
+            </a:lnRef>
+            <a:fillRef idx="1">
+              <a:schemeClr val="accent1"/>
+            </a:fillRef>
+            <a:effectRef idx="0">
+              <a:schemeClr val="accent1"/>
+            </a:effectRef>
+            <a:fontRef idx="minor">
+              <a:schemeClr val="lt1"/>
+            </a:fontRef>
+          </p:style>
+          <p:txBody>
+            <a:bodyPr rtlCol="0" anchor="ctr"/>
+            <a:lstStyle/>
+            <a:p>
+              <a:pPr algn="ctr"/>
+              <a:endParaRPr lang="en-GB"/>
+            </a:p>
+          </p:txBody>
+        </p:sp>
+        <p:sp>
+          <p:nvSpPr>
+            <p:cNvPr id="14" name="TextBox 13">
+              <a:extLst>
+                <a:ext uri="{FF2B5EF4-FFF2-40B4-BE49-F238E27FC236}">
+                  <a16:creationId xmlns:a16="http://schemas.microsoft.com/office/drawing/2014/main" id="{6991AD50-5A86-4EAB-ABDD-1239F4CB5254}"/>
+                </a:ext>
+              </a:extLst>
+            </p:cNvPr>
+            <p:cNvSpPr txBox="1"/>
+            <p:nvPr/>
+          </p:nvSpPr>
+          <p:spPr>
+            <a:xfrm>
+              <a:off x="5434366" y="1622818"/>
+              <a:ext cx="4660129" cy="1027932"/>
+            </a:xfrm>
+            <a:prstGeom prst="rect">
+              <a:avLst/>
+            </a:prstGeom>
+            <a:noFill/>
+          </p:spPr>
+          <p:txBody>
+            <a:bodyPr wrap="square" rtlCol="0">
+              <a:spAutoFit/>
+            </a:bodyPr>
+            <a:lstStyle/>
+            <a:p>
+              <a:r>
+                <a:rPr lang="en-GB" sz="1600" dirty="0">
+                  <a:solidFill>
+                    <a:schemeClr val="bg1"/>
+                  </a:solidFill>
+                </a:rPr>
+                <a:t>Declarative UI definitions</a:t>
+              </a:r>
+            </a:p>
+            <a:p>
+              <a:r>
+                <a:rPr lang="en-GB" sz="1600" dirty="0">
+                  <a:solidFill>
+                    <a:schemeClr val="bg1"/>
+                  </a:solidFill>
+                </a:rPr>
+                <a:t>Multiple editors supported (VS Code for today)</a:t>
+              </a:r>
+            </a:p>
+            <a:p>
+              <a:r>
+                <a:rPr lang="en-GB" sz="1600" dirty="0">
+                  <a:solidFill>
+                    <a:schemeClr val="bg1"/>
+                  </a:solidFill>
+                </a:rPr>
+                <a:t>Hot  Reload/Restart when debugging</a:t>
+              </a:r>
+            </a:p>
+          </p:txBody>
+        </p:sp>
+      </p:grpSp>
+      <p:grpSp>
+        <p:nvGrpSpPr>
+          <p:cNvPr id="15" name="Group 14">
+            <a:extLst>
+              <a:ext uri="{FF2B5EF4-FFF2-40B4-BE49-F238E27FC236}">
+                <a16:creationId xmlns:a16="http://schemas.microsoft.com/office/drawing/2014/main" id="{3A3A4541-3EB1-49DF-BEDC-C020564E4F68}"/>
+              </a:ext>
+            </a:extLst>
+          </p:cNvPr>
+          <p:cNvGrpSpPr/>
+          <p:nvPr/>
+        </p:nvGrpSpPr>
+        <p:grpSpPr>
+          <a:xfrm>
+            <a:off x="4307305" y="2066886"/>
+            <a:ext cx="7046495" cy="1071607"/>
+            <a:chOff x="4892842" y="1560929"/>
+            <a:chExt cx="5285874" cy="1325563"/>
+          </a:xfrm>
+        </p:grpSpPr>
+        <p:sp>
+          <p:nvSpPr>
+            <p:cNvPr id="16" name="Arrow: Pentagon 15">
+              <a:extLst>
+                <a:ext uri="{FF2B5EF4-FFF2-40B4-BE49-F238E27FC236}">
+                  <a16:creationId xmlns:a16="http://schemas.microsoft.com/office/drawing/2014/main" id="{D93893F0-6FD4-4969-9987-C714EF01AE3E}"/>
+                </a:ext>
+              </a:extLst>
+            </p:cNvPr>
+            <p:cNvSpPr/>
+            <p:nvPr/>
+          </p:nvSpPr>
+          <p:spPr>
+            <a:xfrm rot="10800000">
+              <a:off x="4892842" y="1560929"/>
+              <a:ext cx="5285874" cy="1325563"/>
+            </a:xfrm>
+            <a:prstGeom prst="homePlate">
+              <a:avLst/>
+            </a:prstGeom>
+          </p:spPr>
+          <p:style>
+            <a:lnRef idx="2">
+              <a:schemeClr val="accent1">
+                <a:shade val="50000"/>
+              </a:schemeClr>
+            </a:lnRef>
+            <a:fillRef idx="1">
+              <a:schemeClr val="accent1"/>
+            </a:fillRef>
+            <a:effectRef idx="0">
+              <a:schemeClr val="accent1"/>
+            </a:effectRef>
+            <a:fontRef idx="minor">
+              <a:schemeClr val="lt1"/>
+            </a:fontRef>
+          </p:style>
+          <p:txBody>
+            <a:bodyPr rtlCol="0" anchor="ctr"/>
+            <a:lstStyle/>
+            <a:p>
+              <a:pPr algn="ctr"/>
+              <a:endParaRPr lang="en-GB"/>
+            </a:p>
+          </p:txBody>
+        </p:sp>
+        <p:sp>
+          <p:nvSpPr>
+            <p:cNvPr id="17" name="TextBox 16">
+              <a:extLst>
+                <a:ext uri="{FF2B5EF4-FFF2-40B4-BE49-F238E27FC236}">
+                  <a16:creationId xmlns:a16="http://schemas.microsoft.com/office/drawing/2014/main" id="{50B1E876-2AC2-4AEB-9EB4-B4E45621EB43}"/>
+                </a:ext>
+              </a:extLst>
+            </p:cNvPr>
+            <p:cNvSpPr txBox="1"/>
+            <p:nvPr/>
+          </p:nvSpPr>
+          <p:spPr>
+            <a:xfrm>
+              <a:off x="5434366" y="1622818"/>
+              <a:ext cx="4660129" cy="1027932"/>
+            </a:xfrm>
+            <a:prstGeom prst="rect">
+              <a:avLst/>
+            </a:prstGeom>
+            <a:noFill/>
+          </p:spPr>
+          <p:txBody>
+            <a:bodyPr wrap="square" rtlCol="0">
+              <a:spAutoFit/>
+            </a:bodyPr>
+            <a:lstStyle/>
+            <a:p>
+              <a:r>
+                <a:rPr lang="en-GB" sz="1600" dirty="0">
+                  <a:solidFill>
+                    <a:schemeClr val="bg1"/>
+                  </a:solidFill>
+                </a:rPr>
+                <a:t>Complete with 100s of components designed for mobile</a:t>
+              </a:r>
+            </a:p>
+            <a:p>
+              <a:r>
+                <a:rPr lang="en-GB" sz="1600" dirty="0">
+                  <a:solidFill>
+                    <a:schemeClr val="bg1"/>
+                  </a:solidFill>
+                </a:rPr>
+                <a:t>Package store to get 1000s of packages to extend</a:t>
+              </a:r>
+            </a:p>
+            <a:p>
+              <a:r>
+                <a:rPr lang="en-GB" sz="1600" dirty="0">
+                  <a:solidFill>
+                    <a:schemeClr val="bg1"/>
+                  </a:solidFill>
+                </a:rPr>
+                <a:t>iOS, Material “Widgets” on top of generic ones</a:t>
+              </a:r>
+            </a:p>
+          </p:txBody>
+        </p:sp>
+      </p:grpSp>
+      <p:grpSp>
+        <p:nvGrpSpPr>
+          <p:cNvPr id="8" name="Group 7">
+            <a:extLst>
+              <a:ext uri="{FF2B5EF4-FFF2-40B4-BE49-F238E27FC236}">
+                <a16:creationId xmlns:a16="http://schemas.microsoft.com/office/drawing/2014/main" id="{5D389651-15EB-4ECB-8022-6B762DE93FF1}"/>
+              </a:ext>
+            </a:extLst>
+          </p:cNvPr>
+          <p:cNvGrpSpPr/>
+          <p:nvPr/>
+        </p:nvGrpSpPr>
+        <p:grpSpPr>
+          <a:xfrm>
+            <a:off x="4307305" y="1308259"/>
+            <a:ext cx="7046495" cy="1555253"/>
+            <a:chOff x="4892842" y="1560929"/>
+            <a:chExt cx="5285874" cy="1325563"/>
+          </a:xfrm>
+        </p:grpSpPr>
+        <p:sp>
+          <p:nvSpPr>
+            <p:cNvPr id="6" name="Arrow: Pentagon 5">
+              <a:extLst>
+                <a:ext uri="{FF2B5EF4-FFF2-40B4-BE49-F238E27FC236}">
+                  <a16:creationId xmlns:a16="http://schemas.microsoft.com/office/drawing/2014/main" id="{D1A7A465-2253-446C-A187-A2E7C496E6A0}"/>
+                </a:ext>
+              </a:extLst>
+            </p:cNvPr>
+            <p:cNvSpPr/>
+            <p:nvPr/>
+          </p:nvSpPr>
+          <p:spPr>
+            <a:xfrm rot="10800000">
+              <a:off x="4892842" y="1560929"/>
+              <a:ext cx="5285874" cy="1325563"/>
+            </a:xfrm>
+            <a:prstGeom prst="homePlate">
+              <a:avLst/>
+            </a:prstGeom>
+          </p:spPr>
+          <p:style>
+            <a:lnRef idx="2">
+              <a:schemeClr val="accent1">
+                <a:shade val="50000"/>
+              </a:schemeClr>
+            </a:lnRef>
+            <a:fillRef idx="1">
+              <a:schemeClr val="accent1"/>
+            </a:fillRef>
+            <a:effectRef idx="0">
+              <a:schemeClr val="accent1"/>
+            </a:effectRef>
+            <a:fontRef idx="minor">
+              <a:schemeClr val="lt1"/>
+            </a:fontRef>
+          </p:style>
+          <p:txBody>
+            <a:bodyPr rtlCol="0" anchor="ctr"/>
+            <a:lstStyle/>
+            <a:p>
+              <a:pPr algn="ctr"/>
+              <a:endParaRPr lang="en-GB"/>
+            </a:p>
+          </p:txBody>
+        </p:sp>
+        <p:sp>
+          <p:nvSpPr>
+            <p:cNvPr id="7" name="TextBox 6">
+              <a:extLst>
+                <a:ext uri="{FF2B5EF4-FFF2-40B4-BE49-F238E27FC236}">
+                  <a16:creationId xmlns:a16="http://schemas.microsoft.com/office/drawing/2014/main" id="{48EF79B7-8ACD-4BA5-A299-20428530D99E}"/>
+                </a:ext>
+              </a:extLst>
+            </p:cNvPr>
+            <p:cNvSpPr txBox="1"/>
+            <p:nvPr/>
+          </p:nvSpPr>
+          <p:spPr>
+            <a:xfrm>
+              <a:off x="5434366" y="1622818"/>
+              <a:ext cx="4660129" cy="1023056"/>
+            </a:xfrm>
+            <a:prstGeom prst="rect">
+              <a:avLst/>
+            </a:prstGeom>
+            <a:noFill/>
+          </p:spPr>
+          <p:txBody>
+            <a:bodyPr wrap="square" rtlCol="0">
+              <a:spAutoFit/>
+            </a:bodyPr>
+            <a:lstStyle/>
+            <a:p>
+              <a:r>
+                <a:rPr lang="en-GB" sz="1400" dirty="0">
+                  <a:solidFill>
+                    <a:schemeClr val="bg1"/>
+                  </a:solidFill>
+                </a:rPr>
+                <a:t>Cross-platform (compiles for iOS, Android, Windows, Web and more)</a:t>
+              </a:r>
+            </a:p>
+            <a:p>
+              <a:r>
+                <a:rPr lang="en-GB" sz="1400" dirty="0">
+                  <a:solidFill>
+                    <a:schemeClr val="bg1"/>
+                  </a:solidFill>
+                </a:rPr>
+                <a:t>“Strongly typed” but not really</a:t>
+              </a:r>
+            </a:p>
+            <a:p>
+              <a:r>
+                <a:rPr lang="en-GB" sz="1400" dirty="0">
+                  <a:solidFill>
+                    <a:schemeClr val="bg1"/>
+                  </a:solidFill>
+                </a:rPr>
+                <a:t>OOP, but also allows heavily imperative patterns, top-level functions, etc</a:t>
+              </a:r>
+            </a:p>
+            <a:p>
+              <a:r>
+                <a:rPr lang="en-GB" sz="1400" dirty="0" err="1">
+                  <a:solidFill>
+                    <a:schemeClr val="bg1"/>
+                  </a:solidFill>
+                </a:rPr>
+                <a:t>Mixins</a:t>
+              </a:r>
+              <a:r>
+                <a:rPr lang="en-GB" sz="1400" dirty="0">
+                  <a:solidFill>
+                    <a:schemeClr val="bg1"/>
+                  </a:solidFill>
+                </a:rPr>
+                <a:t> to allow re-usable code on top of inheritance/composition</a:t>
+              </a:r>
+            </a:p>
+            <a:p>
+              <a:r>
+                <a:rPr lang="en-GB" sz="1400" dirty="0">
+                  <a:solidFill>
+                    <a:schemeClr val="bg1"/>
+                  </a:solidFill>
+                </a:rPr>
+                <a:t>All the usual modern stuff: async/await, streams, futures(promises), generics</a:t>
+              </a:r>
+              <a:endParaRPr lang="en-GB" sz="1600" dirty="0">
+                <a:solidFill>
+                  <a:schemeClr val="bg1"/>
+                </a:solidFill>
+              </a:endParaRPr>
+            </a:p>
+          </p:txBody>
+        </p:sp>
+      </p:grpSp>
+      <p:grpSp>
+        <p:nvGrpSpPr>
+          <p:cNvPr id="18" name="Group 17">
+            <a:extLst>
+              <a:ext uri="{FF2B5EF4-FFF2-40B4-BE49-F238E27FC236}">
+                <a16:creationId xmlns:a16="http://schemas.microsoft.com/office/drawing/2014/main" id="{5962E469-F6DE-4847-927B-2E6585E5A08E}"/>
+              </a:ext>
+            </a:extLst>
+          </p:cNvPr>
+          <p:cNvGrpSpPr/>
+          <p:nvPr/>
+        </p:nvGrpSpPr>
+        <p:grpSpPr>
+          <a:xfrm>
+            <a:off x="4307305" y="3793931"/>
+            <a:ext cx="7046495" cy="683063"/>
+            <a:chOff x="4892842" y="1560929"/>
+            <a:chExt cx="5285874" cy="1325563"/>
+          </a:xfrm>
+        </p:grpSpPr>
+        <p:sp>
+          <p:nvSpPr>
+            <p:cNvPr id="19" name="Arrow: Pentagon 18">
+              <a:extLst>
+                <a:ext uri="{FF2B5EF4-FFF2-40B4-BE49-F238E27FC236}">
+                  <a16:creationId xmlns:a16="http://schemas.microsoft.com/office/drawing/2014/main" id="{17B78B26-1799-436E-9801-4EDDFCEC5229}"/>
+                </a:ext>
+              </a:extLst>
+            </p:cNvPr>
+            <p:cNvSpPr/>
+            <p:nvPr/>
+          </p:nvSpPr>
+          <p:spPr>
+            <a:xfrm rot="10800000">
+              <a:off x="4892842" y="1560929"/>
+              <a:ext cx="5285874" cy="1325563"/>
+            </a:xfrm>
+            <a:prstGeom prst="homePlate">
+              <a:avLst/>
+            </a:prstGeom>
+          </p:spPr>
+          <p:style>
+            <a:lnRef idx="2">
+              <a:schemeClr val="accent1">
+                <a:shade val="50000"/>
+              </a:schemeClr>
+            </a:lnRef>
+            <a:fillRef idx="1">
+              <a:schemeClr val="accent1"/>
+            </a:fillRef>
+            <a:effectRef idx="0">
+              <a:schemeClr val="accent1"/>
+            </a:effectRef>
+            <a:fontRef idx="minor">
+              <a:schemeClr val="lt1"/>
+            </a:fontRef>
+          </p:style>
+          <p:txBody>
+            <a:bodyPr rtlCol="0" anchor="ctr"/>
+            <a:lstStyle/>
+            <a:p>
+              <a:pPr algn="ctr"/>
+              <a:endParaRPr lang="en-GB"/>
+            </a:p>
+          </p:txBody>
+        </p:sp>
+        <p:sp>
+          <p:nvSpPr>
+            <p:cNvPr id="20" name="TextBox 19">
+              <a:extLst>
+                <a:ext uri="{FF2B5EF4-FFF2-40B4-BE49-F238E27FC236}">
+                  <a16:creationId xmlns:a16="http://schemas.microsoft.com/office/drawing/2014/main" id="{67DAA949-CE99-4A8A-9FAC-7C3A5706B35E}"/>
+                </a:ext>
+              </a:extLst>
+            </p:cNvPr>
+            <p:cNvSpPr txBox="1"/>
+            <p:nvPr/>
+          </p:nvSpPr>
+          <p:spPr>
+            <a:xfrm>
+              <a:off x="5434366" y="1622818"/>
+              <a:ext cx="4660129" cy="723359"/>
+            </a:xfrm>
+            <a:prstGeom prst="rect">
+              <a:avLst/>
+            </a:prstGeom>
+            <a:noFill/>
+          </p:spPr>
+          <p:txBody>
+            <a:bodyPr wrap="square" rtlCol="0">
+              <a:spAutoFit/>
+            </a:bodyPr>
+            <a:lstStyle/>
+            <a:p>
+              <a:r>
+                <a:rPr lang="en-GB" sz="1600" dirty="0">
+                  <a:solidFill>
+                    <a:schemeClr val="bg1"/>
+                  </a:solidFill>
+                </a:rPr>
+                <a:t>flutter build </a:t>
+              </a:r>
+              <a:r>
+                <a:rPr lang="en-GB" sz="1600" dirty="0" err="1">
+                  <a:solidFill>
+                    <a:schemeClr val="bg1"/>
+                  </a:solidFill>
+                </a:rPr>
+                <a:t>apk</a:t>
+              </a:r>
+              <a:endParaRPr lang="en-GB" sz="1600" dirty="0">
+                <a:solidFill>
+                  <a:schemeClr val="bg1"/>
+                </a:solidFill>
+              </a:endParaRPr>
+            </a:p>
+            <a:p>
+              <a:r>
+                <a:rPr lang="en-GB" sz="1600" dirty="0">
+                  <a:solidFill>
+                    <a:schemeClr val="bg1"/>
+                  </a:solidFill>
+                </a:rPr>
+                <a:t>flutter build </a:t>
+              </a:r>
+              <a:r>
+                <a:rPr lang="en-GB" sz="1600" dirty="0" err="1">
+                  <a:solidFill>
+                    <a:schemeClr val="bg1"/>
+                  </a:solidFill>
+                </a:rPr>
+                <a:t>ios</a:t>
+              </a:r>
+              <a:endParaRPr lang="en-GB" sz="1600" dirty="0">
+                <a:solidFill>
+                  <a:schemeClr val="bg1"/>
+                </a:solidFill>
+              </a:endParaRPr>
+            </a:p>
+          </p:txBody>
+        </p:sp>
+      </p:grpSp>
+    </p:spTree>
+    <p:extLst>
+      <p:ext uri="{BB962C8B-B14F-4D97-AF65-F5344CB8AC3E}">
+        <p14:creationId xmlns:p14="http://schemas.microsoft.com/office/powerpoint/2010/main" val="1705556926"/>
+      </p:ext>
+    </p:extLst>
+  </p:cSld>
+  <p:clrMapOvr>
+    <a:masterClrMapping/>
+  </p:clrMapOvr>
+  <p:timing>
+    <p:tnLst>
+      <p:par>
+        <p:cTn id="1" dur="indefinite" restart="never" nodeType="tmRoot">
+          <p:childTnLst>
+            <p:seq concurrent="1" nextAc="seek">
+              <p:cTn id="2" dur="indefinite" nodeType="mainSeq">
+                <p:childTnLst>
+                  <p:par>
+                    <p:cTn id="3" fill="hold">
+                      <p:stCondLst>
+                        <p:cond delay="indefinite"/>
+                      </p:stCondLst>
+                      <p:childTnLst>
+                        <p:par>
+                          <p:cTn id="4" fill="hold">
+                            <p:stCondLst>
+                              <p:cond delay="0"/>
+                            </p:stCondLst>
+                            <p:childTnLst>
+                              <p:par>
+                                <p:cTn id="5" presetID="10" presetClass="entr" presetSubtype="0" fill="hold" nodeType="clickEffect">
+                                  <p:stCondLst>
+                                    <p:cond delay="0"/>
+                                  </p:stCondLst>
+                                  <p:childTnLst>
+                                    <p:set>
+                                      <p:cBhvr>
+                                        <p:cTn id="6" dur="1" fill="hold">
+                                          <p:stCondLst>
+                                            <p:cond delay="0"/>
+                                          </p:stCondLst>
+                                        </p:cTn>
+                                        <p:tgtEl>
+                                          <p:spTgt spid="8"/>
+                                        </p:tgtEl>
+                                        <p:attrNameLst>
+                                          <p:attrName>style.visibility</p:attrName>
+                                        </p:attrNameLst>
+                                      </p:cBhvr>
+                                      <p:to>
+                                        <p:strVal val="visible"/>
+                                      </p:to>
+                                    </p:set>
+                                    <p:animEffect transition="in" filter="fade">
+                                      <p:cBhvr>
+                                        <p:cTn id="7" dur="500"/>
+                                        <p:tgtEl>
+                                          <p:spTgt spid="8"/>
+                                        </p:tgtEl>
+                                      </p:cBhvr>
+                                    </p:animEffect>
+                                  </p:childTnLst>
+                                </p:cTn>
+                              </p:par>
+                            </p:childTnLst>
+                          </p:cTn>
+                        </p:par>
+                      </p:childTnLst>
+                    </p:cTn>
+                  </p:par>
+                  <p:par>
+                    <p:cTn id="8" fill="hold">
+                      <p:stCondLst>
+                        <p:cond delay="indefinite"/>
+                      </p:stCondLst>
+                      <p:childTnLst>
+                        <p:par>
+                          <p:cTn id="9" fill="hold">
+                            <p:stCondLst>
+                              <p:cond delay="0"/>
+                            </p:stCondLst>
+                            <p:childTnLst>
+                              <p:par>
+                                <p:cTn id="10" presetID="10" presetClass="entr" presetSubtype="0" fill="hold" nodeType="clickEffect">
+                                  <p:stCondLst>
+                                    <p:cond delay="0"/>
+                                  </p:stCondLst>
+                                  <p:childTnLst>
+                                    <p:set>
+                                      <p:cBhvr>
+                                        <p:cTn id="11" dur="1" fill="hold">
+                                          <p:stCondLst>
+                                            <p:cond delay="0"/>
+                                          </p:stCondLst>
+                                        </p:cTn>
+                                        <p:tgtEl>
+                                          <p:spTgt spid="15"/>
+                                        </p:tgtEl>
+                                        <p:attrNameLst>
+                                          <p:attrName>style.visibility</p:attrName>
+                                        </p:attrNameLst>
+                                      </p:cBhvr>
+                                      <p:to>
+                                        <p:strVal val="visible"/>
+                                      </p:to>
+                                    </p:set>
+                                    <p:animEffect transition="in" filter="fade">
+                                      <p:cBhvr>
+                                        <p:cTn id="12" dur="500"/>
+                                        <p:tgtEl>
+                                          <p:spTgt spid="15"/>
+                                        </p:tgtEl>
+                                      </p:cBhvr>
+                                    </p:animEffect>
+                                  </p:childTnLst>
+                                </p:cTn>
+                              </p:par>
+                              <p:par>
+                                <p:cTn id="13" presetID="10" presetClass="exit" presetSubtype="0" fill="hold" nodeType="withEffect">
+                                  <p:stCondLst>
+                                    <p:cond delay="0"/>
+                                  </p:stCondLst>
+                                  <p:childTnLst>
+                                    <p:animEffect transition="out" filter="fade">
+                                      <p:cBhvr>
+                                        <p:cTn id="14" dur="500"/>
+                                        <p:tgtEl>
+                                          <p:spTgt spid="8"/>
+                                        </p:tgtEl>
+                                      </p:cBhvr>
+                                    </p:animEffect>
+                                    <p:set>
+                                      <p:cBhvr>
+                                        <p:cTn id="15" dur="1" fill="hold">
+                                          <p:stCondLst>
+                                            <p:cond delay="499"/>
+                                          </p:stCondLst>
+                                        </p:cTn>
+                                        <p:tgtEl>
+                                          <p:spTgt spid="8"/>
+                                        </p:tgtEl>
+                                        <p:attrNameLst>
+                                          <p:attrName>style.visibility</p:attrName>
+                                        </p:attrNameLst>
+                                      </p:cBhvr>
+                                      <p:to>
+                                        <p:strVal val="hidden"/>
+                                      </p:to>
+                                    </p:set>
+                                  </p:childTnLst>
+                                </p:cTn>
+                              </p:par>
+                            </p:childTnLst>
+                          </p:cTn>
+                        </p:par>
+                      </p:childTnLst>
+                    </p:cTn>
+                  </p:par>
+                  <p:par>
+                    <p:cTn id="16" fill="hold">
+                      <p:stCondLst>
+                        <p:cond delay="indefinite"/>
+                      </p:stCondLst>
+                      <p:childTnLst>
+                        <p:par>
+                          <p:cTn id="17" fill="hold">
+                            <p:stCondLst>
+                              <p:cond delay="0"/>
+                            </p:stCondLst>
+                            <p:childTnLst>
+                              <p:par>
+                                <p:cTn id="18" presetID="10" presetClass="entr" presetSubtype="0" fill="hold" nodeType="clickEffect">
+                                  <p:stCondLst>
+                                    <p:cond delay="0"/>
+                                  </p:stCondLst>
+                                  <p:childTnLst>
+                                    <p:set>
+                                      <p:cBhvr>
+                                        <p:cTn id="19" dur="1" fill="hold">
+                                          <p:stCondLst>
+                                            <p:cond delay="0"/>
+                                          </p:stCondLst>
+                                        </p:cTn>
+                                        <p:tgtEl>
+                                          <p:spTgt spid="12"/>
+                                        </p:tgtEl>
+                                        <p:attrNameLst>
+                                          <p:attrName>style.visibility</p:attrName>
+                                        </p:attrNameLst>
+                                      </p:cBhvr>
+                                      <p:to>
+                                        <p:strVal val="visible"/>
+                                      </p:to>
+                                    </p:set>
+                                    <p:animEffect transition="in" filter="fade">
+                                      <p:cBhvr>
+                                        <p:cTn id="20" dur="500"/>
+                                        <p:tgtEl>
+                                          <p:spTgt spid="12"/>
+                                        </p:tgtEl>
+                                      </p:cBhvr>
+                                    </p:animEffect>
+                                  </p:childTnLst>
+                                </p:cTn>
+                              </p:par>
+                              <p:par>
+                                <p:cTn id="21" presetID="10" presetClass="exit" presetSubtype="0" fill="hold" nodeType="withEffect">
+                                  <p:stCondLst>
+                                    <p:cond delay="0"/>
+                                  </p:stCondLst>
+                                  <p:childTnLst>
+                                    <p:animEffect transition="out" filter="fade">
+                                      <p:cBhvr>
+                                        <p:cTn id="22" dur="500"/>
+                                        <p:tgtEl>
+                                          <p:spTgt spid="15"/>
+                                        </p:tgtEl>
+                                      </p:cBhvr>
+                                    </p:animEffect>
+                                    <p:set>
+                                      <p:cBhvr>
+                                        <p:cTn id="23" dur="1" fill="hold">
+                                          <p:stCondLst>
+                                            <p:cond delay="499"/>
+                                          </p:stCondLst>
+                                        </p:cTn>
+                                        <p:tgtEl>
+                                          <p:spTgt spid="15"/>
+                                        </p:tgtEl>
+                                        <p:attrNameLst>
+                                          <p:attrName>style.visibility</p:attrName>
+                                        </p:attrNameLst>
+                                      </p:cBhvr>
+                                      <p:to>
+                                        <p:strVal val="hidden"/>
+                                      </p:to>
+                                    </p:set>
+                                  </p:childTnLst>
+                                </p:cTn>
+                              </p:par>
+                            </p:childTnLst>
+                          </p:cTn>
+                        </p:par>
+                      </p:childTnLst>
+                    </p:cTn>
+                  </p:par>
+                  <p:par>
+                    <p:cTn id="24" fill="hold">
+                      <p:stCondLst>
+                        <p:cond delay="indefinite"/>
+                      </p:stCondLst>
+                      <p:childTnLst>
+                        <p:par>
+                          <p:cTn id="25" fill="hold">
+                            <p:stCondLst>
+                              <p:cond delay="0"/>
+                            </p:stCondLst>
+                            <p:childTnLst>
+                              <p:par>
+                                <p:cTn id="26" presetID="10" presetClass="entr" presetSubtype="0" fill="hold" nodeType="clickEffect">
+                                  <p:stCondLst>
+                                    <p:cond delay="0"/>
+                                  </p:stCondLst>
+                                  <p:childTnLst>
+                                    <p:set>
+                                      <p:cBhvr>
+                                        <p:cTn id="27" dur="1" fill="hold">
+                                          <p:stCondLst>
+                                            <p:cond delay="0"/>
+                                          </p:stCondLst>
+                                        </p:cTn>
+                                        <p:tgtEl>
+                                          <p:spTgt spid="9"/>
+                                        </p:tgtEl>
+                                        <p:attrNameLst>
+                                          <p:attrName>style.visibility</p:attrName>
+                                        </p:attrNameLst>
+                                      </p:cBhvr>
+                                      <p:to>
+                                        <p:strVal val="visible"/>
+                                      </p:to>
+                                    </p:set>
+                                    <p:animEffect transition="in" filter="fade">
+                                      <p:cBhvr>
+                                        <p:cTn id="28" dur="500"/>
+                                        <p:tgtEl>
+                                          <p:spTgt spid="9"/>
+                                        </p:tgtEl>
+                                      </p:cBhvr>
+                                    </p:animEffect>
+                                  </p:childTnLst>
+                                </p:cTn>
+                              </p:par>
+                              <p:par>
+                                <p:cTn id="29" presetID="10" presetClass="exit" presetSubtype="0" fill="hold" nodeType="withEffect">
+                                  <p:stCondLst>
+                                    <p:cond delay="0"/>
+                                  </p:stCondLst>
+                                  <p:childTnLst>
+                                    <p:animEffect transition="out" filter="fade">
+                                      <p:cBhvr>
+                                        <p:cTn id="30" dur="500"/>
+                                        <p:tgtEl>
+                                          <p:spTgt spid="12"/>
+                                        </p:tgtEl>
+                                      </p:cBhvr>
+                                    </p:animEffect>
+                                    <p:set>
+                                      <p:cBhvr>
+                                        <p:cTn id="31" dur="1" fill="hold">
+                                          <p:stCondLst>
+                                            <p:cond delay="499"/>
+                                          </p:stCondLst>
+                                        </p:cTn>
+                                        <p:tgtEl>
+                                          <p:spTgt spid="12"/>
+                                        </p:tgtEl>
+                                        <p:attrNameLst>
+                                          <p:attrName>style.visibility</p:attrName>
+                                        </p:attrNameLst>
+                                      </p:cBhvr>
+                                      <p:to>
+                                        <p:strVal val="hidden"/>
+                                      </p:to>
+                                    </p:set>
+                                  </p:childTnLst>
+                                </p:cTn>
+                              </p:par>
+                            </p:childTnLst>
+                          </p:cTn>
+                        </p:par>
+                      </p:childTnLst>
+                    </p:cTn>
+                  </p:par>
+                  <p:par>
+                    <p:cTn id="32" fill="hold">
+                      <p:stCondLst>
+                        <p:cond delay="indefinite"/>
+                      </p:stCondLst>
+                      <p:childTnLst>
+                        <p:par>
+                          <p:cTn id="33" fill="hold">
+                            <p:stCondLst>
+                              <p:cond delay="0"/>
+                            </p:stCondLst>
+                            <p:childTnLst>
+                              <p:par>
+                                <p:cTn id="34" presetID="10" presetClass="entr" presetSubtype="0" fill="hold" nodeType="clickEffect">
+                                  <p:stCondLst>
+                                    <p:cond delay="0"/>
+                                  </p:stCondLst>
+                                  <p:childTnLst>
+                                    <p:set>
+                                      <p:cBhvr>
+                                        <p:cTn id="35" dur="1" fill="hold">
+                                          <p:stCondLst>
+                                            <p:cond delay="0"/>
+                                          </p:stCondLst>
+                                        </p:cTn>
+                                        <p:tgtEl>
+                                          <p:spTgt spid="18"/>
+                                        </p:tgtEl>
+                                        <p:attrNameLst>
+                                          <p:attrName>style.visibility</p:attrName>
+                                        </p:attrNameLst>
+                                      </p:cBhvr>
+                                      <p:to>
+                                        <p:strVal val="visible"/>
+                                      </p:to>
+                                    </p:set>
+                                    <p:animEffect transition="in" filter="fade">
+                                      <p:cBhvr>
+                                        <p:cTn id="36" dur="500"/>
+                                        <p:tgtEl>
+                                          <p:spTgt spid="18"/>
+                                        </p:tgtEl>
+                                      </p:cBhvr>
+                                    </p:animEffect>
+                                  </p:childTnLst>
+                                </p:cTn>
+                              </p:par>
+                              <p:par>
+                                <p:cTn id="37" presetID="10" presetClass="exit" presetSubtype="0" fill="hold" nodeType="withEffect">
+                                  <p:stCondLst>
+                                    <p:cond delay="0"/>
+                                  </p:stCondLst>
+                                  <p:childTnLst>
+                                    <p:animEffect transition="out" filter="fade">
+                                      <p:cBhvr>
+                                        <p:cTn id="38" dur="500"/>
+                                        <p:tgtEl>
+                                          <p:spTgt spid="9"/>
+                                        </p:tgtEl>
+                                      </p:cBhvr>
+                                    </p:animEffect>
+                                    <p:set>
+                                      <p:cBhvr>
+                                        <p:cTn id="39" dur="1" fill="hold">
+                                          <p:stCondLst>
+                                            <p:cond delay="499"/>
+                                          </p:stCondLst>
+                                        </p:cTn>
+                                        <p:tgtEl>
+                                          <p:spTgt spid="9"/>
+                                        </p:tgtEl>
+                                        <p:attrNameLst>
+                                          <p:attrName>style.visibility</p:attrName>
+                                        </p:attrNameLst>
+                                      </p:cBhvr>
+                                      <p:to>
+                                        <p:strVal val="hidden"/>
+                                      </p:to>
+                                    </p:set>
+                                  </p:childTnLst>
+                                </p:cTn>
+                              </p:par>
+                            </p:childTnLst>
+                          </p:cTn>
+                        </p:par>
+                      </p:childTnLst>
+                    </p:cTn>
+                  </p:par>
+                </p:childTnLst>
+              </p:cTn>
+              <p:prevCondLst>
+                <p:cond evt="onPrev" delay="0">
+                  <p:tgtEl>
+                    <p:sldTgt/>
+                  </p:tgtEl>
+                </p:cond>
+              </p:prevCondLst>
+              <p:nextCondLst>
+                <p:cond evt="onNext" delay="0">
+                  <p:tgtEl>
+                    <p:sldTgt/>
+                  </p:tgtEl>
+                </p:cond>
+              </p:nextCondLst>
+            </p:seq>
+          </p:childTnLst>
+        </p:cTn>
+      </p:par>
+    </p:tnLst>
+  </p:timing>
+</p:sld>
+</file>
+
+<file path=ppt/slides/slide6.xml><?xml version="1.0" encoding="utf-8"?>
+<p:sld xmlns:a="http://schemas.openxmlformats.org/drawingml/2006/main" xmlns:r="http://schemas.openxmlformats.org/officeDocument/2006/relationships" xmlns:p="http://schemas.openxmlformats.org/presentationml/2006/main">
+  <p:cSld>
+    <p:spTree>
+      <p:nvGrpSpPr>
+        <p:cNvPr id="1" name=""/>
+        <p:cNvGrpSpPr/>
+        <p:nvPr/>
+      </p:nvGrpSpPr>
+      <p:grpSpPr>
+        <a:xfrm>
+          <a:off x="0" y="0"/>
+          <a:ext cx="0" cy="0"/>
+          <a:chOff x="0" y="0"/>
+          <a:chExt cx="0" cy="0"/>
+        </a:xfrm>
+      </p:grpSpPr>
+      <p:sp>
+        <p:nvSpPr>
+          <p:cNvPr id="2" name="Title 1">
+            <a:extLst>
+              <a:ext uri="{FF2B5EF4-FFF2-40B4-BE49-F238E27FC236}">
+                <a16:creationId xmlns:a16="http://schemas.microsoft.com/office/drawing/2014/main" id="{070F05D2-7593-4C95-9C17-CFB424ACA10B}"/>
+              </a:ext>
+            </a:extLst>
+          </p:cNvPr>
+          <p:cNvSpPr>
+            <a:spLocks noGrp="1"/>
+          </p:cNvSpPr>
+          <p:nvPr>
+            <p:ph type="title"/>
+          </p:nvPr>
+        </p:nvSpPr>
+        <p:spPr/>
+        <p:txBody>
+          <a:bodyPr/>
+          <a:lstStyle/>
+          <a:p>
+            <a:r>
+              <a:rPr lang="en-GB" dirty="0"/>
+              <a:t>Firebase?</a:t>
+            </a:r>
+          </a:p>
+        </p:txBody>
+      </p:sp>
+      <p:sp>
+        <p:nvSpPr>
+          <p:cNvPr id="3" name="Content Placeholder 2">
+            <a:extLst>
+              <a:ext uri="{FF2B5EF4-FFF2-40B4-BE49-F238E27FC236}">
+                <a16:creationId xmlns:a16="http://schemas.microsoft.com/office/drawing/2014/main" id="{089E3D8E-5A9E-40FA-A05A-ED31557FD1DD}"/>
+              </a:ext>
+            </a:extLst>
+          </p:cNvPr>
+          <p:cNvSpPr>
+            <a:spLocks noGrp="1"/>
+          </p:cNvSpPr>
+          <p:nvPr>
+            <p:ph idx="1"/>
+          </p:nvPr>
+        </p:nvSpPr>
+        <p:spPr/>
+        <p:txBody>
+          <a:bodyPr>
+            <a:normAutofit lnSpcReduction="10000"/>
+          </a:bodyPr>
+          <a:lstStyle/>
+          <a:p>
+            <a:r>
+              <a:rPr lang="en-GB" dirty="0"/>
+              <a:t>Authentication (incl. OAuth)</a:t>
+            </a:r>
+          </a:p>
+          <a:p>
+            <a:r>
+              <a:rPr lang="en-GB" dirty="0"/>
+              <a:t>Databases / Document stores / Remote Config</a:t>
+            </a:r>
+          </a:p>
+          <a:p>
+            <a:r>
+              <a:rPr lang="en-GB" dirty="0"/>
+              <a:t>Hosting + Cloud Storage</a:t>
+            </a:r>
+          </a:p>
+          <a:p>
+            <a:r>
+              <a:rPr lang="en-GB" dirty="0"/>
+              <a:t>Cloud Functions</a:t>
+            </a:r>
+          </a:p>
+          <a:p>
+            <a:r>
+              <a:rPr lang="en-GB" dirty="0"/>
+              <a:t>Pre-Release App Distribution + A/B Testing</a:t>
+            </a:r>
+          </a:p>
+          <a:p>
+            <a:r>
+              <a:rPr lang="en-GB" dirty="0"/>
+              <a:t>Analytics, </a:t>
+            </a:r>
+            <a:r>
+              <a:rPr lang="en-GB" dirty="0" err="1"/>
+              <a:t>Crashlytics</a:t>
+            </a:r>
+            <a:r>
+              <a:rPr lang="en-GB" dirty="0"/>
+              <a:t>, Performance Monitoring</a:t>
+            </a:r>
+          </a:p>
+          <a:p>
+            <a:r>
+              <a:rPr lang="en-GB" dirty="0"/>
+              <a:t>Test Lab</a:t>
+            </a:r>
+          </a:p>
+          <a:p>
+            <a:r>
+              <a:rPr lang="en-GB" dirty="0"/>
+              <a:t>In-App Messaging, Push Notifications</a:t>
+            </a:r>
+          </a:p>
+          <a:p>
+            <a:r>
+              <a:rPr lang="en-GB" dirty="0"/>
+              <a:t>Machine Learning</a:t>
+            </a:r>
+          </a:p>
+          <a:p>
+            <a:endParaRPr lang="en-GB" dirty="0"/>
+          </a:p>
+        </p:txBody>
+      </p:sp>
+    </p:spTree>
+    <p:extLst>
+      <p:ext uri="{BB962C8B-B14F-4D97-AF65-F5344CB8AC3E}">
+        <p14:creationId xmlns:p14="http://schemas.microsoft.com/office/powerpoint/2010/main" val="4120932351"/>
+      </p:ext>
+    </p:extLst>
+  </p:cSld>
+  <p:clrMapOvr>
+    <a:masterClrMapping/>
+  </p:clrMapOvr>
+</p:sld>
+</file>
+
+<file path=ppt/slides/slide7.xml><?xml version="1.0" encoding="utf-8"?>
+<p:sld xmlns:a="http://schemas.openxmlformats.org/drawingml/2006/main" xmlns:r="http://schemas.openxmlformats.org/officeDocument/2006/relationships" xmlns:p="http://schemas.openxmlformats.org/presentationml/2006/main">
+  <p:cSld>
+    <p:spTree>
+      <p:nvGrpSpPr>
+        <p:cNvPr id="1" name=""/>
+        <p:cNvGrpSpPr/>
+        <p:nvPr/>
+      </p:nvGrpSpPr>
+      <p:grpSpPr>
+        <a:xfrm>
+          <a:off x="0" y="0"/>
+          <a:ext cx="0" cy="0"/>
+          <a:chOff x="0" y="0"/>
+          <a:chExt cx="0" cy="0"/>
+        </a:xfrm>
+      </p:grpSpPr>
+      <p:sp>
+        <p:nvSpPr>
+          <p:cNvPr id="2" name="Title 1">
+            <a:extLst>
+              <a:ext uri="{FF2B5EF4-FFF2-40B4-BE49-F238E27FC236}">
+                <a16:creationId xmlns:a16="http://schemas.microsoft.com/office/drawing/2014/main" id="{6B4F726C-2CD6-4414-AF28-E812D9AD4E20}"/>
+              </a:ext>
+            </a:extLst>
+          </p:cNvPr>
+          <p:cNvSpPr>
+            <a:spLocks noGrp="1"/>
+          </p:cNvSpPr>
+          <p:nvPr>
+            <p:ph type="title"/>
+          </p:nvPr>
+        </p:nvSpPr>
+        <p:spPr/>
+        <p:txBody>
+          <a:bodyPr/>
+          <a:lstStyle/>
+          <a:p>
+            <a:r>
+              <a:rPr lang="en-GB" dirty="0"/>
+              <a:t>So what shall we build today?</a:t>
+            </a:r>
+          </a:p>
+        </p:txBody>
+      </p:sp>
+      <p:sp>
+        <p:nvSpPr>
+          <p:cNvPr id="3" name="Text Placeholder 2">
+            <a:extLst>
+              <a:ext uri="{FF2B5EF4-FFF2-40B4-BE49-F238E27FC236}">
+                <a16:creationId xmlns:a16="http://schemas.microsoft.com/office/drawing/2014/main" id="{A95F8EA9-DC57-4995-92E5-BFC8AF6AD36F}"/>
+              </a:ext>
+            </a:extLst>
+          </p:cNvPr>
+          <p:cNvSpPr>
+            <a:spLocks noGrp="1"/>
+          </p:cNvSpPr>
+          <p:nvPr>
+            <p:ph type="body" idx="1"/>
+          </p:nvPr>
+        </p:nvSpPr>
+        <p:spPr/>
+        <p:txBody>
+          <a:bodyPr/>
+          <a:lstStyle/>
+          <a:p>
+            <a:r>
+              <a:rPr lang="en-GB" dirty="0"/>
+              <a:t>Here we go….</a:t>
+            </a:r>
+          </a:p>
+        </p:txBody>
+      </p:sp>
+      <p:sp>
+        <p:nvSpPr>
+          <p:cNvPr id="5" name="Rectangle 4">
+            <a:extLst>
+              <a:ext uri="{FF2B5EF4-FFF2-40B4-BE49-F238E27FC236}">
+                <a16:creationId xmlns:a16="http://schemas.microsoft.com/office/drawing/2014/main" id="{1D002E36-45C6-42E1-93EA-3CE565E3273C}"/>
+              </a:ext>
+            </a:extLst>
+          </p:cNvPr>
+          <p:cNvSpPr/>
+          <p:nvPr/>
+        </p:nvSpPr>
+        <p:spPr>
+          <a:xfrm flipH="1">
+            <a:off x="771689" y="3720261"/>
+            <a:ext cx="45719" cy="1212685"/>
+          </a:xfrm>
+          <a:prstGeom prst="rect">
+            <a:avLst/>
+          </a:prstGeom>
+        </p:spPr>
+        <p:style>
+          <a:lnRef idx="2">
+            <a:schemeClr val="accent1">
+              <a:shade val="50000"/>
+            </a:schemeClr>
+          </a:lnRef>
+          <a:fillRef idx="1">
+            <a:schemeClr val="accent1"/>
+          </a:fillRef>
+          <a:effectRef idx="0">
+            <a:schemeClr val="accent1"/>
+          </a:effectRef>
+          <a:fontRef idx="minor">
+            <a:schemeClr val="lt1"/>
+          </a:fontRef>
+        </p:style>
+        <p:txBody>
+          <a:bodyPr rtlCol="0" anchor="ctr"/>
+          <a:lstStyle/>
+          <a:p>
+            <a:pPr algn="ctr"/>
+            <a:endParaRPr lang="en-GB"/>
+          </a:p>
+        </p:txBody>
+      </p:sp>
+    </p:spTree>
+    <p:extLst>
+      <p:ext uri="{BB962C8B-B14F-4D97-AF65-F5344CB8AC3E}">
+        <p14:creationId xmlns:p14="http://schemas.microsoft.com/office/powerpoint/2010/main" val="1222863904"/>
+      </p:ext>
+    </p:extLst>
+  </p:cSld>
+  <p:clrMapOvr>
+    <a:masterClrMapping/>
+  </p:clrMapOvr>
+</p:sld>
+</file>
+
+<file path=ppt/slides/slide8.xml><?xml version="1.0" encoding="utf-8"?>
+<p:sld xmlns:a="http://schemas.openxmlformats.org/drawingml/2006/main" xmlns:r="http://schemas.openxmlformats.org/officeDocument/2006/relationships" xmlns:p="http://schemas.openxmlformats.org/presentationml/2006/main">
+  <p:cSld>
+    <p:spTree>
+      <p:nvGrpSpPr>
+        <p:cNvPr id="1" name=""/>
+        <p:cNvGrpSpPr/>
+        <p:nvPr/>
+      </p:nvGrpSpPr>
+      <p:grpSpPr>
+        <a:xfrm>
+          <a:off x="0" y="0"/>
+          <a:ext cx="0" cy="0"/>
+          <a:chOff x="0" y="0"/>
+          <a:chExt cx="0" cy="0"/>
+        </a:xfrm>
+      </p:grpSpPr>
+      <p:sp>
+        <p:nvSpPr>
           <p:cNvPr id="8" name="Right Brace 7">
             <a:extLst>
               <a:ext uri="{FF2B5EF4-FFF2-40B4-BE49-F238E27FC236}">
@@ -4212,7 +13017,7 @@
 </p:sld>
 </file>
 
-<file path=ppt/slides/slide2.xml><?xml version="1.0" encoding="utf-8"?>
+<file path=ppt/slides/slide9.xml><?xml version="1.0" encoding="utf-8"?>
 <p:sld xmlns:a="http://schemas.openxmlformats.org/drawingml/2006/main" xmlns:r="http://schemas.openxmlformats.org/officeDocument/2006/relationships" xmlns:p="http://schemas.openxmlformats.org/presentationml/2006/main">
   <p:cSld>
     <p:spTree>
@@ -4686,4 +13491,299 @@
     </a:ext>
   </a:extLst>
 </a:theme>
+</file>
+
+<file path=ppt/theme/theme2.xml><?xml version="1.0" encoding="utf-8"?>
+<a:theme xmlns:a="http://schemas.openxmlformats.org/drawingml/2006/main" name="Office Theme">
+  <a:themeElements>
+    <a:clrScheme name="Office">
+      <a:dk1>
+        <a:sysClr val="windowText" lastClr="000000"/>
+      </a:dk1>
+      <a:lt1>
+        <a:sysClr val="window" lastClr="FFFFFF"/>
+      </a:lt1>
+      <a:dk2>
+        <a:srgbClr val="44546A"/>
+      </a:dk2>
+      <a:lt2>
+        <a:srgbClr val="E7E6E6"/>
+      </a:lt2>
+      <a:accent1>
+        <a:srgbClr val="4472C4"/>
+      </a:accent1>
+      <a:accent2>
+        <a:srgbClr val="ED7D31"/>
+      </a:accent2>
+      <a:accent3>
+        <a:srgbClr val="A5A5A5"/>
+      </a:accent3>
+      <a:accent4>
+        <a:srgbClr val="FFC000"/>
+      </a:accent4>
+      <a:accent5>
+        <a:srgbClr val="5B9BD5"/>
+      </a:accent5>
+      <a:accent6>
+        <a:srgbClr val="70AD47"/>
+      </a:accent6>
+      <a:hlink>
+        <a:srgbClr val="0563C1"/>
+      </a:hlink>
+      <a:folHlink>
+        <a:srgbClr val="954F72"/>
+      </a:folHlink>
+    </a:clrScheme>
+    <a:fontScheme name="Office">
+      <a:majorFont>
+        <a:latin typeface="Calibri Light" panose="020F0302020204030204"/>
+        <a:ea typeface=""/>
+        <a:cs typeface=""/>
+        <a:font script="Jpan" typeface="游ゴシック Light"/>
+        <a:font script="Hang" typeface="맑은 고딕"/>
+        <a:font script="Hans" typeface="等线 Light"/>
+        <a:font script="Hant" typeface="新細明體"/>
+        <a:font script="Arab" typeface="Times New Roman"/>
+        <a:font script="Hebr" typeface="Times New Roman"/>
+        <a:font script="Thai" typeface="Angsana New"/>
+        <a:font script="Ethi" typeface="Nyala"/>
+        <a:font script="Beng" typeface="Vrinda"/>
+        <a:font script="Gujr" typeface="Shruti"/>
+        <a:font script="Khmr" typeface="MoolBoran"/>
+        <a:font script="Knda" typeface="Tunga"/>
+        <a:font script="Guru" typeface="Raavi"/>
+        <a:font script="Cans" typeface="Euphemia"/>
+        <a:font script="Cher" typeface="Plantagenet Cherokee"/>
+        <a:font script="Yiii" typeface="Microsoft Yi Baiti"/>
+        <a:font script="Tibt" typeface="Microsoft Himalaya"/>
+        <a:font script="Thaa" typeface="MV Boli"/>
+        <a:font script="Deva" typeface="Mangal"/>
+        <a:font script="Telu" typeface="Gautami"/>
+        <a:font script="Taml" typeface="Latha"/>
+        <a:font script="Syrc" typeface="Estrangelo Edessa"/>
+        <a:font script="Orya" typeface="Kalinga"/>
+        <a:font script="Mlym" typeface="Kartika"/>
+        <a:font script="Laoo" typeface="DokChampa"/>
+        <a:font script="Sinh" typeface="Iskoola Pota"/>
+        <a:font script="Mong" typeface="Mongolian Baiti"/>
+        <a:font script="Viet" typeface="Times New Roman"/>
+        <a:font script="Uigh" typeface="Microsoft Uighur"/>
+        <a:font script="Geor" typeface="Sylfaen"/>
+        <a:font script="Armn" typeface="Arial"/>
+        <a:font script="Bugi" typeface="Leelawadee UI"/>
+        <a:font script="Bopo" typeface="Microsoft JhengHei"/>
+        <a:font script="Java" typeface="Javanese Text"/>
+        <a:font script="Lisu" typeface="Segoe UI"/>
+        <a:font script="Mymr" typeface="Myanmar Text"/>
+        <a:font script="Nkoo" typeface="Ebrima"/>
+        <a:font script="Olck" typeface="Nirmala UI"/>
+        <a:font script="Osma" typeface="Ebrima"/>
+        <a:font script="Phag" typeface="Phagspa"/>
+        <a:font script="Syrn" typeface="Estrangelo Edessa"/>
+        <a:font script="Syrj" typeface="Estrangelo Edessa"/>
+        <a:font script="Syre" typeface="Estrangelo Edessa"/>
+        <a:font script="Sora" typeface="Nirmala UI"/>
+        <a:font script="Tale" typeface="Microsoft Tai Le"/>
+        <a:font script="Talu" typeface="Microsoft New Tai Lue"/>
+        <a:font script="Tfng" typeface="Ebrima"/>
+      </a:majorFont>
+      <a:minorFont>
+        <a:latin typeface="Calibri" panose="020F0502020204030204"/>
+        <a:ea typeface=""/>
+        <a:cs typeface=""/>
+        <a:font script="Jpan" typeface="游ゴシック"/>
+        <a:font script="Hang" typeface="맑은 고딕"/>
+        <a:font script="Hans" typeface="等线"/>
+        <a:font script="Hant" typeface="新細明體"/>
+        <a:font script="Arab" typeface="Arial"/>
+        <a:font script="Hebr" typeface="Arial"/>
+        <a:font script="Thai" typeface="Cordia New"/>
+        <a:font script="Ethi" typeface="Nyala"/>
+        <a:font script="Beng" typeface="Vrinda"/>
+        <a:font script="Gujr" typeface="Shruti"/>
+        <a:font script="Khmr" typeface="DaunPenh"/>
+        <a:font script="Knda" typeface="Tunga"/>
+        <a:font script="Guru" typeface="Raavi"/>
+        <a:font script="Cans" typeface="Euphemia"/>
+        <a:font script="Cher" typeface="Plantagenet Cherokee"/>
+        <a:font script="Yiii" typeface="Microsoft Yi Baiti"/>
+        <a:font script="Tibt" typeface="Microsoft Himalaya"/>
+        <a:font script="Thaa" typeface="MV Boli"/>
+        <a:font script="Deva" typeface="Mangal"/>
+        <a:font script="Telu" typeface="Gautami"/>
+        <a:font script="Taml" typeface="Latha"/>
+        <a:font script="Syrc" typeface="Estrangelo Edessa"/>
+        <a:font script="Orya" typeface="Kalinga"/>
+        <a:font script="Mlym" typeface="Kartika"/>
+        <a:font script="Laoo" typeface="DokChampa"/>
+        <a:font script="Sinh" typeface="Iskoola Pota"/>
+        <a:font script="Mong" typeface="Mongolian Baiti"/>
+        <a:font script="Viet" typeface="Arial"/>
+        <a:font script="Uigh" typeface="Microsoft Uighur"/>
+        <a:font script="Geor" typeface="Sylfaen"/>
+        <a:font script="Armn" typeface="Arial"/>
+        <a:font script="Bugi" typeface="Leelawadee UI"/>
+        <a:font script="Bopo" typeface="Microsoft JhengHei"/>
+        <a:font script="Java" typeface="Javanese Text"/>
+        <a:font script="Lisu" typeface="Segoe UI"/>
+        <a:font script="Mymr" typeface="Myanmar Text"/>
+        <a:font script="Nkoo" typeface="Ebrima"/>
+        <a:font script="Olck" typeface="Nirmala UI"/>
+        <a:font script="Osma" typeface="Ebrima"/>
+        <a:font script="Phag" typeface="Phagspa"/>
+        <a:font script="Syrn" typeface="Estrangelo Edessa"/>
+        <a:font script="Syrj" typeface="Estrangelo Edessa"/>
+        <a:font script="Syre" typeface="Estrangelo Edessa"/>
+        <a:font script="Sora" typeface="Nirmala UI"/>
+        <a:font script="Tale" typeface="Microsoft Tai Le"/>
+        <a:font script="Talu" typeface="Microsoft New Tai Lue"/>
+        <a:font script="Tfng" typeface="Ebrima"/>
+      </a:minorFont>
+    </a:fontScheme>
+    <a:fmtScheme name="Office">
+      <a:fillStyleLst>
+        <a:solidFill>
+          <a:schemeClr val="phClr"/>
+        </a:solidFill>
+        <a:gradFill rotWithShape="1">
+          <a:gsLst>
+            <a:gs pos="0">
+              <a:schemeClr val="phClr">
+                <a:lumMod val="110000"/>
+                <a:satMod val="105000"/>
+                <a:tint val="67000"/>
+              </a:schemeClr>
+            </a:gs>
+            <a:gs pos="50000">
+              <a:schemeClr val="phClr">
+                <a:lumMod val="105000"/>
+                <a:satMod val="103000"/>
+                <a:tint val="73000"/>
+              </a:schemeClr>
+            </a:gs>
+            <a:gs pos="100000">
+              <a:schemeClr val="phClr">
+                <a:lumMod val="105000"/>
+                <a:satMod val="109000"/>
+                <a:tint val="81000"/>
+              </a:schemeClr>
+            </a:gs>
+          </a:gsLst>
+          <a:lin ang="5400000" scaled="0"/>
+        </a:gradFill>
+        <a:gradFill rotWithShape="1">
+          <a:gsLst>
+            <a:gs pos="0">
+              <a:schemeClr val="phClr">
+                <a:satMod val="103000"/>
+                <a:lumMod val="102000"/>
+                <a:tint val="94000"/>
+              </a:schemeClr>
+            </a:gs>
+            <a:gs pos="50000">
+              <a:schemeClr val="phClr">
+                <a:satMod val="110000"/>
+                <a:lumMod val="100000"/>
+                <a:shade val="100000"/>
+              </a:schemeClr>
+            </a:gs>
+            <a:gs pos="100000">
+              <a:schemeClr val="phClr">
+                <a:lumMod val="99000"/>
+                <a:satMod val="120000"/>
+                <a:shade val="78000"/>
+              </a:schemeClr>
+            </a:gs>
+          </a:gsLst>
+          <a:lin ang="5400000" scaled="0"/>
+        </a:gradFill>
+      </a:fillStyleLst>
+      <a:lnStyleLst>
+        <a:ln w="6350" cap="flat" cmpd="sng" algn="ctr">
+          <a:solidFill>
+            <a:schemeClr val="phClr"/>
+          </a:solidFill>
+          <a:prstDash val="solid"/>
+          <a:miter lim="800000"/>
+        </a:ln>
+        <a:ln w="12700" cap="flat" cmpd="sng" algn="ctr">
+          <a:solidFill>
+            <a:schemeClr val="phClr"/>
+          </a:solidFill>
+          <a:prstDash val="solid"/>
+          <a:miter lim="800000"/>
+        </a:ln>
+        <a:ln w="19050" cap="flat" cmpd="sng" algn="ctr">
+          <a:solidFill>
+            <a:schemeClr val="phClr"/>
+          </a:solidFill>
+          <a:prstDash val="solid"/>
+          <a:miter lim="800000"/>
+        </a:ln>
+      </a:lnStyleLst>
+      <a:effectStyleLst>
+        <a:effectStyle>
+          <a:effectLst/>
+        </a:effectStyle>
+        <a:effectStyle>
+          <a:effectLst/>
+        </a:effectStyle>
+        <a:effectStyle>
+          <a:effectLst>
+            <a:outerShdw blurRad="57150" dist="19050" dir="5400000" algn="ctr" rotWithShape="0">
+              <a:srgbClr val="000000">
+                <a:alpha val="63000"/>
+              </a:srgbClr>
+            </a:outerShdw>
+          </a:effectLst>
+        </a:effectStyle>
+      </a:effectStyleLst>
+      <a:bgFillStyleLst>
+        <a:solidFill>
+          <a:schemeClr val="phClr"/>
+        </a:solidFill>
+        <a:solidFill>
+          <a:schemeClr val="phClr">
+            <a:tint val="95000"/>
+            <a:satMod val="170000"/>
+          </a:schemeClr>
+        </a:solidFill>
+        <a:gradFill rotWithShape="1">
+          <a:gsLst>
+            <a:gs pos="0">
+              <a:schemeClr val="phClr">
+                <a:tint val="93000"/>
+                <a:satMod val="150000"/>
+                <a:shade val="98000"/>
+                <a:lumMod val="102000"/>
+              </a:schemeClr>
+            </a:gs>
+            <a:gs pos="50000">
+              <a:schemeClr val="phClr">
+                <a:tint val="98000"/>
+                <a:satMod val="130000"/>
+                <a:shade val="90000"/>
+                <a:lumMod val="103000"/>
+              </a:schemeClr>
+            </a:gs>
+            <a:gs pos="100000">
+              <a:schemeClr val="phClr">
+                <a:shade val="63000"/>
+                <a:satMod val="120000"/>
+              </a:schemeClr>
+            </a:gs>
+          </a:gsLst>
+          <a:lin ang="5400000" scaled="0"/>
+        </a:gradFill>
+      </a:bgFillStyleLst>
+    </a:fmtScheme>
+  </a:themeElements>
+  <a:objectDefaults/>
+  <a:extraClrSchemeLst/>
+  <a:extLst>
+    <a:ext uri="{05A4C25C-085E-4340-85A3-A5531E510DB2}">
+      <thm15:themeFamily xmlns:thm15="http://schemas.microsoft.com/office/thememl/2012/main" name="Office Theme" id="{62F939B6-93AF-4DB8-9C6B-D6C7DFDC589F}" vid="{4A3C46E8-61CC-4603-A589-7422A47A8E4A}"/>
+    </a:ext>
+  </a:extLst>
+</a:theme>
 </file>